--- a/PPT FWD TNSDC 2025.pptx
+++ b/PPT FWD TNSDC 2025.pptx
@@ -2,23 +2,23 @@
 <file path=ppt/presentation.xml><?xml version="1.0" encoding="utf-8"?>
 <p:presentation xmlns:p="http://schemas.openxmlformats.org/presentationml/2006/main" xmlns:r="http://schemas.openxmlformats.org/officeDocument/2006/relationships" xmlns:a="http://schemas.openxmlformats.org/drawingml/2006/main">
   <p:sldMasterIdLst>
-    <p:sldMasterId id="2147483708" r:id="rId1"/>
+    <p:sldMasterId id="2147483648" r:id="rId1"/>
   </p:sldMasterIdLst>
   <p:notesMasterIdLst>
     <p:notesMasterId r:id="rId2"/>
   </p:notesMasterIdLst>
   <p:sldIdLst>
-    <p:sldId id="387" r:id="rId3"/>
-    <p:sldId id="388" r:id="rId4"/>
-    <p:sldId id="389" r:id="rId5"/>
-    <p:sldId id="390" r:id="rId6"/>
-    <p:sldId id="391" r:id="rId7"/>
-    <p:sldId id="392" r:id="rId8"/>
-    <p:sldId id="393" r:id="rId9"/>
-    <p:sldId id="394" r:id="rId10"/>
-    <p:sldId id="395" r:id="rId11"/>
-    <p:sldId id="396" r:id="rId12"/>
-    <p:sldId id="397" r:id="rId13"/>
+    <p:sldId id="257" r:id="rId3"/>
+    <p:sldId id="258" r:id="rId4"/>
+    <p:sldId id="259" r:id="rId5"/>
+    <p:sldId id="260" r:id="rId6"/>
+    <p:sldId id="261" r:id="rId7"/>
+    <p:sldId id="262" r:id="rId8"/>
+    <p:sldId id="263" r:id="rId9"/>
+    <p:sldId id="264" r:id="rId10"/>
+    <p:sldId id="265" r:id="rId11"/>
+    <p:sldId id="266" r:id="rId12"/>
+    <p:sldId id="267" r:id="rId13"/>
   </p:sldIdLst>
   <p:sldSz type="screen16x9" cy="6858000" cx="12192000"/>
   <p:notesSz cx="12192000" cy="6858000"/>
@@ -144,7 +144,7 @@
       </p:grpSpPr>
       <p:sp>
         <p:nvSpPr>
-          <p:cNvPr id="1048695" name="Header Placeholder 1"/>
+          <p:cNvPr id="1048700" name="Header Placeholder 1"/>
           <p:cNvSpPr>
             <a:spLocks noGrp="1"/>
           </p:cNvSpPr>
@@ -173,7 +173,7 @@
       </p:sp>
       <p:sp>
         <p:nvSpPr>
-          <p:cNvPr id="1048696" name="Date Placeholder 2"/>
+          <p:cNvPr id="1048701" name="Date Placeholder 2"/>
           <p:cNvSpPr>
             <a:spLocks noGrp="1"/>
           </p:cNvSpPr>
@@ -206,7 +206,7 @@
       </p:sp>
       <p:sp>
         <p:nvSpPr>
-          <p:cNvPr id="1048697" name="Slide Image Placeholder 3"/>
+          <p:cNvPr id="1048702" name="Slide Image Placeholder 3"/>
           <p:cNvSpPr>
             <a:spLocks noChangeAspect="1" noRot="1" noGrp="1"/>
           </p:cNvSpPr>
@@ -236,7 +236,7 @@
       </p:sp>
       <p:sp>
         <p:nvSpPr>
-          <p:cNvPr id="1048698" name="Notes Placeholder 4"/>
+          <p:cNvPr id="1048703" name="Notes Placeholder 4"/>
           <p:cNvSpPr>
             <a:spLocks noGrp="1"/>
           </p:cNvSpPr>
@@ -293,7 +293,7 @@
       </p:sp>
       <p:sp>
         <p:nvSpPr>
-          <p:cNvPr id="1048699" name="Footer Placeholder 5"/>
+          <p:cNvPr id="1048704" name="Footer Placeholder 5"/>
           <p:cNvSpPr>
             <a:spLocks noGrp="1"/>
           </p:cNvSpPr>
@@ -322,7 +322,7 @@
       </p:sp>
       <p:sp>
         <p:nvSpPr>
-          <p:cNvPr id="1048700" name="Slide Number Placeholder 6"/>
+          <p:cNvPr id="1048705" name="Slide Number Placeholder 6"/>
           <p:cNvSpPr>
             <a:spLocks noGrp="1"/>
           </p:cNvSpPr>
@@ -456,7 +456,7 @@
   <p:cSld>
     <p:spTree>
       <p:nvGrpSpPr>
-        <p:cNvPr id="30" name=""/>
+        <p:cNvPr id="33" name=""/>
         <p:cNvGrpSpPr/>
         <p:nvPr/>
       </p:nvGrpSpPr>
@@ -470,7 +470,7 @@
       </p:grpSpPr>
       <p:sp>
         <p:nvSpPr>
-          <p:cNvPr id="1048641" name="Slide Image Placeholder 1"/>
+          <p:cNvPr id="1048644" name="Slide Image Placeholder 1"/>
           <p:cNvSpPr>
             <a:spLocks noChangeAspect="1" noRot="1" noGrp="1"/>
           </p:cNvSpPr>
@@ -482,7 +482,7 @@
       </p:sp>
       <p:sp>
         <p:nvSpPr>
-          <p:cNvPr id="1048642" name="Notes Placeholder 2"/>
+          <p:cNvPr id="1048645" name="Notes Placeholder 2"/>
           <p:cNvSpPr>
             <a:spLocks noGrp="1"/>
           </p:cNvSpPr>
@@ -500,7 +500,7 @@
       </p:sp>
       <p:sp>
         <p:nvSpPr>
-          <p:cNvPr id="1048643" name="Slide Number Placeholder 3"/>
+          <p:cNvPr id="1048646" name="Slide Number Placeholder 3"/>
           <p:cNvSpPr>
             <a:spLocks noGrp="1"/>
           </p:cNvSpPr>
@@ -533,7 +533,7 @@
   <p:cSld name="Title Slide">
     <p:spTree>
       <p:nvGrpSpPr>
-        <p:cNvPr id="26" name=""/>
+        <p:cNvPr id="21" name=""/>
         <p:cNvGrpSpPr/>
         <p:nvPr/>
       </p:nvGrpSpPr>
@@ -547,7 +547,7 @@
       </p:grpSpPr>
       <p:sp>
         <p:nvSpPr>
-          <p:cNvPr id="1048629" name="Holder 2"/>
+          <p:cNvPr id="1048601" name="Holder 2"/>
           <p:cNvSpPr>
             <a:spLocks noGrp="1"/>
           </p:cNvSpPr>
@@ -582,7 +582,7 @@
       </p:sp>
       <p:sp>
         <p:nvSpPr>
-          <p:cNvPr id="1048630" name="Holder 3"/>
+          <p:cNvPr id="1048602" name="Holder 3"/>
           <p:cNvSpPr>
             <a:spLocks noGrp="1"/>
           </p:cNvSpPr>
@@ -606,7 +606,7 @@
       </p:sp>
       <p:sp>
         <p:nvSpPr>
-          <p:cNvPr id="1048631" name="Holder 4"/>
+          <p:cNvPr id="1048603" name="Holder 4"/>
           <p:cNvSpPr>
             <a:spLocks noGrp="1"/>
           </p:cNvSpPr>
@@ -633,7 +633,7 @@
       </p:sp>
       <p:sp>
         <p:nvSpPr>
-          <p:cNvPr id="1048632" name="Holder 5"/>
+          <p:cNvPr id="1048604" name="Holder 5"/>
           <p:cNvSpPr>
             <a:spLocks noGrp="1"/>
           </p:cNvSpPr>
@@ -666,7 +666,7 @@
       </p:sp>
       <p:sp>
         <p:nvSpPr>
-          <p:cNvPr id="1048633" name="Holder 6"/>
+          <p:cNvPr id="1048605" name="Holder 6"/>
           <p:cNvSpPr>
             <a:spLocks noGrp="1"/>
           </p:cNvSpPr>
@@ -732,7 +732,7 @@
       </p:grpSpPr>
       <p:sp>
         <p:nvSpPr>
-          <p:cNvPr id="1048681" name="Holder 2"/>
+          <p:cNvPr id="1048686" name="Holder 2"/>
           <p:cNvSpPr>
             <a:spLocks noGrp="1"/>
           </p:cNvSpPr>
@@ -764,7 +764,7 @@
       </p:sp>
       <p:sp>
         <p:nvSpPr>
-          <p:cNvPr id="1048682" name="Holder 3"/>
+          <p:cNvPr id="1048687" name="Holder 3"/>
           <p:cNvSpPr>
             <a:spLocks noGrp="1"/>
           </p:cNvSpPr>
@@ -785,7 +785,7 @@
       </p:sp>
       <p:sp>
         <p:nvSpPr>
-          <p:cNvPr id="1048683" name="Holder 4"/>
+          <p:cNvPr id="1048688" name="Holder 4"/>
           <p:cNvSpPr>
             <a:spLocks noGrp="1"/>
           </p:cNvSpPr>
@@ -812,7 +812,7 @@
       </p:sp>
       <p:sp>
         <p:nvSpPr>
-          <p:cNvPr id="1048684" name="Holder 5"/>
+          <p:cNvPr id="1048689" name="Holder 5"/>
           <p:cNvSpPr>
             <a:spLocks noGrp="1"/>
           </p:cNvSpPr>
@@ -845,7 +845,7 @@
       </p:sp>
       <p:sp>
         <p:nvSpPr>
-          <p:cNvPr id="1048685" name="Holder 6"/>
+          <p:cNvPr id="1048690" name="Holder 6"/>
           <p:cNvSpPr>
             <a:spLocks noGrp="1"/>
           </p:cNvSpPr>
@@ -911,7 +911,7 @@
       </p:grpSpPr>
       <p:sp>
         <p:nvSpPr>
-          <p:cNvPr id="1048686" name="Holder 2"/>
+          <p:cNvPr id="1048691" name="Holder 2"/>
           <p:cNvSpPr>
             <a:spLocks noGrp="1"/>
           </p:cNvSpPr>
@@ -943,7 +943,7 @@
       </p:sp>
       <p:sp>
         <p:nvSpPr>
-          <p:cNvPr id="1048687" name="Holder 3"/>
+          <p:cNvPr id="1048692" name="Holder 3"/>
           <p:cNvSpPr>
             <a:spLocks noGrp="1"/>
           </p:cNvSpPr>
@@ -967,7 +967,7 @@
       </p:sp>
       <p:sp>
         <p:nvSpPr>
-          <p:cNvPr id="1048688" name="Holder 4"/>
+          <p:cNvPr id="1048693" name="Holder 4"/>
           <p:cNvSpPr>
             <a:spLocks noGrp="1"/>
           </p:cNvSpPr>
@@ -991,7 +991,7 @@
       </p:sp>
       <p:sp>
         <p:nvSpPr>
-          <p:cNvPr id="1048689" name="Holder 5"/>
+          <p:cNvPr id="1048694" name="Holder 5"/>
           <p:cNvSpPr>
             <a:spLocks noGrp="1"/>
           </p:cNvSpPr>
@@ -1018,7 +1018,7 @@
       </p:sp>
       <p:sp>
         <p:nvSpPr>
-          <p:cNvPr id="1048690" name="Holder 6"/>
+          <p:cNvPr id="1048695" name="Holder 6"/>
           <p:cNvSpPr>
             <a:spLocks noGrp="1"/>
           </p:cNvSpPr>
@@ -1051,7 +1051,7 @@
       </p:sp>
       <p:sp>
         <p:nvSpPr>
-          <p:cNvPr id="1048691" name="Holder 7"/>
+          <p:cNvPr id="1048696" name="Holder 7"/>
           <p:cNvSpPr>
             <a:spLocks noGrp="1"/>
           </p:cNvSpPr>
@@ -1275,7 +1275,7 @@
       </p:grpSpPr>
       <p:sp>
         <p:nvSpPr>
-          <p:cNvPr id="1048692" name="Holder 2"/>
+          <p:cNvPr id="1048697" name="Holder 2"/>
           <p:cNvSpPr>
             <a:spLocks noGrp="1"/>
           </p:cNvSpPr>
@@ -1302,7 +1302,7 @@
       </p:sp>
       <p:sp>
         <p:nvSpPr>
-          <p:cNvPr id="1048693" name="Holder 3"/>
+          <p:cNvPr id="1048698" name="Holder 3"/>
           <p:cNvSpPr>
             <a:spLocks noGrp="1"/>
           </p:cNvSpPr>
@@ -1335,7 +1335,7 @@
       </p:sp>
       <p:sp>
         <p:nvSpPr>
-          <p:cNvPr id="1048694" name="Holder 4"/>
+          <p:cNvPr id="1048699" name="Holder 4"/>
           <p:cNvSpPr>
             <a:spLocks noGrp="1"/>
           </p:cNvSpPr>
@@ -2036,11 +2036,11 @@
   </p:cSld>
   <p:clrMap accent1="accent1" accent2="accent2" accent3="accent3" accent4="accent4" accent5="accent5" accent6="accent6" bg1="lt1" bg2="lt2" tx1="dk1" tx2="dk2" hlink="hlink" folHlink="folHlink"/>
   <p:sldLayoutIdLst>
-    <p:sldLayoutId id="2147483709" r:id="rId1"/>
-    <p:sldLayoutId id="2147483710" r:id="rId2"/>
-    <p:sldLayoutId id="2147483711" r:id="rId3"/>
-    <p:sldLayoutId id="2147483712" r:id="rId4"/>
-    <p:sldLayoutId id="2147483713" r:id="rId5"/>
+    <p:sldLayoutId id="2147483649" r:id="rId1"/>
+    <p:sldLayoutId id="2147483650" r:id="rId2"/>
+    <p:sldLayoutId id="2147483651" r:id="rId3"/>
+    <p:sldLayoutId id="2147483652" r:id="rId4"/>
+    <p:sldLayoutId id="2147483653" r:id="rId5"/>
   </p:sldLayoutIdLst>
   <p:txStyles>
     <p:titleStyle>
@@ -2191,7 +2191,7 @@
   <p:cSld>
     <p:spTree>
       <p:nvGrpSpPr>
-        <p:cNvPr id="27" name=""/>
+        <p:cNvPr id="30" name=""/>
         <p:cNvGrpSpPr/>
         <p:nvPr/>
       </p:nvGrpSpPr>
@@ -2205,7 +2205,7 @@
       </p:grpSpPr>
       <p:grpSp>
         <p:nvGrpSpPr>
-          <p:cNvPr id="28" name="object 2"/>
+          <p:cNvPr id="31" name="object 2"/>
           <p:cNvGrpSpPr/>
           <p:nvPr/>
         </p:nvGrpSpPr>
@@ -2219,7 +2219,7 @@
         </p:grpSpPr>
         <p:sp>
           <p:nvSpPr>
-            <p:cNvPr id="1048634" name="object 3"/>
+            <p:cNvPr id="1048637" name="object 3"/>
             <p:cNvSpPr/>
             <p:nvPr/>
           </p:nvSpPr>
@@ -2270,7 +2270,7 @@
         </p:sp>
         <p:sp>
           <p:nvSpPr>
-            <p:cNvPr id="1048635" name="object 4"/>
+            <p:cNvPr id="1048638" name="object 4"/>
             <p:cNvSpPr/>
             <p:nvPr/>
           </p:nvSpPr>
@@ -2322,7 +2322,7 @@
       </p:grpSp>
       <p:sp>
         <p:nvSpPr>
-          <p:cNvPr id="1048636" name="object 5"/>
+          <p:cNvPr id="1048639" name="object 5"/>
           <p:cNvSpPr/>
           <p:nvPr/>
         </p:nvSpPr>
@@ -2373,7 +2373,7 @@
       </p:sp>
       <p:sp>
         <p:nvSpPr>
-          <p:cNvPr id="1048637" name="object 6"/>
+          <p:cNvPr id="1048640" name="object 6"/>
           <p:cNvSpPr/>
           <p:nvPr/>
         </p:nvSpPr>
@@ -2424,7 +2424,7 @@
       </p:sp>
       <p:sp>
         <p:nvSpPr>
-          <p:cNvPr id="1048638" name="object 7"/>
+          <p:cNvPr id="1048641" name="object 7"/>
           <p:cNvSpPr txBox="1">
             <a:spLocks noGrp="1"/>
           </p:cNvSpPr>
@@ -2475,7 +2475,7 @@
       </p:sp>
       <p:pic>
         <p:nvPicPr>
-          <p:cNvPr id="2097157" name="object 9"/>
+          <p:cNvPr id="2097161" name="object 9"/>
           <p:cNvPicPr>
             <a:picLocks/>
           </p:cNvPicPr>
@@ -2497,7 +2497,7 @@
       </p:pic>
       <p:sp>
         <p:nvSpPr>
-          <p:cNvPr id="1048639" name="object 11"/>
+          <p:cNvPr id="1048642" name="object 11"/>
           <p:cNvSpPr txBox="1">
             <a:spLocks noGrp="1"/>
           </p:cNvSpPr>
@@ -2531,7 +2531,7 @@
       </p:sp>
       <p:sp>
         <p:nvSpPr>
-          <p:cNvPr id="1048640" name="TextBox 13"/>
+          <p:cNvPr id="1048643" name="TextBox 13"/>
           <p:cNvSpPr txBox="1"/>
           <p:nvPr/>
         </p:nvSpPr>
@@ -2549,318 +2549,328 @@
           </a:bodyPr>
           <a:p>
             <a:r>
-              <a:rPr dirty="0" sz="2400" lang="en-US"/>
+              <a:rPr b="1" dirty="0" sz="2400" lang="en-US"/>
               <a:t>STUDENT NAME: </a:t>
             </a:r>
             <a:r>
-              <a:rPr altLang="en-IN" dirty="0" sz="2400" lang="en-US"/>
+              <a:rPr altLang="en-IN" b="1" dirty="0" sz="2400" lang="en-US"/>
               <a:t>A</a:t>
             </a:r>
             <a:r>
-              <a:rPr altLang="en-IN" dirty="0" sz="2400" lang="en-US"/>
+              <a:rPr altLang="en-IN" b="1" dirty="0" sz="2400" lang="en-US"/>
               <a:t>.</a:t>
             </a:r>
             <a:r>
-              <a:rPr altLang="en-IN" dirty="0" sz="2400" lang="en-US"/>
+              <a:rPr altLang="en-IN" b="1" dirty="0" sz="2400" lang="en-US"/>
               <a:t>N</a:t>
             </a:r>
             <a:r>
-              <a:rPr altLang="en-IN" dirty="0" sz="2400" lang="en-US"/>
+              <a:rPr altLang="en-IN" b="1" dirty="0" sz="2400" lang="en-US"/>
               <a:t>a</a:t>
             </a:r>
             <a:r>
-              <a:rPr altLang="en-IN" dirty="0" sz="2400" lang="en-US"/>
+              <a:rPr altLang="en-IN" b="1" dirty="0" sz="2400" lang="en-US"/>
               <a:t>z</a:t>
             </a:r>
             <a:r>
-              <a:rPr altLang="en-IN" dirty="0" sz="2400" lang="en-US"/>
+              <a:rPr altLang="en-IN" b="1" dirty="0" sz="2400" lang="en-US"/>
               <a:t>e</a:t>
             </a:r>
             <a:r>
-              <a:rPr altLang="en-IN" dirty="0" sz="2400" lang="en-US"/>
+              <a:rPr altLang="en-IN" b="1" dirty="0" sz="2400" lang="en-US"/>
               <a:t>m</a:t>
             </a:r>
             <a:r>
-              <a:rPr altLang="en-IN" dirty="0" sz="2400" lang="en-US"/>
+              <a:rPr altLang="en-IN" b="1" dirty="0" sz="2400" lang="en-US"/>
               <a:t>a</a:t>
             </a:r>
-            <a:endParaRPr altLang="en-US" lang="zh-CN"/>
+            <a:endParaRPr altLang="en-US" b="1" lang="zh-CN"/>
           </a:p>
           <a:p>
             <a:r>
-              <a:rPr dirty="0" sz="2400" lang="en-US"/>
+              <a:rPr b="1" dirty="0" sz="2400" lang="en-US"/>
               <a:t>REGISTER NO AND NMID: </a:t>
             </a:r>
             <a:r>
-              <a:rPr altLang="en-IN" dirty="0" sz="2400" lang="en-US"/>
-              <a:t>astvu30430424u09017</a:t>
-            </a:r>
-            <a:r>
-              <a:rPr altLang="en-IN" dirty="0" sz="2400" lang="en-US"/>
+              <a:rPr altLang="en-IN" b="1" dirty="0" sz="2400" lang="en-US"/>
+              <a:t>a</a:t>
+            </a:r>
+            <a:r>
+              <a:rPr altLang="en-IN" b="1" dirty="0" sz="2400" lang="en-US"/>
+              <a:t>s</a:t>
+            </a:r>
+            <a:r>
+              <a:rPr altLang="en-IN" b="1" dirty="0" sz="2400" lang="en-US"/>
+              <a:t>t</a:t>
+            </a:r>
+            <a:r>
+              <a:rPr altLang="en-IN" b="1" dirty="0" sz="2400" lang="en-US"/>
+              <a:t>v</a:t>
+            </a:r>
+            <a:r>
+              <a:rPr altLang="en-IN" b="1" dirty="0" sz="2400" lang="en-US"/>
+              <a:t>u</a:t>
+            </a:r>
+            <a:r>
+              <a:rPr altLang="en-IN" b="1" dirty="0" sz="2400" lang="en-US"/>
+              <a:t>3</a:t>
+            </a:r>
+            <a:r>
+              <a:rPr altLang="en-IN" b="1" dirty="0" sz="2400" lang="en-US"/>
+              <a:t>0</a:t>
+            </a:r>
+            <a:r>
+              <a:rPr altLang="en-IN" b="1" dirty="0" sz="2400" lang="en-US"/>
+              <a:t>4</a:t>
+            </a:r>
+            <a:r>
+              <a:rPr altLang="en-IN" b="1" dirty="0" sz="2400" lang="en-US"/>
+              <a:t>3</a:t>
+            </a:r>
+            <a:r>
+              <a:rPr altLang="en-IN" b="1" dirty="0" sz="2400" lang="en-US"/>
+              <a:t>0</a:t>
+            </a:r>
+            <a:r>
+              <a:rPr altLang="en-IN" b="1" dirty="0" sz="2400" lang="en-US"/>
+              <a:t>4</a:t>
+            </a:r>
+            <a:r>
+              <a:rPr altLang="en-IN" b="1" dirty="0" sz="2400" lang="en-US"/>
+              <a:t>2</a:t>
+            </a:r>
+            <a:r>
+              <a:rPr altLang="en-IN" b="1" dirty="0" sz="2400" lang="en-US"/>
+              <a:t>4</a:t>
+            </a:r>
+            <a:r>
+              <a:rPr altLang="en-IN" b="1" dirty="0" sz="2400" lang="en-US"/>
+              <a:t>u</a:t>
+            </a:r>
+            <a:r>
+              <a:rPr altLang="en-IN" b="1" dirty="0" sz="2400" lang="en-US"/>
+              <a:t>0</a:t>
+            </a:r>
+            <a:r>
+              <a:rPr altLang="en-IN" b="1" dirty="0" sz="2400" lang="en-US"/>
+              <a:t>9</a:t>
+            </a:r>
+            <a:r>
+              <a:rPr altLang="en-IN" b="1" dirty="0" sz="2400" lang="en-US"/>
+              <a:t>0</a:t>
+            </a:r>
+            <a:r>
+              <a:rPr altLang="en-IN" b="1" dirty="0" sz="2400" lang="en-US"/>
+              <a:t>1</a:t>
+            </a:r>
+            <a:r>
+              <a:rPr altLang="en-IN" b="1" dirty="0" sz="2400" lang="en-US"/>
+              <a:t>7</a:t>
+            </a:r>
+            <a:r>
+              <a:rPr altLang="en-IN" b="1" dirty="0" sz="2400" lang="en-US"/>
+              <a:t>A</a:t>
+            </a:r>
+            <a:r>
+              <a:rPr altLang="en-IN" b="1" dirty="0" sz="2400" lang="en-US"/>
+              <a:t>N</a:t>
+            </a:r>
+            <a:r>
+              <a:rPr altLang="en-IN" b="1" dirty="0" sz="2400" lang="en-US"/>
+              <a:t>D</a:t>
+            </a:r>
+            <a:r>
+              <a:rPr altLang="en-IN" b="1" dirty="0" sz="2400" lang="en-US"/>
               <a:t>/</a:t>
             </a:r>
             <a:r>
-              <a:rPr altLang="en-IN" dirty="0" sz="2400" lang="en-US"/>
+              <a:rPr altLang="en-IN" b="1" dirty="0" sz="2400" lang="en-US"/>
               <a:t>3</a:t>
             </a:r>
             <a:r>
-              <a:rPr altLang="en-IN" dirty="0" sz="2400" lang="en-US"/>
+              <a:rPr altLang="en-IN" b="1" dirty="0" sz="2400" lang="en-US"/>
               <a:t>9</a:t>
             </a:r>
             <a:r>
-              <a:rPr altLang="en-IN" dirty="0" sz="2400" lang="en-US"/>
+              <a:rPr altLang="en-IN" b="1" dirty="0" sz="2400" lang="en-US"/>
               <a:t>4</a:t>
             </a:r>
             <a:r>
-              <a:rPr altLang="en-IN" dirty="0" sz="2400" lang="en-US"/>
+              <a:rPr altLang="en-IN" b="1" dirty="0" sz="2400" lang="en-US"/>
               <a:t>3</a:t>
             </a:r>
             <a:r>
-              <a:rPr altLang="en-IN" dirty="0" sz="2400" lang="en-US"/>
+              <a:rPr altLang="en-IN" b="1" dirty="0" sz="2400" lang="en-US"/>
               <a:t>5</a:t>
             </a:r>
             <a:r>
-              <a:rPr altLang="en-IN" dirty="0" sz="2400" lang="en-US"/>
+              <a:rPr altLang="en-IN" b="1" dirty="0" sz="2400" lang="en-US"/>
               <a:t>9</a:t>
             </a:r>
-            <a:r>
-              <a:rPr altLang="en-IN" dirty="0" sz="2400" lang="en-US"/>
-              <a:t>.</a:t>
-            </a:r>
-            <a:endParaRPr dirty="0" sz="2400" lang="en-US">
+            <a:endParaRPr b="1" dirty="0" sz="2400" lang="en-US">
               <a:cs typeface="Calibri"/>
             </a:endParaRPr>
           </a:p>
           <a:p>
             <a:r>
-              <a:rPr dirty="0" sz="2400" lang="en-US"/>
+              <a:rPr b="1" dirty="0" sz="2400" lang="en-US"/>
               <a:t>DEPARTMENT: </a:t>
             </a:r>
             <a:r>
-              <a:rPr altLang="en-IN" dirty="0" sz="2400" lang="en-US"/>
+              <a:rPr altLang="en-IN" b="1" dirty="0" sz="2400" lang="en-US"/>
               <a:t>B</a:t>
             </a:r>
             <a:r>
-              <a:rPr altLang="en-IN" dirty="0" sz="2400" lang="en-US"/>
-              <a:t>a</a:t>
-            </a:r>
-            <a:r>
-              <a:rPr altLang="en-IN" dirty="0" sz="2400" lang="en-US"/>
-              <a:t>c</a:t>
-            </a:r>
-            <a:r>
-              <a:rPr altLang="en-IN" dirty="0" sz="2400" lang="en-US"/>
-              <a:t>h</a:t>
-            </a:r>
-            <a:r>
-              <a:rPr altLang="en-IN" dirty="0" sz="2400" lang="en-US"/>
-              <a:t>elor </a:t>
-            </a:r>
-            <a:r>
-              <a:rPr altLang="en-IN" dirty="0" sz="2400" lang="en-US"/>
-              <a:t>of </a:t>
-            </a:r>
-            <a:r>
-              <a:rPr altLang="en-IN" dirty="0" sz="2400" lang="en-US"/>
-              <a:t>c</a:t>
-            </a:r>
-            <a:r>
-              <a:rPr altLang="en-IN" dirty="0" sz="2400" lang="en-US"/>
-              <a:t>o</a:t>
-            </a:r>
-            <a:r>
-              <a:rPr altLang="en-IN" dirty="0" sz="2400" lang="en-US"/>
-              <a:t>m</a:t>
-            </a:r>
-            <a:r>
-              <a:rPr altLang="en-IN" dirty="0" sz="2400" lang="en-US"/>
-              <a:t>puter </a:t>
-            </a:r>
-            <a:r>
-              <a:rPr altLang="en-IN" dirty="0" sz="2400" lang="en-US"/>
+              <a:rPr altLang="en-IN" b="1" dirty="0" sz="2400" lang="en-US"/>
+              <a:t>C</a:t>
+            </a:r>
+            <a:r>
+              <a:rPr altLang="en-IN" b="1" dirty="0" sz="2400" lang="en-US"/>
               <a:t>A</a:t>
             </a:r>
-            <a:r>
-              <a:rPr altLang="en-IN" dirty="0" sz="2400" lang="en-US"/>
-              <a:t>p</a:t>
-            </a:r>
-            <a:r>
-              <a:rPr altLang="en-IN" dirty="0" sz="2400" lang="en-US"/>
-              <a:t>p</a:t>
-            </a:r>
-            <a:r>
-              <a:rPr altLang="en-IN" dirty="0" sz="2400" lang="en-US"/>
-              <a:t>lication </a:t>
-            </a:r>
-            <a:endParaRPr altLang="en-US" lang="zh-CN"/>
+            <a:endParaRPr altLang="en-US" b="1" lang="zh-CN"/>
           </a:p>
           <a:p>
             <a:r>
-              <a:rPr dirty="0" sz="2400" lang="en-US"/>
-              <a:t>COLLEGE:</a:t>
-            </a:r>
-            <a:r>
-              <a:rPr altLang="en-IN" dirty="0" sz="2400" lang="en-US"/>
+              <a:rPr b="1" dirty="0" sz="2400" lang="en-US"/>
+              <a:t>COLLEGE: </a:t>
+            </a:r>
+            <a:r>
+              <a:rPr altLang="en-IN" b="1" dirty="0" sz="2400" lang="en-US"/>
               <a:t>A</a:t>
             </a:r>
             <a:r>
-              <a:rPr altLang="en-IN" dirty="0" sz="2400" lang="en-US"/>
+              <a:rPr altLang="en-IN" b="1" dirty="0" sz="2400" lang="en-US"/>
               <a:t>A</a:t>
             </a:r>
             <a:r>
-              <a:rPr altLang="en-IN" dirty="0" sz="2400" lang="en-US"/>
+              <a:rPr altLang="en-IN" b="1" dirty="0" sz="2400" lang="en-US"/>
               <a:t>A</a:t>
             </a:r>
             <a:r>
-              <a:rPr altLang="en-IN" dirty="0" sz="2400" lang="en-US"/>
+              <a:rPr altLang="en-IN" b="1" dirty="0" sz="2400" lang="en-US"/>
               <a:t> </a:t>
             </a:r>
             <a:r>
-              <a:rPr altLang="en-IN" dirty="0" sz="2400" lang="en-US"/>
+              <a:rPr altLang="en-IN" b="1" dirty="0" sz="2400" lang="en-US"/>
               <a:t>c</a:t>
             </a:r>
             <a:r>
-              <a:rPr altLang="en-IN" dirty="0" sz="2400" lang="en-US"/>
+              <a:rPr altLang="en-IN" b="1" dirty="0" sz="2400" lang="en-US"/>
               <a:t>o</a:t>
             </a:r>
             <a:r>
-              <a:rPr altLang="en-IN" dirty="0" sz="2400" lang="en-US"/>
+              <a:rPr altLang="en-IN" b="1" dirty="0" sz="2400" lang="en-US"/>
               <a:t>l</a:t>
             </a:r>
             <a:r>
-              <a:rPr altLang="en-IN" dirty="0" sz="2400" lang="en-US"/>
+              <a:rPr altLang="en-IN" b="1" dirty="0" sz="2400" lang="en-US"/>
               <a:t>l</a:t>
             </a:r>
             <a:r>
-              <a:rPr altLang="en-IN" dirty="0" sz="2400" lang="en-US"/>
-              <a:t>ege </a:t>
-            </a:r>
-            <a:r>
-              <a:rPr altLang="en-IN" dirty="0" sz="2400" lang="en-US"/>
-              <a:t>-</a:t>
-            </a:r>
-            <a:r>
-              <a:rPr altLang="en-IN" dirty="0" sz="2400" lang="en-US"/>
+              <a:rPr altLang="en-IN" b="1" dirty="0" sz="2400" lang="en-US"/>
+              <a:t>e</a:t>
+            </a:r>
+            <a:r>
+              <a:rPr altLang="en-IN" b="1" dirty="0" sz="2400" lang="en-US"/>
+              <a:t>g</a:t>
+            </a:r>
+            <a:r>
+              <a:rPr altLang="en-IN" b="1" dirty="0" sz="2400" lang="en-US"/>
+              <a:t>e </a:t>
+            </a:r>
+            <a:r>
+              <a:rPr altLang="en-IN" b="1" dirty="0" sz="2400" lang="en-US"/>
               <a:t>w</a:t>
             </a:r>
             <a:r>
-              <a:rPr altLang="en-IN" dirty="0" sz="2400" lang="en-US"/>
+              <a:rPr altLang="en-IN" b="1" dirty="0" sz="2400" lang="en-US"/>
               <a:t>a</a:t>
             </a:r>
             <a:r>
-              <a:rPr altLang="en-IN" dirty="0" sz="2400" lang="en-US"/>
+              <a:rPr altLang="en-IN" b="1" dirty="0" sz="2400" lang="en-US"/>
               <a:t>l</a:t>
             </a:r>
             <a:r>
-              <a:rPr altLang="en-IN" dirty="0" sz="2400" lang="en-US"/>
+              <a:rPr altLang="en-IN" b="1" dirty="0" sz="2400" lang="en-US"/>
               <a:t>a</a:t>
             </a:r>
             <a:r>
-              <a:rPr altLang="en-IN" dirty="0" sz="2400" lang="en-US"/>
-              <a:t>j</a:t>
-            </a:r>
-            <a:r>
-              <a:rPr altLang="en-IN" dirty="0" sz="2400" lang="en-US"/>
+              <a:rPr altLang="en-IN" b="1" dirty="0" sz="2400" lang="en-US"/>
+              <a:t>japet</a:t>
+            </a:r>
+            <a:r>
+              <a:rPr altLang="en-IN" b="1" dirty="0" sz="2400" lang="en-US"/>
+              <a:t>/</a:t>
+            </a:r>
+            <a:r>
+              <a:rPr altLang="en-IN" b="1" dirty="0" sz="2400" lang="en-US"/>
+              <a:t>T</a:t>
+            </a:r>
+            <a:r>
+              <a:rPr altLang="en-IN" b="1" dirty="0" sz="2400" lang="en-US"/>
+              <a:t>h</a:t>
+            </a:r>
+            <a:r>
+              <a:rPr altLang="en-IN" b="1" dirty="0" sz="2400" lang="en-US"/>
+              <a:t>i</a:t>
+            </a:r>
+            <a:r>
+              <a:rPr altLang="en-IN" b="1" dirty="0" sz="2400" lang="en-US"/>
+              <a:t>r</a:t>
+            </a:r>
+            <a:r>
+              <a:rPr altLang="en-IN" b="1" dirty="0" sz="2400" lang="en-US"/>
+              <a:t>u</a:t>
+            </a:r>
+            <a:r>
+              <a:rPr altLang="en-IN" b="1" dirty="0" sz="2400" lang="en-US"/>
+              <a:t>v</a:t>
+            </a:r>
+            <a:r>
+              <a:rPr altLang="en-IN" b="1" dirty="0" sz="2400" lang="en-US"/>
               <a:t>a</a:t>
             </a:r>
             <a:r>
-              <a:rPr altLang="en-IN" dirty="0" sz="2400" lang="en-US"/>
-              <a:t>p</a:t>
-            </a:r>
-            <a:r>
-              <a:rPr altLang="en-IN" dirty="0" sz="2400" lang="en-US"/>
+              <a:rPr altLang="en-IN" b="1" dirty="0" sz="2400" lang="en-US"/>
+              <a:t>lluvar </a:t>
+            </a:r>
+            <a:r>
+              <a:rPr altLang="en-IN" b="1" dirty="0" sz="2400" lang="en-US"/>
+              <a:t>U</a:t>
+            </a:r>
+            <a:r>
+              <a:rPr altLang="en-IN" b="1" dirty="0" sz="2400" lang="en-US"/>
+              <a:t>n</a:t>
+            </a:r>
+            <a:r>
+              <a:rPr altLang="en-IN" b="1" dirty="0" sz="2400" lang="en-US"/>
+              <a:t>i</a:t>
+            </a:r>
+            <a:r>
+              <a:rPr altLang="en-IN" b="1" dirty="0" sz="2400" lang="en-US"/>
+              <a:t>v</a:t>
+            </a:r>
+            <a:r>
+              <a:rPr altLang="en-IN" b="1" dirty="0" sz="2400" lang="en-US"/>
               <a:t>e</a:t>
             </a:r>
             <a:r>
-              <a:rPr altLang="en-IN" dirty="0" sz="2400" lang="en-US"/>
-              <a:t>t</a:t>
-            </a:r>
-            <a:r>
-              <a:rPr altLang="en-IN" dirty="0" sz="2400" lang="en-US"/>
-              <a:t>/</a:t>
-            </a:r>
-            <a:r>
-              <a:rPr altLang="en-IN" dirty="0" sz="2400" lang="en-US"/>
-              <a:t>T</a:t>
-            </a:r>
-            <a:r>
-              <a:rPr altLang="en-IN" dirty="0" sz="2400" lang="en-US"/>
-              <a:t>h</a:t>
-            </a:r>
-            <a:r>
-              <a:rPr altLang="en-IN" dirty="0" sz="2400" lang="en-US"/>
-              <a:t>i</a:t>
-            </a:r>
-            <a:r>
-              <a:rPr altLang="en-IN" dirty="0" sz="2400" lang="en-US"/>
+              <a:rPr altLang="en-IN" b="1" dirty="0" sz="2400" lang="en-US"/>
               <a:t>r</a:t>
             </a:r>
             <a:r>
-              <a:rPr altLang="en-IN" dirty="0" sz="2400" lang="en-US"/>
-              <a:t>u</a:t>
-            </a:r>
-            <a:r>
-              <a:rPr altLang="en-IN" dirty="0" sz="2400" lang="en-US"/>
-              <a:t>v</a:t>
-            </a:r>
-            <a:r>
-              <a:rPr altLang="en-IN" dirty="0" sz="2400" lang="en-US"/>
-              <a:t>a</a:t>
-            </a:r>
-            <a:r>
-              <a:rPr altLang="en-IN" dirty="0" sz="2400" lang="en-US"/>
-              <a:t>lluvar </a:t>
-            </a:r>
-            <a:r>
-              <a:rPr altLang="en-IN" dirty="0" sz="2400" lang="en-US"/>
-              <a:t>University</a:t>
-            </a:r>
-            <a:r>
-              <a:rPr altLang="en-IN" dirty="0" sz="2400" lang="en-US"/>
-              <a:t>.</a:t>
-            </a:r>
-            <a:endParaRPr altLang="en-US" lang="zh-CN"/>
+              <a:rPr altLang="en-IN" b="1" dirty="0" sz="2400" lang="en-US"/>
+              <a:t>sity </a:t>
+            </a:r>
+            <a:endParaRPr altLang="en-US" b="1" lang="zh-CN"/>
           </a:p>
           <a:p>
             <a:r>
-              <a:rPr dirty="0" sz="2400" lang="en-US"/>
+              <a:rPr b="1" dirty="0" sz="2400" lang="en-US"/>
               <a:t>           </a:t>
             </a:r>
-            <a:endParaRPr dirty="0" sz="2400" lang="en-IN"/>
-          </a:p>
-        </p:txBody>
-      </p:sp>
-      <p:sp>
-        <p:nvSpPr>
-          <p:cNvPr id="1048703" name=""/>
-          <p:cNvSpPr txBox="1"/>
-          <p:nvPr/>
-        </p:nvSpPr>
-        <p:spPr>
-          <a:xfrm>
-            <a:off x="4096000" y="3219450"/>
-            <a:ext cx="4000000" cy="510540"/>
-          </a:xfrm>
-          <a:prstGeom prst="rect"/>
-        </p:spPr>
-        <p:txBody>
-          <a:bodyPr rtlCol="0" wrap="square">
-            <a:spAutoFit/>
-          </a:bodyPr>
-          <a:p>
-            <a:r>
-              <a:rPr sz="2800" lang="en-IN">
-                <a:solidFill>
-                  <a:srgbClr val="000000"/>
-                </a:solidFill>
-              </a:rPr>
-              <a:t/>
-            </a:r>
-            <a:endParaRPr sz="2800" lang="en-IN">
-              <a:solidFill>
-                <a:srgbClr val="000000"/>
-              </a:solidFill>
-            </a:endParaRPr>
+            <a:endParaRPr b="1" dirty="0" sz="2400" lang="en-IN"/>
           </a:p>
         </p:txBody>
       </p:sp>
@@ -2877,7 +2887,7 @@
   <p:cSld>
     <p:spTree>
       <p:nvGrpSpPr>
-        <p:cNvPr id="39" name=""/>
+        <p:cNvPr id="27" name=""/>
         <p:cNvGrpSpPr/>
         <p:nvPr/>
       </p:nvGrpSpPr>
@@ -2891,7 +2901,7 @@
       </p:grpSpPr>
       <p:sp>
         <p:nvSpPr>
-          <p:cNvPr id="1048669" name="object 2"/>
+          <p:cNvPr id="1048624" name="object 2"/>
           <p:cNvSpPr txBox="1"/>
           <p:nvPr/>
         </p:nvSpPr>
@@ -3061,7 +3071,7 @@
       </p:sp>
       <p:sp>
         <p:nvSpPr>
-          <p:cNvPr id="1048670" name="object 3"/>
+          <p:cNvPr id="1048625" name="object 3"/>
           <p:cNvSpPr/>
           <p:nvPr/>
         </p:nvSpPr>
@@ -3106,7 +3116,7 @@
       </p:sp>
       <p:sp>
         <p:nvSpPr>
-          <p:cNvPr id="1048671" name="object 4"/>
+          <p:cNvPr id="1048626" name="object 4"/>
           <p:cNvSpPr/>
           <p:nvPr/>
         </p:nvSpPr>
@@ -3151,7 +3161,7 @@
       </p:sp>
       <p:sp>
         <p:nvSpPr>
-          <p:cNvPr id="1048672" name="object 5"/>
+          <p:cNvPr id="1048627" name="object 5"/>
           <p:cNvSpPr/>
           <p:nvPr/>
         </p:nvSpPr>
@@ -3196,7 +3206,7 @@
       </p:sp>
       <p:pic>
         <p:nvPicPr>
-          <p:cNvPr id="2097166" name="object 6"/>
+          <p:cNvPr id="2097158" name="object 6"/>
           <p:cNvPicPr>
             <a:picLocks/>
           </p:cNvPicPr>
@@ -3218,7 +3228,7 @@
       </p:pic>
       <p:sp>
         <p:nvSpPr>
-          <p:cNvPr id="1048673" name="object 7"/>
+          <p:cNvPr id="1048628" name="object 7"/>
           <p:cNvSpPr txBox="1">
             <a:spLocks noGrp="1"/>
           </p:cNvSpPr>
@@ -3256,7 +3266,7 @@
       </p:sp>
       <p:sp>
         <p:nvSpPr>
-          <p:cNvPr id="1048674" name="object 8"/>
+          <p:cNvPr id="1048629" name="object 8"/>
           <p:cNvSpPr txBox="1"/>
           <p:nvPr/>
         </p:nvSpPr>
@@ -3299,7 +3309,7 @@
       </p:sp>
       <p:sp>
         <p:nvSpPr>
-          <p:cNvPr id="1048675" name="TextBox 8"/>
+          <p:cNvPr id="1048630" name="TextBox 8"/>
           <p:cNvSpPr txBox="1"/>
           <p:nvPr/>
         </p:nvSpPr>
@@ -3347,15 +3357,14 @@
         </p:nvPicPr>
         <p:blipFill>
           <a:blip xmlns:r="http://schemas.openxmlformats.org/officeDocument/2006/relationships" r:embed="rId2"/>
-          <a:srcRect l="3468" t="28205" r="21860" b="10442"/>
           <a:stretch>
             <a:fillRect/>
           </a:stretch>
         </p:blipFill>
         <p:spPr>
-          <a:xfrm rot="21600000">
-            <a:off x="2965630" y="1509199"/>
-            <a:ext cx="1707047" cy="3214122"/>
+          <a:xfrm rot="21581578">
+            <a:off x="3044435" y="1515066"/>
+            <a:ext cx="2148901" cy="2199657"/>
           </a:xfrm>
           <a:prstGeom prst="rect"/>
         </p:spPr>
@@ -3375,9 +3384,9 @@
           </a:stretch>
         </p:blipFill>
         <p:spPr>
-          <a:xfrm rot="0">
-            <a:off x="4921366" y="1499415"/>
-            <a:ext cx="3863742" cy="1929585"/>
+          <a:xfrm rot="10800000" flipV="1">
+            <a:off x="5507979" y="1545189"/>
+            <a:ext cx="2690516" cy="1763620"/>
           </a:xfrm>
           <a:prstGeom prst="rect"/>
         </p:spPr>
@@ -3392,15 +3401,105 @@
         </p:nvPicPr>
         <p:blipFill>
           <a:blip xmlns:r="http://schemas.openxmlformats.org/officeDocument/2006/relationships" r:embed="rId4"/>
-          <a:srcRect l="3920" t="23232" r="10416" b="13194"/>
           <a:stretch>
             <a:fillRect/>
           </a:stretch>
         </p:blipFill>
         <p:spPr>
           <a:xfrm rot="0">
-            <a:off x="8300344" y="1293748"/>
-            <a:ext cx="2563612" cy="1987389"/>
+            <a:off x="7857220" y="1293748"/>
+            <a:ext cx="1724940" cy="1853174"/>
+          </a:xfrm>
+          <a:prstGeom prst="rect"/>
+        </p:spPr>
+      </p:pic>
+      <p:pic>
+        <p:nvPicPr>
+          <p:cNvPr id="2097171" name=""/>
+          <p:cNvPicPr>
+            <a:picLocks/>
+          </p:cNvPicPr>
+          <p:nvPr/>
+        </p:nvPicPr>
+        <p:blipFill>
+          <a:blip xmlns:r="http://schemas.openxmlformats.org/officeDocument/2006/relationships" r:embed="rId5"/>
+          <a:stretch>
+            <a:fillRect/>
+          </a:stretch>
+        </p:blipFill>
+        <p:spPr>
+          <a:xfrm rot="0">
+            <a:off x="3070591" y="3936039"/>
+            <a:ext cx="2437387" cy="873282"/>
+          </a:xfrm>
+          <a:prstGeom prst="rect"/>
+        </p:spPr>
+      </p:pic>
+      <p:pic>
+        <p:nvPicPr>
+          <p:cNvPr id="2097172" name=""/>
+          <p:cNvPicPr>
+            <a:picLocks/>
+          </p:cNvPicPr>
+          <p:nvPr/>
+        </p:nvPicPr>
+        <p:blipFill>
+          <a:blip xmlns:r="http://schemas.openxmlformats.org/officeDocument/2006/relationships" r:embed="rId6"/>
+          <a:srcRect l="0" t="20594" r="0" b="10297"/>
+          <a:stretch>
+            <a:fillRect/>
+          </a:stretch>
+        </p:blipFill>
+        <p:spPr>
+          <a:xfrm rot="21600000">
+            <a:off x="5727031" y="3560249"/>
+            <a:ext cx="2992659" cy="2459298"/>
+          </a:xfrm>
+          <a:prstGeom prst="rect"/>
+        </p:spPr>
+      </p:pic>
+      <p:pic>
+        <p:nvPicPr>
+          <p:cNvPr id="2097173" name=""/>
+          <p:cNvPicPr>
+            <a:picLocks/>
+          </p:cNvPicPr>
+          <p:nvPr/>
+        </p:nvPicPr>
+        <p:blipFill>
+          <a:blip xmlns:r="http://schemas.openxmlformats.org/officeDocument/2006/relationships" r:embed="rId7"/>
+          <a:srcRect l="0" t="12826" r="5497" b="15656"/>
+          <a:stretch>
+            <a:fillRect/>
+          </a:stretch>
+        </p:blipFill>
+        <p:spPr>
+          <a:xfrm rot="0">
+            <a:off x="9582160" y="1081755"/>
+            <a:ext cx="2810819" cy="4904706"/>
+          </a:xfrm>
+          <a:prstGeom prst="rect"/>
+        </p:spPr>
+      </p:pic>
+      <p:pic>
+        <p:nvPicPr>
+          <p:cNvPr id="2097174" name=""/>
+          <p:cNvPicPr>
+            <a:picLocks/>
+          </p:cNvPicPr>
+          <p:nvPr/>
+        </p:nvPicPr>
+        <p:blipFill>
+          <a:blip xmlns:r="http://schemas.openxmlformats.org/officeDocument/2006/relationships" r:embed="rId8"/>
+          <a:srcRect l="0" t="23610" r="0" b="33837"/>
+          <a:stretch>
+            <a:fillRect/>
+          </a:stretch>
+        </p:blipFill>
+        <p:spPr>
+          <a:xfrm rot="0">
+            <a:off x="322078" y="1273019"/>
+            <a:ext cx="2992659" cy="2086968"/>
           </a:xfrm>
           <a:prstGeom prst="rect"/>
         </p:spPr>
@@ -3432,7 +3531,7 @@
       </p:grpSpPr>
       <p:sp>
         <p:nvSpPr>
-          <p:cNvPr id="1048676" name="object 3"/>
+          <p:cNvPr id="1048681" name="object 3"/>
           <p:cNvSpPr/>
           <p:nvPr/>
         </p:nvSpPr>
@@ -3477,7 +3576,7 @@
       </p:sp>
       <p:sp>
         <p:nvSpPr>
-          <p:cNvPr id="1048677" name="object 4"/>
+          <p:cNvPr id="1048682" name="object 4"/>
           <p:cNvSpPr/>
           <p:nvPr/>
         </p:nvSpPr>
@@ -3522,7 +3621,7 @@
       </p:sp>
       <p:sp>
         <p:nvSpPr>
-          <p:cNvPr id="1048678" name="object 5"/>
+          <p:cNvPr id="1048683" name="object 5"/>
           <p:cNvSpPr/>
           <p:nvPr/>
         </p:nvSpPr>
@@ -3589,7 +3688,7 @@
       </p:pic>
       <p:sp>
         <p:nvSpPr>
-          <p:cNvPr id="1048679" name="object 7"/>
+          <p:cNvPr id="1048684" name="object 7"/>
           <p:cNvSpPr txBox="1">
             <a:spLocks noGrp="1"/>
           </p:cNvSpPr>
@@ -3627,7 +3726,7 @@
       </p:sp>
       <p:sp>
         <p:nvSpPr>
-          <p:cNvPr id="1048680" name="object 9"/>
+          <p:cNvPr id="1048685" name="object 9"/>
           <p:cNvSpPr txBox="1"/>
           <p:nvPr/>
         </p:nvSpPr>
@@ -3668,6 +3767,55 @@
           </a:p>
         </p:txBody>
       </p:sp>
+      <p:sp>
+        <p:nvSpPr>
+          <p:cNvPr id="1048713" name=""/>
+          <p:cNvSpPr txBox="1"/>
+          <p:nvPr/>
+        </p:nvSpPr>
+        <p:spPr>
+          <a:xfrm>
+            <a:off x="2156363" y="1547003"/>
+            <a:ext cx="7879272" cy="3863339"/>
+          </a:xfrm>
+          <a:prstGeom prst="rect"/>
+        </p:spPr>
+        <p:txBody>
+          <a:bodyPr rtlCol="0" wrap="square">
+            <a:spAutoFit/>
+          </a:bodyPr>
+          <a:p>
+            <a:r>
+              <a:rPr altLang="en-IN" b="1" sz="2800" lang="en-US">
+                <a:solidFill>
+                  <a:srgbClr val="0000FF"/>
+                </a:solidFill>
+              </a:rPr>
+              <a:t>By following these key elements, best practices, and tips, you can write a portfolio conclusion that effectively summarizes your work and experience, and provides a strong call-to-action for potential employers, clients, or collaborators.</a:t>
+            </a:r>
+            <a:endParaRPr b="1" sz="2800" lang="en-IN">
+              <a:solidFill>
+                <a:srgbClr val="0000FF"/>
+              </a:solidFill>
+            </a:endParaRPr>
+          </a:p>
+          <a:p>
+            <a:r>
+              <a:rPr altLang="en-IN" b="1" sz="2800" lang="en-US">
+                <a:solidFill>
+                  <a:srgbClr val="0000FF"/>
+                </a:solidFill>
+              </a:rPr>
+              <a:t>Do you have any specific questions about portfolio conclusions or would you like to know more about a particular aspect of portfolio development</a:t>
+            </a:r>
+            <a:endParaRPr b="1" sz="2800" lang="en-IN">
+              <a:solidFill>
+                <a:srgbClr val="0000FF"/>
+              </a:solidFill>
+            </a:endParaRPr>
+          </a:p>
+        </p:txBody>
+      </p:sp>
     </p:spTree>
   </p:cSld>
   <p:clrMapOvr>
@@ -3681,7 +3829,7 @@
   <p:cSld>
     <p:spTree>
       <p:nvGrpSpPr>
-        <p:cNvPr id="19" name=""/>
+        <p:cNvPr id="34" name=""/>
         <p:cNvGrpSpPr/>
         <p:nvPr/>
       </p:nvGrpSpPr>
@@ -3693,9 +3841,59 @@
           <a:chExt cx="0" cy="0"/>
         </a:xfrm>
       </p:grpSpPr>
+      <p:sp>
+        <p:nvSpPr>
+          <p:cNvPr id="1048647" name="object 2"/>
+          <p:cNvSpPr/>
+          <p:nvPr/>
+        </p:nvSpPr>
+        <p:spPr>
+          <a:xfrm>
+            <a:off x="0" y="0"/>
+            <a:ext cx="12192000" cy="6858000"/>
+          </a:xfrm>
+          <a:custGeom>
+            <a:avLst/>
+            <a:ahLst/>
+            <a:rect l="l" t="t" r="r" b="b"/>
+            <a:pathLst>
+              <a:path w="12192000" h="6858000">
+                <a:moveTo>
+                  <a:pt x="12192000" y="0"/>
+                </a:moveTo>
+                <a:lnTo>
+                  <a:pt x="0" y="0"/>
+                </a:lnTo>
+                <a:lnTo>
+                  <a:pt x="0" y="6858000"/>
+                </a:lnTo>
+                <a:lnTo>
+                  <a:pt x="12192000" y="6858000"/>
+                </a:lnTo>
+                <a:lnTo>
+                  <a:pt x="12192000" y="0"/>
+                </a:lnTo>
+                <a:close/>
+              </a:path>
+            </a:pathLst>
+          </a:custGeom>
+          <a:solidFill>
+            <a:srgbClr val="F1F1F1"/>
+          </a:solidFill>
+        </p:spPr>
+        <p:txBody>
+          <a:bodyPr bIns="0" lIns="0" rIns="0" rtlCol="0" tIns="0" wrap="square"/>
+          <a:p>
+            <a:endParaRPr dirty="0">
+              <a:latin typeface="Times New Roman" panose="02020603050405020304" pitchFamily="18" charset="0"/>
+              <a:cs typeface="Times New Roman" panose="02020603050405020304" pitchFamily="18" charset="0"/>
+            </a:endParaRPr>
+          </a:p>
+        </p:txBody>
+      </p:sp>
       <p:grpSp>
         <p:nvGrpSpPr>
-          <p:cNvPr id="20" name="object 3"/>
+          <p:cNvPr id="35" name="object 3"/>
           <p:cNvGrpSpPr/>
           <p:nvPr/>
         </p:nvGrpSpPr>
@@ -3709,7 +3907,7 @@
         </p:grpSpPr>
         <p:sp>
           <p:nvSpPr>
-            <p:cNvPr id="1048596" name="object 4"/>
+            <p:cNvPr id="1048648" name="object 4"/>
             <p:cNvSpPr/>
             <p:nvPr/>
           </p:nvSpPr>
@@ -3746,7 +3944,7 @@
         </p:sp>
         <p:sp>
           <p:nvSpPr>
-            <p:cNvPr id="1048597" name="object 5"/>
+            <p:cNvPr id="1048649" name="object 5"/>
             <p:cNvSpPr/>
             <p:nvPr/>
           </p:nvSpPr>
@@ -3783,7 +3981,7 @@
         </p:sp>
         <p:sp>
           <p:nvSpPr>
-            <p:cNvPr id="1048598" name="object 6"/>
+            <p:cNvPr id="1048650" name="object 6"/>
             <p:cNvSpPr/>
             <p:nvPr/>
           </p:nvSpPr>
@@ -3830,7 +4028,7 @@
         </p:sp>
         <p:sp>
           <p:nvSpPr>
-            <p:cNvPr id="1048599" name="object 7"/>
+            <p:cNvPr id="1048651" name="object 7"/>
             <p:cNvSpPr/>
             <p:nvPr/>
           </p:nvSpPr>
@@ -3877,7 +4075,7 @@
         </p:sp>
         <p:sp>
           <p:nvSpPr>
-            <p:cNvPr id="1048600" name="object 8"/>
+            <p:cNvPr id="1048652" name="object 8"/>
             <p:cNvSpPr/>
             <p:nvPr/>
           </p:nvSpPr>
@@ -3921,7 +4119,7 @@
         </p:sp>
         <p:sp>
           <p:nvSpPr>
-            <p:cNvPr id="1048601" name="object 9"/>
+            <p:cNvPr id="1048653" name="object 9"/>
             <p:cNvSpPr/>
             <p:nvPr/>
           </p:nvSpPr>
@@ -3968,7 +4166,7 @@
         </p:sp>
         <p:sp>
           <p:nvSpPr>
-            <p:cNvPr id="1048602" name="object 10"/>
+            <p:cNvPr id="1048654" name="object 10"/>
             <p:cNvSpPr/>
             <p:nvPr/>
           </p:nvSpPr>
@@ -4015,7 +4213,7 @@
         </p:sp>
         <p:sp>
           <p:nvSpPr>
-            <p:cNvPr id="1048603" name="object 11"/>
+            <p:cNvPr id="1048655" name="object 11"/>
             <p:cNvSpPr/>
             <p:nvPr/>
           </p:nvSpPr>
@@ -4062,7 +4260,7 @@
         </p:sp>
         <p:sp>
           <p:nvSpPr>
-            <p:cNvPr id="1048604" name="object 12"/>
+            <p:cNvPr id="1048656" name="object 12"/>
             <p:cNvSpPr/>
             <p:nvPr/>
           </p:nvSpPr>
@@ -4107,7 +4305,7 @@
       </p:grpSp>
       <p:sp>
         <p:nvSpPr>
-          <p:cNvPr id="1048605" name="object 13"/>
+          <p:cNvPr id="1048657" name="object 13"/>
           <p:cNvSpPr/>
           <p:nvPr/>
         </p:nvSpPr>
@@ -4151,7 +4349,7 @@
       </p:sp>
       <p:sp>
         <p:nvSpPr>
-          <p:cNvPr id="1048606" name="object 14"/>
+          <p:cNvPr id="1048658" name="object 14"/>
           <p:cNvSpPr/>
           <p:nvPr/>
         </p:nvSpPr>
@@ -4196,7 +4394,7 @@
       </p:sp>
       <p:sp>
         <p:nvSpPr>
-          <p:cNvPr id="1048607" name="object 15"/>
+          <p:cNvPr id="1048659" name="object 15"/>
           <p:cNvSpPr/>
           <p:nvPr/>
         </p:nvSpPr>
@@ -4241,7 +4439,7 @@
       </p:sp>
       <p:sp>
         <p:nvSpPr>
-          <p:cNvPr id="1048608" name="object 16"/>
+          <p:cNvPr id="1048660" name="object 16"/>
           <p:cNvSpPr/>
           <p:nvPr/>
         </p:nvSpPr>
@@ -4286,7 +4484,7 @@
       </p:sp>
       <p:sp>
         <p:nvSpPr>
-          <p:cNvPr id="1048609" name="object 17"/>
+          <p:cNvPr id="1048661" name="object 17"/>
           <p:cNvSpPr txBox="1">
             <a:spLocks noGrp="1"/>
           </p:cNvSpPr>
@@ -4332,7 +4530,7 @@
       </p:sp>
       <p:grpSp>
         <p:nvGrpSpPr>
-          <p:cNvPr id="21" name="object 18"/>
+          <p:cNvPr id="36" name="object 18"/>
           <p:cNvGrpSpPr/>
           <p:nvPr/>
         </p:nvGrpSpPr>
@@ -4346,7 +4544,7 @@
         </p:grpSpPr>
         <p:pic>
           <p:nvPicPr>
-            <p:cNvPr id="2097152" name="object 19"/>
+            <p:cNvPr id="2097162" name="object 19"/>
             <p:cNvPicPr>
               <a:picLocks/>
             </p:cNvPicPr>
@@ -4368,7 +4566,7 @@
         </p:pic>
         <p:pic>
           <p:nvPicPr>
-            <p:cNvPr id="2097153" name="object 20"/>
+            <p:cNvPr id="2097163" name="object 20"/>
             <p:cNvPicPr>
               <a:picLocks/>
             </p:cNvPicPr>
@@ -4391,7 +4589,7 @@
       </p:grpSp>
       <p:sp>
         <p:nvSpPr>
-          <p:cNvPr id="1048610" name="object 22"/>
+          <p:cNvPr id="1048662" name="object 22"/>
           <p:cNvSpPr txBox="1">
             <a:spLocks noGrp="1"/>
           </p:cNvSpPr>
@@ -4423,6 +4621,744 @@
           </a:p>
         </p:txBody>
       </p:sp>
+      <p:sp>
+        <p:nvSpPr>
+          <p:cNvPr id="1048663" name=""/>
+          <p:cNvSpPr txBox="1"/>
+          <p:nvPr/>
+        </p:nvSpPr>
+        <p:spPr>
+          <a:xfrm>
+            <a:off x="2374822" y="2792730"/>
+            <a:ext cx="6978727" cy="1272540"/>
+          </a:xfrm>
+          <a:prstGeom prst="rect"/>
+        </p:spPr>
+        <p:txBody>
+          <a:bodyPr rtlCol="0" wrap="square">
+            <a:spAutoFit/>
+          </a:bodyPr>
+          <a:p>
+            <a:r>
+              <a:rPr altLang="en-IN" b="1" sz="2800" lang="en-US">
+                <a:solidFill>
+                  <a:srgbClr val="000000"/>
+                </a:solidFill>
+                <a:latin typeface="TH SarabunPSK"/>
+                <a:ea typeface="TH SarabunPSK"/>
+              </a:rPr>
+              <a:t>M</a:t>
+            </a:r>
+            <a:r>
+              <a:rPr altLang="en-IN" b="1" sz="2800" lang="en-US">
+                <a:solidFill>
+                  <a:srgbClr val="000000"/>
+                </a:solidFill>
+                <a:latin typeface="TH SarabunPSK"/>
+                <a:ea typeface="TH SarabunPSK"/>
+              </a:rPr>
+              <a:t>y</a:t>
+            </a:r>
+            <a:r>
+              <a:rPr altLang="en-IN" b="1" sz="2800" lang="en-US">
+                <a:solidFill>
+                  <a:srgbClr val="000000"/>
+                </a:solidFill>
+                <a:latin typeface="TH SarabunPSK"/>
+                <a:ea typeface="TH SarabunPSK"/>
+              </a:rPr>
+              <a:t> </a:t>
+            </a:r>
+            <a:r>
+              <a:rPr altLang="en-IN" b="1" sz="2800" lang="en-US">
+                <a:solidFill>
+                  <a:srgbClr val="000000"/>
+                </a:solidFill>
+                <a:latin typeface="TH SarabunPSK"/>
+                <a:ea typeface="TH SarabunPSK"/>
+              </a:rPr>
+              <a:t>project </a:t>
+            </a:r>
+            <a:r>
+              <a:rPr altLang="en-IN" b="1" sz="2800" lang="en-US">
+                <a:solidFill>
+                  <a:srgbClr val="000000"/>
+                </a:solidFill>
+                <a:latin typeface="TH SarabunPSK"/>
+                <a:ea typeface="TH SarabunPSK"/>
+              </a:rPr>
+              <a:t>Tittle </a:t>
+            </a:r>
+            <a:r>
+              <a:rPr altLang="en-IN" b="1" sz="2800" lang="en-US">
+                <a:solidFill>
+                  <a:srgbClr val="000000"/>
+                </a:solidFill>
+                <a:latin typeface="TH SarabunPSK"/>
+                <a:ea typeface="TH SarabunPSK"/>
+              </a:rPr>
+              <a:t>is </a:t>
+            </a:r>
+            <a:r>
+              <a:rPr altLang="en-IN" b="1" sz="2800" lang="en-US">
+                <a:solidFill>
+                  <a:srgbClr val="000000"/>
+                </a:solidFill>
+                <a:latin typeface="TH SarabunPSK"/>
+                <a:ea typeface="TH SarabunPSK"/>
+              </a:rPr>
+              <a:t>My </a:t>
+            </a:r>
+            <a:r>
+              <a:rPr altLang="en-IN" b="1" sz="2800" lang="en-US">
+                <a:solidFill>
+                  <a:srgbClr val="000000"/>
+                </a:solidFill>
+                <a:latin typeface="TH SarabunPSK"/>
+                <a:ea typeface="TH SarabunPSK"/>
+              </a:rPr>
+              <a:t>portfolio </a:t>
+            </a:r>
+            <a:r>
+              <a:rPr altLang="en-IN" b="1" sz="2800" lang="en-US">
+                <a:solidFill>
+                  <a:srgbClr val="000000"/>
+                </a:solidFill>
+                <a:latin typeface="TH SarabunPSK"/>
+                <a:ea typeface="TH SarabunPSK"/>
+              </a:rPr>
+              <a:t>This </a:t>
+            </a:r>
+            <a:r>
+              <a:rPr altLang="en-IN" b="1" sz="2800" lang="en-US">
+                <a:solidFill>
+                  <a:srgbClr val="000000"/>
+                </a:solidFill>
+                <a:latin typeface="TH SarabunPSK"/>
+                <a:ea typeface="TH SarabunPSK"/>
+              </a:rPr>
+              <a:t>is </a:t>
+            </a:r>
+            <a:r>
+              <a:rPr altLang="en-IN" b="1" sz="2800" lang="en-US">
+                <a:solidFill>
+                  <a:srgbClr val="000000"/>
+                </a:solidFill>
+                <a:latin typeface="TH SarabunPSK"/>
+                <a:ea typeface="TH SarabunPSK"/>
+              </a:rPr>
+              <a:t>of </a:t>
+            </a:r>
+            <a:r>
+              <a:rPr altLang="en-IN" b="1" sz="2800" lang="en-US">
+                <a:solidFill>
+                  <a:srgbClr val="000000"/>
+                </a:solidFill>
+                <a:latin typeface="TH SarabunPSK"/>
+                <a:ea typeface="TH SarabunPSK"/>
+              </a:rPr>
+              <a:t>my </a:t>
+            </a:r>
+            <a:r>
+              <a:rPr altLang="en-IN" b="1" sz="2800" lang="en-US">
+                <a:solidFill>
+                  <a:srgbClr val="000000"/>
+                </a:solidFill>
+                <a:latin typeface="TH SarabunPSK"/>
+                <a:ea typeface="TH SarabunPSK"/>
+              </a:rPr>
+              <a:t>project </a:t>
+            </a:r>
+            <a:r>
+              <a:rPr altLang="en-IN" b="1" sz="2800" lang="en-US">
+                <a:solidFill>
+                  <a:srgbClr val="000000"/>
+                </a:solidFill>
+                <a:latin typeface="TH SarabunPSK"/>
+                <a:ea typeface="TH SarabunPSK"/>
+              </a:rPr>
+              <a:t>t</a:t>
+            </a:r>
+            <a:r>
+              <a:rPr altLang="en-IN" b="1" sz="2800" lang="en-US">
+                <a:solidFill>
+                  <a:srgbClr val="000000"/>
+                </a:solidFill>
+                <a:latin typeface="TH SarabunPSK"/>
+                <a:ea typeface="TH SarabunPSK"/>
+              </a:rPr>
+              <a:t>h</a:t>
+            </a:r>
+            <a:r>
+              <a:rPr altLang="en-IN" b="1" sz="2800" lang="en-US">
+                <a:solidFill>
+                  <a:srgbClr val="000000"/>
+                </a:solidFill>
+                <a:latin typeface="TH SarabunPSK"/>
+                <a:ea typeface="TH SarabunPSK"/>
+              </a:rPr>
+              <a:t>e</a:t>
+            </a:r>
+            <a:r>
+              <a:rPr altLang="en-IN" b="1" sz="2800" lang="en-US">
+                <a:solidFill>
+                  <a:srgbClr val="000000"/>
+                </a:solidFill>
+                <a:latin typeface="TH SarabunPSK"/>
+                <a:ea typeface="TH SarabunPSK"/>
+              </a:rPr>
+              <a:t>n</a:t>
+            </a:r>
+            <a:r>
+              <a:rPr altLang="en-IN" b="1" sz="2800" lang="en-US">
+                <a:solidFill>
+                  <a:srgbClr val="000000"/>
+                </a:solidFill>
+                <a:latin typeface="TH SarabunPSK"/>
+                <a:ea typeface="TH SarabunPSK"/>
+              </a:rPr>
+              <a:t> </a:t>
+            </a:r>
+            <a:r>
+              <a:rPr altLang="en-IN" b="1" sz="2800" lang="en-US">
+                <a:solidFill>
+                  <a:srgbClr val="000000"/>
+                </a:solidFill>
+                <a:latin typeface="TH SarabunPSK"/>
+                <a:ea typeface="TH SarabunPSK"/>
+              </a:rPr>
+              <a:t>m</a:t>
+            </a:r>
+            <a:r>
+              <a:rPr altLang="en-IN" b="1" sz="2800" lang="en-US">
+                <a:solidFill>
+                  <a:srgbClr val="000000"/>
+                </a:solidFill>
+                <a:latin typeface="TH SarabunPSK"/>
+                <a:ea typeface="TH SarabunPSK"/>
+              </a:rPr>
+              <a:t>y</a:t>
+            </a:r>
+            <a:r>
+              <a:rPr altLang="en-IN" b="1" sz="2800" lang="en-US">
+                <a:solidFill>
+                  <a:srgbClr val="000000"/>
+                </a:solidFill>
+                <a:latin typeface="TH SarabunPSK"/>
+                <a:ea typeface="TH SarabunPSK"/>
+              </a:rPr>
+              <a:t> </a:t>
+            </a:r>
+            <a:r>
+              <a:rPr altLang="en-IN" b="1" sz="2800" lang="en-US">
+                <a:solidFill>
+                  <a:srgbClr val="000000"/>
+                </a:solidFill>
+                <a:latin typeface="TH SarabunPSK"/>
+                <a:ea typeface="TH SarabunPSK"/>
+              </a:rPr>
+              <a:t>i</a:t>
+            </a:r>
+            <a:r>
+              <a:rPr altLang="en-IN" b="1" sz="2800" lang="en-US">
+                <a:solidFill>
+                  <a:srgbClr val="000000"/>
+                </a:solidFill>
+                <a:latin typeface="TH SarabunPSK"/>
+                <a:ea typeface="TH SarabunPSK"/>
+              </a:rPr>
+              <a:t>n</a:t>
+            </a:r>
+            <a:r>
+              <a:rPr altLang="en-IN" b="1" sz="2800" lang="en-US">
+                <a:solidFill>
+                  <a:srgbClr val="000000"/>
+                </a:solidFill>
+                <a:latin typeface="TH SarabunPSK"/>
+                <a:ea typeface="TH SarabunPSK"/>
+              </a:rPr>
+              <a:t>c</a:t>
+            </a:r>
+            <a:r>
+              <a:rPr altLang="en-IN" b="1" sz="2800" lang="en-US">
+                <a:solidFill>
+                  <a:srgbClr val="000000"/>
+                </a:solidFill>
+                <a:latin typeface="TH SarabunPSK"/>
+                <a:ea typeface="TH SarabunPSK"/>
+              </a:rPr>
+              <a:t>l</a:t>
+            </a:r>
+            <a:r>
+              <a:rPr altLang="en-IN" b="1" sz="2800" lang="en-US">
+                <a:solidFill>
+                  <a:srgbClr val="000000"/>
+                </a:solidFill>
+                <a:latin typeface="TH SarabunPSK"/>
+                <a:ea typeface="TH SarabunPSK"/>
+              </a:rPr>
+              <a:t>uding </a:t>
+            </a:r>
+            <a:r>
+              <a:rPr altLang="en-IN" b="1" sz="2800" lang="en-US">
+                <a:solidFill>
+                  <a:srgbClr val="000000"/>
+                </a:solidFill>
+                <a:latin typeface="TH SarabunPSK"/>
+                <a:ea typeface="TH SarabunPSK"/>
+              </a:rPr>
+              <a:t>a</a:t>
+            </a:r>
+            <a:r>
+              <a:rPr altLang="en-IN" b="1" sz="2800" lang="en-US">
+                <a:solidFill>
+                  <a:srgbClr val="000000"/>
+                </a:solidFill>
+                <a:latin typeface="TH SarabunPSK"/>
+                <a:ea typeface="TH SarabunPSK"/>
+              </a:rPr>
+              <a:t>b</a:t>
+            </a:r>
+            <a:r>
+              <a:rPr altLang="en-IN" b="1" sz="2800" lang="en-US">
+                <a:solidFill>
+                  <a:srgbClr val="000000"/>
+                </a:solidFill>
+                <a:latin typeface="TH SarabunPSK"/>
+                <a:ea typeface="TH SarabunPSK"/>
+              </a:rPr>
+              <a:t>o</a:t>
+            </a:r>
+            <a:r>
+              <a:rPr altLang="en-IN" b="1" sz="2800" lang="en-US">
+                <a:solidFill>
+                  <a:srgbClr val="000000"/>
+                </a:solidFill>
+                <a:latin typeface="TH SarabunPSK"/>
+                <a:ea typeface="TH SarabunPSK"/>
+              </a:rPr>
+              <a:t>u</a:t>
+            </a:r>
+            <a:r>
+              <a:rPr altLang="en-IN" b="1" sz="2800" lang="en-US">
+                <a:solidFill>
+                  <a:srgbClr val="000000"/>
+                </a:solidFill>
+                <a:latin typeface="TH SarabunPSK"/>
+                <a:ea typeface="TH SarabunPSK"/>
+              </a:rPr>
+              <a:t>t</a:t>
+            </a:r>
+            <a:r>
+              <a:rPr altLang="en-IN" b="1" sz="2800" lang="en-US">
+                <a:solidFill>
+                  <a:srgbClr val="000000"/>
+                </a:solidFill>
+                <a:latin typeface="TH SarabunPSK"/>
+                <a:ea typeface="TH SarabunPSK"/>
+              </a:rPr>
+              <a:t> </a:t>
+            </a:r>
+            <a:r>
+              <a:rPr altLang="en-IN" b="1" sz="2800" lang="en-US">
+                <a:solidFill>
+                  <a:srgbClr val="000000"/>
+                </a:solidFill>
+                <a:latin typeface="TH SarabunPSK"/>
+                <a:ea typeface="TH SarabunPSK"/>
+              </a:rPr>
+              <a:t>e</a:t>
+            </a:r>
+            <a:r>
+              <a:rPr altLang="en-IN" b="1" sz="2800" lang="en-US">
+                <a:solidFill>
+                  <a:srgbClr val="000000"/>
+                </a:solidFill>
+                <a:latin typeface="TH SarabunPSK"/>
+                <a:ea typeface="TH SarabunPSK"/>
+              </a:rPr>
+              <a:t>d</a:t>
+            </a:r>
+            <a:r>
+              <a:rPr altLang="en-IN" b="1" sz="2800" lang="en-US">
+                <a:solidFill>
+                  <a:srgbClr val="000000"/>
+                </a:solidFill>
+                <a:latin typeface="TH SarabunPSK"/>
+                <a:ea typeface="TH SarabunPSK"/>
+              </a:rPr>
+              <a:t>ucation </a:t>
+            </a:r>
+            <a:r>
+              <a:rPr altLang="en-IN" b="1" sz="2800" lang="en-US">
+                <a:solidFill>
+                  <a:srgbClr val="000000"/>
+                </a:solidFill>
+                <a:latin typeface="TH SarabunPSK"/>
+                <a:ea typeface="TH SarabunPSK"/>
+              </a:rPr>
+              <a:t>a</a:t>
+            </a:r>
+            <a:r>
+              <a:rPr altLang="en-IN" b="1" sz="2800" lang="en-US">
+                <a:solidFill>
+                  <a:srgbClr val="000000"/>
+                </a:solidFill>
+                <a:latin typeface="TH SarabunPSK"/>
+                <a:ea typeface="TH SarabunPSK"/>
+              </a:rPr>
+              <a:t>n</a:t>
+            </a:r>
+            <a:r>
+              <a:rPr altLang="en-IN" b="1" sz="2800" lang="en-US">
+                <a:solidFill>
+                  <a:srgbClr val="000000"/>
+                </a:solidFill>
+                <a:latin typeface="TH SarabunPSK"/>
+                <a:ea typeface="TH SarabunPSK"/>
+              </a:rPr>
+              <a:t>d</a:t>
+            </a:r>
+            <a:r>
+              <a:rPr altLang="en-IN" b="1" sz="2800" lang="en-US">
+                <a:solidFill>
+                  <a:srgbClr val="000000"/>
+                </a:solidFill>
+                <a:latin typeface="TH SarabunPSK"/>
+                <a:ea typeface="TH SarabunPSK"/>
+              </a:rPr>
+              <a:t> </a:t>
+            </a:r>
+            <a:r>
+              <a:rPr altLang="en-IN" b="1" sz="2800" lang="en-US">
+                <a:solidFill>
+                  <a:srgbClr val="000000"/>
+                </a:solidFill>
+                <a:latin typeface="TH SarabunPSK"/>
+                <a:ea typeface="TH SarabunPSK"/>
+              </a:rPr>
+              <a:t>q</a:t>
+            </a:r>
+            <a:r>
+              <a:rPr altLang="en-IN" b="1" sz="2800" lang="en-US">
+                <a:solidFill>
+                  <a:srgbClr val="000000"/>
+                </a:solidFill>
+                <a:latin typeface="TH SarabunPSK"/>
+                <a:ea typeface="TH SarabunPSK"/>
+              </a:rPr>
+              <a:t>u</a:t>
+            </a:r>
+            <a:r>
+              <a:rPr altLang="en-IN" b="1" sz="2800" lang="en-US">
+                <a:solidFill>
+                  <a:srgbClr val="000000"/>
+                </a:solidFill>
+                <a:latin typeface="TH SarabunPSK"/>
+                <a:ea typeface="TH SarabunPSK"/>
+              </a:rPr>
+              <a:t>a</a:t>
+            </a:r>
+            <a:r>
+              <a:rPr altLang="en-IN" b="1" sz="2800" lang="en-US">
+                <a:solidFill>
+                  <a:srgbClr val="000000"/>
+                </a:solidFill>
+                <a:latin typeface="TH SarabunPSK"/>
+                <a:ea typeface="TH SarabunPSK"/>
+              </a:rPr>
+              <a:t>l</a:t>
+            </a:r>
+            <a:r>
+              <a:rPr altLang="en-IN" b="1" sz="2800" lang="en-US">
+                <a:solidFill>
+                  <a:srgbClr val="000000"/>
+                </a:solidFill>
+                <a:latin typeface="TH SarabunPSK"/>
+                <a:ea typeface="TH SarabunPSK"/>
+              </a:rPr>
+              <a:t>ification </a:t>
+            </a:r>
+            <a:r>
+              <a:rPr altLang="en-IN" b="1" sz="2800" lang="en-US">
+                <a:solidFill>
+                  <a:srgbClr val="000000"/>
+                </a:solidFill>
+                <a:latin typeface="TH SarabunPSK"/>
+                <a:ea typeface="TH SarabunPSK"/>
+              </a:rPr>
+              <a:t>a</a:t>
+            </a:r>
+            <a:r>
+              <a:rPr altLang="en-IN" b="1" sz="2800" lang="en-US">
+                <a:solidFill>
+                  <a:srgbClr val="000000"/>
+                </a:solidFill>
+                <a:latin typeface="TH SarabunPSK"/>
+                <a:ea typeface="TH SarabunPSK"/>
+              </a:rPr>
+              <a:t>n</a:t>
+            </a:r>
+            <a:r>
+              <a:rPr altLang="en-IN" b="1" sz="2800" lang="en-US">
+                <a:solidFill>
+                  <a:srgbClr val="000000"/>
+                </a:solidFill>
+                <a:latin typeface="TH SarabunPSK"/>
+                <a:ea typeface="TH SarabunPSK"/>
+              </a:rPr>
+              <a:t>d</a:t>
+            </a:r>
+            <a:r>
+              <a:rPr altLang="en-IN" b="1" sz="2800" lang="en-US">
+                <a:solidFill>
+                  <a:srgbClr val="000000"/>
+                </a:solidFill>
+                <a:latin typeface="TH SarabunPSK"/>
+                <a:ea typeface="TH SarabunPSK"/>
+              </a:rPr>
+              <a:t> </a:t>
+            </a:r>
+            <a:r>
+              <a:rPr altLang="en-IN" b="1" sz="2800" lang="en-US">
+                <a:solidFill>
+                  <a:srgbClr val="000000"/>
+                </a:solidFill>
+                <a:latin typeface="TH SarabunPSK"/>
+                <a:ea typeface="TH SarabunPSK"/>
+              </a:rPr>
+              <a:t>w</a:t>
+            </a:r>
+            <a:r>
+              <a:rPr altLang="en-IN" b="1" sz="2800" lang="en-US">
+                <a:solidFill>
+                  <a:srgbClr val="000000"/>
+                </a:solidFill>
+                <a:latin typeface="TH SarabunPSK"/>
+                <a:ea typeface="TH SarabunPSK"/>
+              </a:rPr>
+              <a:t>o</a:t>
+            </a:r>
+            <a:r>
+              <a:rPr altLang="en-IN" b="1" sz="2800" lang="en-US">
+                <a:solidFill>
+                  <a:srgbClr val="000000"/>
+                </a:solidFill>
+                <a:latin typeface="TH SarabunPSK"/>
+                <a:ea typeface="TH SarabunPSK"/>
+              </a:rPr>
+              <a:t>r</a:t>
+            </a:r>
+            <a:r>
+              <a:rPr altLang="en-IN" b="1" sz="2800" lang="en-US">
+                <a:solidFill>
+                  <a:srgbClr val="000000"/>
+                </a:solidFill>
+                <a:latin typeface="TH SarabunPSK"/>
+                <a:ea typeface="TH SarabunPSK"/>
+              </a:rPr>
+              <a:t>k</a:t>
+            </a:r>
+            <a:r>
+              <a:rPr altLang="en-IN" b="1" sz="2800" lang="en-US">
+                <a:solidFill>
+                  <a:srgbClr val="000000"/>
+                </a:solidFill>
+                <a:latin typeface="TH SarabunPSK"/>
+                <a:ea typeface="TH SarabunPSK"/>
+              </a:rPr>
+              <a:t> </a:t>
+            </a:r>
+            <a:r>
+              <a:rPr altLang="en-IN" b="1" sz="2800" lang="en-US">
+                <a:solidFill>
+                  <a:srgbClr val="000000"/>
+                </a:solidFill>
+                <a:latin typeface="TH SarabunPSK"/>
+                <a:ea typeface="TH SarabunPSK"/>
+              </a:rPr>
+              <a:t>o</a:t>
+            </a:r>
+            <a:r>
+              <a:rPr altLang="en-IN" b="1" sz="2800" lang="en-US">
+                <a:solidFill>
+                  <a:srgbClr val="000000"/>
+                </a:solidFill>
+                <a:latin typeface="TH SarabunPSK"/>
+                <a:ea typeface="TH SarabunPSK"/>
+              </a:rPr>
+              <a:t>f</a:t>
+            </a:r>
+            <a:r>
+              <a:rPr altLang="en-IN" b="1" sz="2800" lang="en-US">
+                <a:solidFill>
+                  <a:srgbClr val="000000"/>
+                </a:solidFill>
+                <a:latin typeface="TH SarabunPSK"/>
+                <a:ea typeface="TH SarabunPSK"/>
+              </a:rPr>
+              <a:t> </a:t>
+            </a:r>
+            <a:r>
+              <a:rPr altLang="en-IN" b="1" sz="2800" lang="en-US">
+                <a:solidFill>
+                  <a:srgbClr val="000000"/>
+                </a:solidFill>
+                <a:latin typeface="TH SarabunPSK"/>
+                <a:ea typeface="TH SarabunPSK"/>
+              </a:rPr>
+              <a:t>m</a:t>
+            </a:r>
+            <a:r>
+              <a:rPr altLang="en-IN" b="1" sz="2800" lang="en-US">
+                <a:solidFill>
+                  <a:srgbClr val="000000"/>
+                </a:solidFill>
+                <a:latin typeface="TH SarabunPSK"/>
+                <a:ea typeface="TH SarabunPSK"/>
+              </a:rPr>
+              <a:t>y</a:t>
+            </a:r>
+            <a:r>
+              <a:rPr altLang="en-IN" b="1" sz="2800" lang="en-US">
+                <a:solidFill>
+                  <a:srgbClr val="000000"/>
+                </a:solidFill>
+                <a:latin typeface="TH SarabunPSK"/>
+                <a:ea typeface="TH SarabunPSK"/>
+              </a:rPr>
+              <a:t> </a:t>
+            </a:r>
+            <a:r>
+              <a:rPr altLang="en-IN" b="1" sz="2800" lang="en-US">
+                <a:solidFill>
+                  <a:srgbClr val="000000"/>
+                </a:solidFill>
+                <a:latin typeface="TH SarabunPSK"/>
+                <a:ea typeface="TH SarabunPSK"/>
+              </a:rPr>
+              <a:t>project </a:t>
+            </a:r>
+            <a:r>
+              <a:rPr altLang="en-IN" b="1" sz="2800" lang="en-US">
+                <a:solidFill>
+                  <a:srgbClr val="000000"/>
+                </a:solidFill>
+                <a:latin typeface="TH SarabunPSK"/>
+                <a:ea typeface="TH SarabunPSK"/>
+              </a:rPr>
+              <a:t>a</a:t>
+            </a:r>
+            <a:r>
+              <a:rPr altLang="en-IN" b="1" sz="2800" lang="en-US">
+                <a:solidFill>
+                  <a:srgbClr val="000000"/>
+                </a:solidFill>
+                <a:latin typeface="TH SarabunPSK"/>
+                <a:ea typeface="TH SarabunPSK"/>
+              </a:rPr>
+              <a:t>n</a:t>
+            </a:r>
+            <a:r>
+              <a:rPr altLang="en-IN" b="1" sz="2800" lang="en-US">
+                <a:solidFill>
+                  <a:srgbClr val="000000"/>
+                </a:solidFill>
+                <a:latin typeface="TH SarabunPSK"/>
+                <a:ea typeface="TH SarabunPSK"/>
+              </a:rPr>
+              <a:t>d</a:t>
+            </a:r>
+            <a:r>
+              <a:rPr altLang="en-IN" b="1" sz="2800" lang="en-US">
+                <a:solidFill>
+                  <a:srgbClr val="000000"/>
+                </a:solidFill>
+                <a:latin typeface="TH SarabunPSK"/>
+                <a:ea typeface="TH SarabunPSK"/>
+              </a:rPr>
+              <a:t> </a:t>
+            </a:r>
+            <a:r>
+              <a:rPr altLang="en-IN" b="1" sz="2800" lang="en-US">
+                <a:solidFill>
+                  <a:srgbClr val="000000"/>
+                </a:solidFill>
+                <a:latin typeface="TH SarabunPSK"/>
+                <a:ea typeface="TH SarabunPSK"/>
+              </a:rPr>
+              <a:t>c</a:t>
+            </a:r>
+            <a:r>
+              <a:rPr altLang="en-IN" b="1" sz="2800" lang="en-US">
+                <a:solidFill>
+                  <a:srgbClr val="000000"/>
+                </a:solidFill>
+                <a:latin typeface="TH SarabunPSK"/>
+                <a:ea typeface="TH SarabunPSK"/>
+              </a:rPr>
+              <a:t>o</a:t>
+            </a:r>
+            <a:r>
+              <a:rPr altLang="en-IN" b="1" sz="2800" lang="en-US">
+                <a:solidFill>
+                  <a:srgbClr val="000000"/>
+                </a:solidFill>
+                <a:latin typeface="TH SarabunPSK"/>
+                <a:ea typeface="TH SarabunPSK"/>
+              </a:rPr>
+              <a:t>n</a:t>
+            </a:r>
+            <a:r>
+              <a:rPr altLang="en-IN" b="1" sz="2800" lang="en-US">
+                <a:solidFill>
+                  <a:srgbClr val="000000"/>
+                </a:solidFill>
+                <a:latin typeface="TH SarabunPSK"/>
+                <a:ea typeface="TH SarabunPSK"/>
+              </a:rPr>
+              <a:t>t</a:t>
+            </a:r>
+            <a:r>
+              <a:rPr altLang="en-IN" b="1" sz="2800" lang="en-US">
+                <a:solidFill>
+                  <a:srgbClr val="000000"/>
+                </a:solidFill>
+                <a:latin typeface="TH SarabunPSK"/>
+                <a:ea typeface="TH SarabunPSK"/>
+              </a:rPr>
+              <a:t>a</a:t>
+            </a:r>
+            <a:r>
+              <a:rPr altLang="en-IN" b="1" sz="2800" lang="en-US">
+                <a:solidFill>
+                  <a:srgbClr val="000000"/>
+                </a:solidFill>
+                <a:latin typeface="TH SarabunPSK"/>
+                <a:ea typeface="TH SarabunPSK"/>
+              </a:rPr>
+              <a:t>c</a:t>
+            </a:r>
+            <a:r>
+              <a:rPr altLang="en-IN" b="1" sz="2800" lang="en-US">
+                <a:solidFill>
+                  <a:srgbClr val="000000"/>
+                </a:solidFill>
+                <a:latin typeface="TH SarabunPSK"/>
+                <a:ea typeface="TH SarabunPSK"/>
+              </a:rPr>
+              <a:t>t</a:t>
+            </a:r>
+            <a:endParaRPr b="1" sz="2800" lang="en-IN">
+              <a:solidFill>
+                <a:srgbClr val="000000"/>
+              </a:solidFill>
+              <a:latin typeface="TH SarabunPSK"/>
+              <a:ea typeface="TH SarabunPSK"/>
+            </a:endParaRPr>
+          </a:p>
+        </p:txBody>
+      </p:sp>
     </p:spTree>
   </p:cSld>
   <p:clrMapOvr>
@@ -4436,7 +5372,7 @@
   <p:cSld>
     <p:spTree>
       <p:nvGrpSpPr>
-        <p:cNvPr id="23" name=""/>
+        <p:cNvPr id="37" name=""/>
         <p:cNvGrpSpPr/>
         <p:nvPr/>
       </p:nvGrpSpPr>
@@ -4450,7 +5386,7 @@
       </p:grpSpPr>
       <p:sp>
         <p:nvSpPr>
-          <p:cNvPr id="1048612" name="object 2"/>
+          <p:cNvPr id="1048664" name="object 2"/>
           <p:cNvSpPr/>
           <p:nvPr/>
         </p:nvSpPr>
@@ -4497,7 +5433,7 @@
       </p:sp>
       <p:grpSp>
         <p:nvGrpSpPr>
-          <p:cNvPr id="24" name="object 3"/>
+          <p:cNvPr id="38" name="object 3"/>
           <p:cNvGrpSpPr/>
           <p:nvPr/>
         </p:nvGrpSpPr>
@@ -4511,7 +5447,7 @@
         </p:grpSpPr>
         <p:sp>
           <p:nvSpPr>
-            <p:cNvPr id="1048613" name="object 4"/>
+            <p:cNvPr id="1048665" name="object 4"/>
             <p:cNvSpPr/>
             <p:nvPr/>
           </p:nvSpPr>
@@ -4548,7 +5484,7 @@
         </p:sp>
         <p:sp>
           <p:nvSpPr>
-            <p:cNvPr id="1048614" name="object 5"/>
+            <p:cNvPr id="1048666" name="object 5"/>
             <p:cNvSpPr/>
             <p:nvPr/>
           </p:nvSpPr>
@@ -4585,7 +5521,7 @@
         </p:sp>
         <p:sp>
           <p:nvSpPr>
-            <p:cNvPr id="1048615" name="object 6"/>
+            <p:cNvPr id="1048667" name="object 6"/>
             <p:cNvSpPr/>
             <p:nvPr/>
           </p:nvSpPr>
@@ -4632,7 +5568,7 @@
         </p:sp>
         <p:sp>
           <p:nvSpPr>
-            <p:cNvPr id="1048616" name="object 7"/>
+            <p:cNvPr id="1048668" name="object 7"/>
             <p:cNvSpPr/>
             <p:nvPr/>
           </p:nvSpPr>
@@ -4679,7 +5615,7 @@
         </p:sp>
         <p:sp>
           <p:nvSpPr>
-            <p:cNvPr id="1048617" name="object 8"/>
+            <p:cNvPr id="1048669" name="object 8"/>
             <p:cNvSpPr/>
             <p:nvPr/>
           </p:nvSpPr>
@@ -4723,7 +5659,7 @@
         </p:sp>
         <p:sp>
           <p:nvSpPr>
-            <p:cNvPr id="1048618" name="object 9"/>
+            <p:cNvPr id="1048670" name="object 9"/>
             <p:cNvSpPr/>
             <p:nvPr/>
           </p:nvSpPr>
@@ -4770,7 +5706,7 @@
         </p:sp>
         <p:sp>
           <p:nvSpPr>
-            <p:cNvPr id="1048619" name="object 10"/>
+            <p:cNvPr id="1048671" name="object 10"/>
             <p:cNvSpPr/>
             <p:nvPr/>
           </p:nvSpPr>
@@ -4817,7 +5753,7 @@
         </p:sp>
         <p:sp>
           <p:nvSpPr>
-            <p:cNvPr id="1048620" name="object 11"/>
+            <p:cNvPr id="1048672" name="object 11"/>
             <p:cNvSpPr/>
             <p:nvPr/>
           </p:nvSpPr>
@@ -4864,7 +5800,7 @@
         </p:sp>
         <p:sp>
           <p:nvSpPr>
-            <p:cNvPr id="1048621" name="object 12"/>
+            <p:cNvPr id="1048673" name="object 12"/>
             <p:cNvSpPr/>
             <p:nvPr/>
           </p:nvSpPr>
@@ -4909,7 +5845,7 @@
       </p:grpSp>
       <p:sp>
         <p:nvSpPr>
-          <p:cNvPr id="1048622" name="object 13"/>
+          <p:cNvPr id="1048674" name="object 13"/>
           <p:cNvSpPr/>
           <p:nvPr/>
         </p:nvSpPr>
@@ -4953,7 +5889,7 @@
       </p:sp>
       <p:sp>
         <p:nvSpPr>
-          <p:cNvPr id="1048623" name="object 14"/>
+          <p:cNvPr id="1048675" name="object 14"/>
           <p:cNvSpPr txBox="1"/>
           <p:nvPr/>
         </p:nvSpPr>
@@ -5123,7 +6059,7 @@
       </p:sp>
       <p:sp>
         <p:nvSpPr>
-          <p:cNvPr id="1048624" name="object 15"/>
+          <p:cNvPr id="1048676" name="object 15"/>
           <p:cNvSpPr/>
           <p:nvPr/>
         </p:nvSpPr>
@@ -5228,7 +6164,7 @@
       </p:sp>
       <p:sp>
         <p:nvSpPr>
-          <p:cNvPr id="1048625" name="object 16"/>
+          <p:cNvPr id="1048677" name="object 16"/>
           <p:cNvSpPr/>
           <p:nvPr/>
         </p:nvSpPr>
@@ -5393,7 +6329,7 @@
       </p:sp>
       <p:pic>
         <p:nvPicPr>
-          <p:cNvPr id="2097154" name="object 17"/>
+          <p:cNvPr id="2097164" name="object 17"/>
           <p:cNvPicPr>
             <a:picLocks/>
           </p:cNvPicPr>
@@ -5415,7 +6351,7 @@
       </p:pic>
       <p:grpSp>
         <p:nvGrpSpPr>
-          <p:cNvPr id="25" name="object 18"/>
+          <p:cNvPr id="39" name="object 18"/>
           <p:cNvGrpSpPr/>
           <p:nvPr/>
         </p:nvGrpSpPr>
@@ -5429,7 +6365,7 @@
         </p:grpSpPr>
         <p:pic>
           <p:nvPicPr>
-            <p:cNvPr id="2097155" name="object 19"/>
+            <p:cNvPr id="2097165" name="object 19"/>
             <p:cNvPicPr>
               <a:picLocks/>
             </p:cNvPicPr>
@@ -5451,7 +6387,7 @@
         </p:pic>
         <p:pic>
           <p:nvPicPr>
-            <p:cNvPr id="2097156" name="object 20"/>
+            <p:cNvPr id="2097166" name="object 20"/>
             <p:cNvPicPr>
               <a:picLocks/>
             </p:cNvPicPr>
@@ -5474,7 +6410,7 @@
       </p:grpSp>
       <p:sp>
         <p:nvSpPr>
-          <p:cNvPr id="1048626" name="object 21"/>
+          <p:cNvPr id="1048678" name="object 21"/>
           <p:cNvSpPr txBox="1">
             <a:spLocks noGrp="1"/>
           </p:cNvSpPr>
@@ -5527,7 +6463,7 @@
       </p:sp>
       <p:sp>
         <p:nvSpPr>
-          <p:cNvPr id="1048627" name="object 22"/>
+          <p:cNvPr id="1048679" name="object 22"/>
           <p:cNvSpPr txBox="1">
             <a:spLocks noGrp="1"/>
           </p:cNvSpPr>
@@ -5561,7 +6497,7 @@
       </p:sp>
       <p:sp>
         <p:nvSpPr>
-          <p:cNvPr id="1048628" name="TextBox 22"/>
+          <p:cNvPr id="1048680" name="TextBox 22"/>
           <p:cNvSpPr txBox="1"/>
           <p:nvPr/>
         </p:nvSpPr>
@@ -5811,7 +6747,7 @@
   <p:cSld>
     <p:spTree>
       <p:nvGrpSpPr>
-        <p:cNvPr id="31" name=""/>
+        <p:cNvPr id="28" name=""/>
         <p:cNvGrpSpPr/>
         <p:nvPr/>
       </p:nvGrpSpPr>
@@ -5825,7 +6761,7 @@
       </p:grpSpPr>
       <p:grpSp>
         <p:nvGrpSpPr>
-          <p:cNvPr id="32" name="object 2"/>
+          <p:cNvPr id="29" name="object 2"/>
           <p:cNvGrpSpPr/>
           <p:nvPr/>
         </p:nvGrpSpPr>
@@ -5839,7 +6775,7 @@
         </p:grpSpPr>
         <p:sp>
           <p:nvSpPr>
-            <p:cNvPr id="1048644" name="object 3"/>
+            <p:cNvPr id="1048631" name="object 3"/>
             <p:cNvSpPr/>
             <p:nvPr/>
           </p:nvSpPr>
@@ -5884,7 +6820,7 @@
         </p:sp>
         <p:sp>
           <p:nvSpPr>
-            <p:cNvPr id="1048645" name="object 4"/>
+            <p:cNvPr id="1048632" name="object 4"/>
             <p:cNvSpPr/>
             <p:nvPr/>
           </p:nvSpPr>
@@ -5929,7 +6865,7 @@
         </p:sp>
         <p:pic>
           <p:nvPicPr>
-            <p:cNvPr id="2097158" name="object 5"/>
+            <p:cNvPr id="2097159" name="object 5"/>
             <p:cNvPicPr>
               <a:picLocks/>
             </p:cNvPicPr>
@@ -5952,7 +6888,7 @@
       </p:grpSp>
       <p:sp>
         <p:nvSpPr>
-          <p:cNvPr id="1048646" name="object 6"/>
+          <p:cNvPr id="1048633" name="object 6"/>
           <p:cNvSpPr/>
           <p:nvPr/>
         </p:nvSpPr>
@@ -5997,7 +6933,7 @@
       </p:sp>
       <p:sp>
         <p:nvSpPr>
-          <p:cNvPr id="1048647" name="object 7"/>
+          <p:cNvPr id="1048634" name="object 7"/>
           <p:cNvSpPr txBox="1">
             <a:spLocks noGrp="1"/>
           </p:cNvSpPr>
@@ -6086,7 +7022,7 @@
       </p:sp>
       <p:pic>
         <p:nvPicPr>
-          <p:cNvPr id="2097159" name="object 8"/>
+          <p:cNvPr id="2097160" name="object 8"/>
           <p:cNvPicPr>
             <a:picLocks/>
           </p:cNvPicPr>
@@ -6108,7 +7044,7 @@
       </p:pic>
       <p:sp>
         <p:nvSpPr>
-          <p:cNvPr id="1048648" name="object 10"/>
+          <p:cNvPr id="1048635" name="object 10"/>
           <p:cNvSpPr txBox="1">
             <a:spLocks noGrp="1"/>
           </p:cNvSpPr>
@@ -6140,6 +7076,1856 @@
           </a:p>
         </p:txBody>
       </p:sp>
+      <p:sp>
+        <p:nvSpPr>
+          <p:cNvPr id="1048636" name=""/>
+          <p:cNvSpPr txBox="1"/>
+          <p:nvPr/>
+        </p:nvSpPr>
+        <p:spPr>
+          <a:xfrm>
+            <a:off x="1274102" y="1695449"/>
+            <a:ext cx="6182091" cy="4282439"/>
+          </a:xfrm>
+          <a:prstGeom prst="rect"/>
+        </p:spPr>
+        <p:txBody>
+          <a:bodyPr rtlCol="0" wrap="square">
+            <a:spAutoFit/>
+          </a:bodyPr>
+          <a:p>
+            <a:r>
+              <a:rPr altLang="en-IN" b="1" sz="2800" lang="en-US">
+                <a:solidFill>
+                  <a:srgbClr val="000000"/>
+                </a:solidFill>
+              </a:rPr>
+              <a:t>M</a:t>
+            </a:r>
+            <a:r>
+              <a:rPr altLang="en-IN" b="1" sz="2800" lang="en-US">
+                <a:solidFill>
+                  <a:srgbClr val="000000"/>
+                </a:solidFill>
+              </a:rPr>
+              <a:t>y</a:t>
+            </a:r>
+            <a:r>
+              <a:rPr altLang="en-IN" b="1" sz="2800" lang="en-US">
+                <a:solidFill>
+                  <a:srgbClr val="000000"/>
+                </a:solidFill>
+              </a:rPr>
+              <a:t> </a:t>
+            </a:r>
+            <a:r>
+              <a:rPr altLang="en-IN" b="1" sz="2800" lang="en-US">
+                <a:solidFill>
+                  <a:srgbClr val="000000"/>
+                </a:solidFill>
+              </a:rPr>
+              <a:t>w</a:t>
+            </a:r>
+            <a:r>
+              <a:rPr altLang="en-IN" b="1" sz="2800" lang="en-US">
+                <a:solidFill>
+                  <a:srgbClr val="000000"/>
+                </a:solidFill>
+              </a:rPr>
+              <a:t>o</a:t>
+            </a:r>
+            <a:r>
+              <a:rPr altLang="en-IN" b="1" sz="2800" lang="en-US">
+                <a:solidFill>
+                  <a:srgbClr val="000000"/>
+                </a:solidFill>
+              </a:rPr>
+              <a:t>rk </a:t>
+            </a:r>
+            <a:r>
+              <a:rPr altLang="en-IN" b="1" sz="2800" lang="en-US">
+                <a:solidFill>
+                  <a:srgbClr val="000000"/>
+                </a:solidFill>
+              </a:rPr>
+              <a:t>i</a:t>
+            </a:r>
+            <a:r>
+              <a:rPr altLang="en-IN" b="1" sz="2800" lang="en-US">
+                <a:solidFill>
+                  <a:srgbClr val="000000"/>
+                </a:solidFill>
+              </a:rPr>
+              <a:t>n</a:t>
+            </a:r>
+            <a:r>
+              <a:rPr altLang="en-IN" b="1" sz="2800" lang="en-US">
+                <a:solidFill>
+                  <a:srgbClr val="000000"/>
+                </a:solidFill>
+              </a:rPr>
+              <a:t> </a:t>
+            </a:r>
+            <a:r>
+              <a:rPr altLang="en-IN" b="1" sz="2800" lang="en-US">
+                <a:solidFill>
+                  <a:srgbClr val="000000"/>
+                </a:solidFill>
+              </a:rPr>
+              <a:t>d</a:t>
+            </a:r>
+            <a:r>
+              <a:rPr altLang="en-IN" b="1" sz="2800" lang="en-US">
+                <a:solidFill>
+                  <a:srgbClr val="000000"/>
+                </a:solidFill>
+              </a:rPr>
+              <a:t>e</a:t>
+            </a:r>
+            <a:r>
+              <a:rPr altLang="en-IN" b="1" sz="2800" lang="en-US">
+                <a:solidFill>
+                  <a:srgbClr val="000000"/>
+                </a:solidFill>
+              </a:rPr>
+              <a:t>f</a:t>
+            </a:r>
+            <a:r>
+              <a:rPr altLang="en-IN" b="1" sz="2800" lang="en-US">
+                <a:solidFill>
+                  <a:srgbClr val="000000"/>
+                </a:solidFill>
+              </a:rPr>
+              <a:t>i</a:t>
+            </a:r>
+            <a:r>
+              <a:rPr altLang="en-IN" b="1" sz="2800" lang="en-US">
+                <a:solidFill>
+                  <a:srgbClr val="000000"/>
+                </a:solidFill>
+              </a:rPr>
+              <a:t>n</a:t>
+            </a:r>
+            <a:r>
+              <a:rPr altLang="en-IN" b="1" sz="2800" lang="en-US">
+                <a:solidFill>
+                  <a:srgbClr val="000000"/>
+                </a:solidFill>
+              </a:rPr>
+              <a:t>e</a:t>
+            </a:r>
+            <a:r>
+              <a:rPr altLang="en-IN" b="1" sz="2800" lang="en-US">
+                <a:solidFill>
+                  <a:srgbClr val="000000"/>
+                </a:solidFill>
+              </a:rPr>
+              <a:t> </a:t>
+            </a:r>
+            <a:r>
+              <a:rPr altLang="en-IN" b="1" sz="2800" lang="en-US">
+                <a:solidFill>
+                  <a:srgbClr val="000000"/>
+                </a:solidFill>
+              </a:rPr>
+              <a:t>I </a:t>
+            </a:r>
+            <a:r>
+              <a:rPr altLang="en-IN" b="1" sz="2800" lang="en-US">
+                <a:solidFill>
+                  <a:srgbClr val="000000"/>
+                </a:solidFill>
+              </a:rPr>
+              <a:t>am </a:t>
+            </a:r>
+            <a:r>
+              <a:rPr altLang="en-IN" b="1" sz="2800" lang="en-US">
+                <a:solidFill>
+                  <a:srgbClr val="000000"/>
+                </a:solidFill>
+              </a:rPr>
+              <a:t>t</a:t>
+            </a:r>
+            <a:r>
+              <a:rPr altLang="en-IN" b="1" sz="2800" lang="en-US">
+                <a:solidFill>
+                  <a:srgbClr val="000000"/>
+                </a:solidFill>
+              </a:rPr>
+              <a:t>h</a:t>
+            </a:r>
+            <a:r>
+              <a:rPr altLang="en-IN" b="1" sz="2800" lang="en-US">
+                <a:solidFill>
+                  <a:srgbClr val="000000"/>
+                </a:solidFill>
+              </a:rPr>
+              <a:t>a</a:t>
+            </a:r>
+            <a:r>
+              <a:rPr altLang="en-IN" b="1" sz="2800" lang="en-US">
+                <a:solidFill>
+                  <a:srgbClr val="000000"/>
+                </a:solidFill>
+              </a:rPr>
+              <a:t>t</a:t>
+            </a:r>
+            <a:r>
+              <a:rPr altLang="en-IN" b="1" sz="2800" lang="en-US">
+                <a:solidFill>
+                  <a:srgbClr val="000000"/>
+                </a:solidFill>
+              </a:rPr>
+              <a:t> </a:t>
+            </a:r>
+            <a:r>
+              <a:rPr altLang="en-IN" b="1" sz="2800" lang="en-US">
+                <a:solidFill>
+                  <a:srgbClr val="000000"/>
+                </a:solidFill>
+              </a:rPr>
+              <a:t>f</a:t>
+            </a:r>
+            <a:r>
+              <a:rPr altLang="en-IN" b="1" sz="2800" lang="en-US">
+                <a:solidFill>
+                  <a:srgbClr val="000000"/>
+                </a:solidFill>
+              </a:rPr>
+              <a:t>u</a:t>
+            </a:r>
+            <a:r>
+              <a:rPr altLang="en-IN" b="1" sz="2800" lang="en-US">
+                <a:solidFill>
+                  <a:srgbClr val="000000"/>
+                </a:solidFill>
+              </a:rPr>
+              <a:t>t</a:t>
+            </a:r>
+            <a:r>
+              <a:rPr altLang="en-IN" b="1" sz="2800" lang="en-US">
+                <a:solidFill>
+                  <a:srgbClr val="000000"/>
+                </a:solidFill>
+              </a:rPr>
+              <a:t>ure </a:t>
+            </a:r>
+            <a:r>
+              <a:rPr altLang="en-IN" b="1" sz="2800" lang="en-US">
+                <a:solidFill>
+                  <a:srgbClr val="000000"/>
+                </a:solidFill>
+              </a:rPr>
+              <a:t>a</a:t>
+            </a:r>
+            <a:r>
+              <a:rPr altLang="en-IN" b="1" sz="2800" lang="en-US">
+                <a:solidFill>
+                  <a:srgbClr val="000000"/>
+                </a:solidFill>
+              </a:rPr>
+              <a:t> </a:t>
+            </a:r>
+            <a:r>
+              <a:rPr altLang="en-IN" b="1" sz="2800" lang="en-US">
+                <a:solidFill>
+                  <a:srgbClr val="000000"/>
+                </a:solidFill>
+              </a:rPr>
+              <a:t>p</a:t>
+            </a:r>
+            <a:r>
+              <a:rPr altLang="en-IN" b="1" sz="2800" lang="en-US">
+                <a:solidFill>
+                  <a:srgbClr val="000000"/>
+                </a:solidFill>
+              </a:rPr>
+              <a:t>o</a:t>
+            </a:r>
+            <a:r>
+              <a:rPr altLang="en-IN" b="1" sz="2800" lang="en-US">
+                <a:solidFill>
+                  <a:srgbClr val="000000"/>
+                </a:solidFill>
+              </a:rPr>
+              <a:t>r</a:t>
+            </a:r>
+            <a:r>
+              <a:rPr altLang="en-IN" b="1" sz="2800" lang="en-US">
+                <a:solidFill>
+                  <a:srgbClr val="000000"/>
+                </a:solidFill>
+              </a:rPr>
+              <a:t>tfolio </a:t>
+            </a:r>
+            <a:r>
+              <a:rPr altLang="en-IN" b="1" sz="2800" lang="en-US">
+                <a:solidFill>
+                  <a:srgbClr val="000000"/>
+                </a:solidFill>
+              </a:rPr>
+              <a:t>w</a:t>
+            </a:r>
+            <a:r>
+              <a:rPr altLang="en-IN" b="1" sz="2800" lang="en-US">
+                <a:solidFill>
+                  <a:srgbClr val="000000"/>
+                </a:solidFill>
+              </a:rPr>
+              <a:t>e</a:t>
+            </a:r>
+            <a:r>
+              <a:rPr altLang="en-IN" b="1" sz="2800" lang="en-US">
+                <a:solidFill>
+                  <a:srgbClr val="000000"/>
+                </a:solidFill>
+              </a:rPr>
+              <a:t>bsite </a:t>
+            </a:r>
+            <a:r>
+              <a:rPr altLang="en-IN" b="1" sz="2800" lang="en-US">
+                <a:solidFill>
+                  <a:srgbClr val="000000"/>
+                </a:solidFill>
+              </a:rPr>
+              <a:t>p</a:t>
+            </a:r>
+            <a:r>
+              <a:rPr altLang="en-IN" b="1" sz="2800" lang="en-US">
+                <a:solidFill>
+                  <a:srgbClr val="000000"/>
+                </a:solidFill>
+              </a:rPr>
+              <a:t>r</a:t>
+            </a:r>
+            <a:r>
+              <a:rPr altLang="en-IN" b="1" sz="2800" lang="en-US">
+                <a:solidFill>
+                  <a:srgbClr val="000000"/>
+                </a:solidFill>
+              </a:rPr>
+              <a:t>o</a:t>
+            </a:r>
+            <a:r>
+              <a:rPr altLang="en-IN" b="1" sz="2800" lang="en-US">
+                <a:solidFill>
+                  <a:srgbClr val="000000"/>
+                </a:solidFill>
+              </a:rPr>
+              <a:t>b</a:t>
+            </a:r>
+            <a:r>
+              <a:rPr altLang="en-IN" b="1" sz="2800" lang="en-US">
+                <a:solidFill>
+                  <a:srgbClr val="000000"/>
+                </a:solidFill>
+              </a:rPr>
+              <a:t>lem </a:t>
+            </a:r>
+            <a:r>
+              <a:rPr altLang="en-IN" b="1" sz="2800" lang="en-US">
+                <a:solidFill>
+                  <a:srgbClr val="000000"/>
+                </a:solidFill>
+              </a:rPr>
+              <a:t>s</a:t>
+            </a:r>
+            <a:r>
+              <a:rPr altLang="en-IN" b="1" sz="2800" lang="en-US">
+                <a:solidFill>
+                  <a:srgbClr val="000000"/>
+                </a:solidFill>
+              </a:rPr>
+              <a:t>t</a:t>
+            </a:r>
+            <a:r>
+              <a:rPr altLang="en-IN" b="1" sz="2800" lang="en-US">
+                <a:solidFill>
+                  <a:srgbClr val="000000"/>
+                </a:solidFill>
+              </a:rPr>
+              <a:t>a</a:t>
+            </a:r>
+            <a:r>
+              <a:rPr altLang="en-IN" b="1" sz="2800" lang="en-US">
+                <a:solidFill>
+                  <a:srgbClr val="000000"/>
+                </a:solidFill>
+              </a:rPr>
+              <a:t>tement </a:t>
+            </a:r>
+            <a:r>
+              <a:rPr altLang="en-IN" b="1" sz="2800" lang="en-US">
+                <a:solidFill>
+                  <a:srgbClr val="000000"/>
+                </a:solidFill>
+              </a:rPr>
+              <a:t>f</a:t>
+            </a:r>
+            <a:r>
+              <a:rPr altLang="en-IN" b="1" sz="2800" lang="en-US">
+                <a:solidFill>
+                  <a:srgbClr val="000000"/>
+                </a:solidFill>
+              </a:rPr>
+              <a:t>o</a:t>
+            </a:r>
+            <a:r>
+              <a:rPr altLang="en-IN" b="1" sz="2800" lang="en-US">
+                <a:solidFill>
+                  <a:srgbClr val="000000"/>
+                </a:solidFill>
+              </a:rPr>
+              <a:t>c</a:t>
+            </a:r>
+            <a:r>
+              <a:rPr altLang="en-IN" b="1" sz="2800" lang="en-US">
+                <a:solidFill>
+                  <a:srgbClr val="000000"/>
+                </a:solidFill>
+              </a:rPr>
+              <a:t>u</a:t>
+            </a:r>
+            <a:r>
+              <a:rPr altLang="en-IN" b="1" sz="2800" lang="en-US">
+                <a:solidFill>
+                  <a:srgbClr val="000000"/>
+                </a:solidFill>
+              </a:rPr>
+              <a:t>sed </a:t>
+            </a:r>
+            <a:r>
+              <a:rPr altLang="en-IN" b="1" sz="2800" lang="en-US">
+                <a:solidFill>
+                  <a:srgbClr val="000000"/>
+                </a:solidFill>
+              </a:rPr>
+              <a:t>o</a:t>
+            </a:r>
+            <a:r>
+              <a:rPr altLang="en-IN" b="1" sz="2800" lang="en-US">
+                <a:solidFill>
+                  <a:srgbClr val="000000"/>
+                </a:solidFill>
+              </a:rPr>
+              <a:t>n</a:t>
+            </a:r>
+            <a:r>
+              <a:rPr altLang="en-IN" b="1" sz="2800" lang="en-US">
+                <a:solidFill>
+                  <a:srgbClr val="000000"/>
+                </a:solidFill>
+              </a:rPr>
+              <a:t> </a:t>
+            </a:r>
+            <a:r>
+              <a:rPr altLang="en-IN" b="1" sz="2800" lang="en-US">
+                <a:solidFill>
+                  <a:srgbClr val="000000"/>
+                </a:solidFill>
+              </a:rPr>
+              <a:t>t</a:t>
+            </a:r>
+            <a:r>
+              <a:rPr altLang="en-IN" b="1" sz="2800" lang="en-US">
+                <a:solidFill>
+                  <a:srgbClr val="000000"/>
+                </a:solidFill>
+              </a:rPr>
+              <a:t>h</a:t>
+            </a:r>
+            <a:r>
+              <a:rPr altLang="en-IN" b="1" sz="2800" lang="en-US">
+                <a:solidFill>
+                  <a:srgbClr val="000000"/>
+                </a:solidFill>
+              </a:rPr>
+              <a:t>e</a:t>
+            </a:r>
+            <a:r>
+              <a:rPr altLang="en-IN" b="1" sz="2800" lang="en-US">
+                <a:solidFill>
+                  <a:srgbClr val="000000"/>
+                </a:solidFill>
+              </a:rPr>
+              <a:t> </a:t>
+            </a:r>
+            <a:r>
+              <a:rPr altLang="en-IN" b="1" sz="2800" lang="en-US">
+                <a:solidFill>
+                  <a:srgbClr val="000000"/>
+                </a:solidFill>
+              </a:rPr>
+              <a:t>n</a:t>
+            </a:r>
+            <a:r>
+              <a:rPr altLang="en-IN" b="1" sz="2800" lang="en-US">
+                <a:solidFill>
+                  <a:srgbClr val="000000"/>
+                </a:solidFill>
+              </a:rPr>
+              <a:t>e</a:t>
+            </a:r>
+            <a:r>
+              <a:rPr altLang="en-IN" b="1" sz="2800" lang="en-US">
+                <a:solidFill>
+                  <a:srgbClr val="000000"/>
+                </a:solidFill>
+              </a:rPr>
+              <a:t>e</a:t>
+            </a:r>
+            <a:r>
+              <a:rPr altLang="en-IN" b="1" sz="2800" lang="en-US">
+                <a:solidFill>
+                  <a:srgbClr val="000000"/>
+                </a:solidFill>
+              </a:rPr>
+              <a:t> </a:t>
+            </a:r>
+            <a:r>
+              <a:rPr altLang="en-IN" b="1" sz="2800" lang="en-US">
+                <a:solidFill>
+                  <a:srgbClr val="000000"/>
+                </a:solidFill>
+              </a:rPr>
+              <a:t>f</a:t>
+            </a:r>
+            <a:r>
+              <a:rPr altLang="en-IN" b="1" sz="2800" lang="en-US">
+                <a:solidFill>
+                  <a:srgbClr val="000000"/>
+                </a:solidFill>
+              </a:rPr>
+              <a:t>o</a:t>
+            </a:r>
+            <a:r>
+              <a:rPr altLang="en-IN" b="1" sz="2800" lang="en-US">
+                <a:solidFill>
+                  <a:srgbClr val="000000"/>
+                </a:solidFill>
+              </a:rPr>
+              <a:t>r</a:t>
+            </a:r>
+            <a:r>
+              <a:rPr altLang="en-IN" b="1" sz="2800" lang="en-US">
+                <a:solidFill>
+                  <a:srgbClr val="000000"/>
+                </a:solidFill>
+              </a:rPr>
+              <a:t> </a:t>
+            </a:r>
+            <a:r>
+              <a:rPr altLang="en-IN" b="1" sz="2800" lang="en-US">
+                <a:solidFill>
+                  <a:srgbClr val="000000"/>
+                </a:solidFill>
+              </a:rPr>
+              <a:t>i</a:t>
+            </a:r>
+            <a:r>
+              <a:rPr altLang="en-IN" b="1" sz="2800" lang="en-US">
+                <a:solidFill>
+                  <a:srgbClr val="000000"/>
+                </a:solidFill>
+              </a:rPr>
+              <a:t>n</a:t>
+            </a:r>
+            <a:r>
+              <a:rPr altLang="en-IN" b="1" sz="2800" lang="en-US">
+                <a:solidFill>
+                  <a:srgbClr val="000000"/>
+                </a:solidFill>
+              </a:rPr>
+              <a:t>d</a:t>
+            </a:r>
+            <a:r>
+              <a:rPr altLang="en-IN" b="1" sz="2800" lang="en-US">
+                <a:solidFill>
+                  <a:srgbClr val="000000"/>
+                </a:solidFill>
+              </a:rPr>
+              <a:t>i</a:t>
+            </a:r>
+            <a:r>
+              <a:rPr altLang="en-IN" b="1" sz="2800" lang="en-US">
+                <a:solidFill>
+                  <a:srgbClr val="000000"/>
+                </a:solidFill>
+              </a:rPr>
+              <a:t>v</a:t>
+            </a:r>
+            <a:r>
+              <a:rPr altLang="en-IN" b="1" sz="2800" lang="en-US">
+                <a:solidFill>
+                  <a:srgbClr val="000000"/>
+                </a:solidFill>
+              </a:rPr>
+              <a:t>idual </a:t>
+            </a:r>
+            <a:r>
+              <a:rPr altLang="en-IN" b="1" sz="2800" lang="en-US">
+                <a:solidFill>
+                  <a:srgbClr val="000000"/>
+                </a:solidFill>
+              </a:rPr>
+              <a:t>and </a:t>
+            </a:r>
+            <a:r>
+              <a:rPr altLang="en-IN" b="1" sz="2800" lang="en-US">
+                <a:solidFill>
+                  <a:srgbClr val="000000"/>
+                </a:solidFill>
+              </a:rPr>
+              <a:t>p</a:t>
+            </a:r>
+            <a:r>
+              <a:rPr altLang="en-IN" b="1" sz="2800" lang="en-US">
+                <a:solidFill>
+                  <a:srgbClr val="000000"/>
+                </a:solidFill>
+              </a:rPr>
+              <a:t>r</a:t>
+            </a:r>
+            <a:r>
+              <a:rPr altLang="en-IN" b="1" sz="2800" lang="en-US">
+                <a:solidFill>
+                  <a:srgbClr val="000000"/>
+                </a:solidFill>
+              </a:rPr>
+              <a:t>o</a:t>
+            </a:r>
+            <a:r>
+              <a:rPr altLang="en-IN" b="1" sz="2800" lang="en-US">
+                <a:solidFill>
+                  <a:srgbClr val="000000"/>
+                </a:solidFill>
+              </a:rPr>
+              <a:t>f</a:t>
+            </a:r>
+            <a:r>
+              <a:rPr altLang="en-IN" b="1" sz="2800" lang="en-US">
+                <a:solidFill>
+                  <a:srgbClr val="000000"/>
+                </a:solidFill>
+              </a:rPr>
+              <a:t>e</a:t>
+            </a:r>
+            <a:r>
+              <a:rPr altLang="en-IN" b="1" sz="2800" lang="en-US">
+                <a:solidFill>
+                  <a:srgbClr val="000000"/>
+                </a:solidFill>
+              </a:rPr>
+              <a:t>ssional </a:t>
+            </a:r>
+            <a:r>
+              <a:rPr altLang="en-IN" b="1" sz="2800" lang="en-US">
+                <a:solidFill>
+                  <a:srgbClr val="000000"/>
+                </a:solidFill>
+              </a:rPr>
+              <a:t>t</a:t>
+            </a:r>
+            <a:r>
+              <a:rPr altLang="en-IN" b="1" sz="2800" lang="en-US">
+                <a:solidFill>
+                  <a:srgbClr val="000000"/>
+                </a:solidFill>
+              </a:rPr>
+              <a:t>o</a:t>
+            </a:r>
+            <a:r>
+              <a:rPr altLang="en-IN" b="1" sz="2800" lang="en-US">
+                <a:solidFill>
+                  <a:srgbClr val="000000"/>
+                </a:solidFill>
+              </a:rPr>
+              <a:t> </a:t>
+            </a:r>
+            <a:r>
+              <a:rPr altLang="en-IN" b="1" sz="2800" lang="en-US">
+                <a:solidFill>
+                  <a:srgbClr val="000000"/>
+                </a:solidFill>
+              </a:rPr>
+              <a:t>e</a:t>
+            </a:r>
+            <a:r>
+              <a:rPr altLang="en-IN" b="1" sz="2800" lang="en-US">
+                <a:solidFill>
+                  <a:srgbClr val="000000"/>
+                </a:solidFill>
+              </a:rPr>
+              <a:t>s</a:t>
+            </a:r>
+            <a:r>
+              <a:rPr altLang="en-IN" b="1" sz="2800" lang="en-US">
+                <a:solidFill>
+                  <a:srgbClr val="000000"/>
+                </a:solidFill>
+              </a:rPr>
+              <a:t>tablish </a:t>
+            </a:r>
+            <a:r>
+              <a:rPr altLang="en-IN" b="1" sz="2800" lang="en-US">
+                <a:solidFill>
+                  <a:srgbClr val="000000"/>
+                </a:solidFill>
+              </a:rPr>
+              <a:t>a </a:t>
+            </a:r>
+            <a:r>
+              <a:rPr altLang="en-IN" b="1" sz="2800" lang="en-US">
+                <a:solidFill>
+                  <a:srgbClr val="000000"/>
+                </a:solidFill>
+              </a:rPr>
+              <a:t>s</a:t>
+            </a:r>
+            <a:r>
+              <a:rPr altLang="en-IN" b="1" sz="2800" lang="en-US">
+                <a:solidFill>
+                  <a:srgbClr val="000000"/>
+                </a:solidFill>
+              </a:rPr>
+              <a:t>t</a:t>
+            </a:r>
+            <a:r>
+              <a:rPr altLang="en-IN" b="1" sz="2800" lang="en-US">
+                <a:solidFill>
+                  <a:srgbClr val="000000"/>
+                </a:solidFill>
+              </a:rPr>
+              <a:t>r</a:t>
+            </a:r>
+            <a:r>
+              <a:rPr altLang="en-IN" b="1" sz="2800" lang="en-US">
+                <a:solidFill>
+                  <a:srgbClr val="000000"/>
+                </a:solidFill>
+              </a:rPr>
+              <a:t>ong </a:t>
+            </a:r>
+            <a:r>
+              <a:rPr altLang="en-IN" b="1" sz="2800" lang="en-US">
+                <a:solidFill>
+                  <a:srgbClr val="000000"/>
+                </a:solidFill>
+              </a:rPr>
+              <a:t>o</a:t>
+            </a:r>
+            <a:r>
+              <a:rPr altLang="en-IN" b="1" sz="2800" lang="en-US">
+                <a:solidFill>
+                  <a:srgbClr val="000000"/>
+                </a:solidFill>
+              </a:rPr>
+              <a:t>n</a:t>
+            </a:r>
+            <a:r>
+              <a:rPr altLang="en-IN" b="1" sz="2800" lang="en-US">
+                <a:solidFill>
+                  <a:srgbClr val="000000"/>
+                </a:solidFill>
+              </a:rPr>
+              <a:t>l</a:t>
+            </a:r>
+            <a:r>
+              <a:rPr altLang="en-IN" b="1" sz="2800" lang="en-US">
+                <a:solidFill>
+                  <a:srgbClr val="000000"/>
+                </a:solidFill>
+              </a:rPr>
+              <a:t>ine </a:t>
+            </a:r>
+            <a:r>
+              <a:rPr altLang="en-IN" b="1" sz="2800" lang="en-US">
+                <a:solidFill>
+                  <a:srgbClr val="000000"/>
+                </a:solidFill>
+              </a:rPr>
+              <a:t>presence </a:t>
+            </a:r>
+            <a:r>
+              <a:rPr altLang="en-IN" b="1" sz="2800" lang="en-US">
+                <a:solidFill>
+                  <a:srgbClr val="000000"/>
+                </a:solidFill>
+              </a:rPr>
+              <a:t>b</a:t>
+            </a:r>
+            <a:r>
+              <a:rPr altLang="en-IN" b="1" sz="2800" lang="en-US">
+                <a:solidFill>
+                  <a:srgbClr val="000000"/>
+                </a:solidFill>
+              </a:rPr>
+              <a:t>y</a:t>
+            </a:r>
+            <a:r>
+              <a:rPr altLang="en-IN" b="1" sz="2800" lang="en-US">
+                <a:solidFill>
+                  <a:srgbClr val="000000"/>
+                </a:solidFill>
+              </a:rPr>
+              <a:t> </a:t>
+            </a:r>
+            <a:r>
+              <a:rPr altLang="en-IN" b="1" sz="2800" lang="en-US">
+                <a:solidFill>
+                  <a:srgbClr val="000000"/>
+                </a:solidFill>
+              </a:rPr>
+              <a:t>s</a:t>
+            </a:r>
+            <a:r>
+              <a:rPr altLang="en-IN" b="1" sz="2800" lang="en-US">
+                <a:solidFill>
+                  <a:srgbClr val="000000"/>
+                </a:solidFill>
+              </a:rPr>
+              <a:t>h</a:t>
+            </a:r>
+            <a:r>
+              <a:rPr altLang="en-IN" b="1" sz="2800" lang="en-US">
+                <a:solidFill>
+                  <a:srgbClr val="000000"/>
+                </a:solidFill>
+              </a:rPr>
+              <a:t>ow</a:t>
+            </a:r>
+            <a:r>
+              <a:rPr altLang="en-IN" b="1" sz="2800" lang="en-US">
+                <a:solidFill>
+                  <a:srgbClr val="000000"/>
+                </a:solidFill>
+              </a:rPr>
+              <a:t>casing </a:t>
+            </a:r>
+            <a:r>
+              <a:rPr altLang="en-IN" b="1" sz="2800" lang="en-US">
+                <a:solidFill>
+                  <a:srgbClr val="000000"/>
+                </a:solidFill>
+              </a:rPr>
+              <a:t> </a:t>
+            </a:r>
+            <a:r>
+              <a:rPr altLang="en-IN" b="1" sz="2800" lang="en-US">
+                <a:solidFill>
+                  <a:srgbClr val="000000"/>
+                </a:solidFill>
+              </a:rPr>
+              <a:t>t</a:t>
+            </a:r>
+            <a:r>
+              <a:rPr altLang="en-IN" b="1" sz="2800" lang="en-US">
+                <a:solidFill>
+                  <a:srgbClr val="000000"/>
+                </a:solidFill>
+              </a:rPr>
+              <a:t>h</a:t>
+            </a:r>
+            <a:r>
+              <a:rPr altLang="en-IN" b="1" sz="2800" lang="en-US">
+                <a:solidFill>
+                  <a:srgbClr val="000000"/>
+                </a:solidFill>
+              </a:rPr>
+              <a:t>eir </a:t>
+            </a:r>
+            <a:r>
+              <a:rPr altLang="en-IN" b="1" sz="2800" lang="en-US">
+                <a:solidFill>
+                  <a:srgbClr val="000000"/>
+                </a:solidFill>
+              </a:rPr>
+              <a:t>w</a:t>
+            </a:r>
+            <a:r>
+              <a:rPr altLang="en-IN" b="1" sz="2800" lang="en-US">
+                <a:solidFill>
+                  <a:srgbClr val="000000"/>
+                </a:solidFill>
+              </a:rPr>
+              <a:t>ork </a:t>
+            </a:r>
+            <a:r>
+              <a:rPr altLang="en-IN" b="1" sz="2800" lang="en-US">
+                <a:solidFill>
+                  <a:srgbClr val="000000"/>
+                </a:solidFill>
+              </a:rPr>
+              <a:t>a</a:t>
+            </a:r>
+            <a:r>
+              <a:rPr altLang="en-IN" b="1" sz="2800" lang="en-US">
+                <a:solidFill>
+                  <a:srgbClr val="000000"/>
+                </a:solidFill>
+              </a:rPr>
+              <a:t>n</a:t>
+            </a:r>
+            <a:r>
+              <a:rPr altLang="en-IN" b="1" sz="2800" lang="en-US">
+                <a:solidFill>
+                  <a:srgbClr val="000000"/>
+                </a:solidFill>
+              </a:rPr>
+              <a:t>d </a:t>
+            </a:r>
+            <a:r>
+              <a:rPr altLang="en-IN" b="1" sz="2800" lang="en-US">
+                <a:solidFill>
+                  <a:srgbClr val="000000"/>
+                </a:solidFill>
+              </a:rPr>
+              <a:t>s</a:t>
+            </a:r>
+            <a:r>
+              <a:rPr altLang="en-IN" b="1" sz="2800" lang="en-US">
+                <a:solidFill>
+                  <a:srgbClr val="000000"/>
+                </a:solidFill>
+              </a:rPr>
+              <a:t>k</a:t>
+            </a:r>
+            <a:r>
+              <a:rPr altLang="en-IN" b="1" sz="2800" lang="en-US">
+                <a:solidFill>
+                  <a:srgbClr val="000000"/>
+                </a:solidFill>
+              </a:rPr>
+              <a:t>ills</a:t>
+            </a:r>
+            <a:r>
+              <a:rPr altLang="en-IN" b="1" sz="2800" lang="en-US">
+                <a:solidFill>
+                  <a:srgbClr val="000000"/>
+                </a:solidFill>
+              </a:rPr>
+              <a:t>.</a:t>
+            </a:r>
+            <a:r>
+              <a:rPr altLang="en-IN" b="1" sz="2800" lang="en-US">
+                <a:solidFill>
+                  <a:srgbClr val="000000"/>
+                </a:solidFill>
+              </a:rPr>
+              <a:t>i</a:t>
+            </a:r>
+            <a:r>
+              <a:rPr altLang="en-IN" b="1" sz="2800" lang="en-US">
+                <a:solidFill>
+                  <a:srgbClr val="000000"/>
+                </a:solidFill>
+              </a:rPr>
+              <a:t>n</a:t>
+            </a:r>
+            <a:r>
+              <a:rPr altLang="en-IN" b="1" sz="2800" lang="en-US">
+                <a:solidFill>
+                  <a:srgbClr val="000000"/>
+                </a:solidFill>
+              </a:rPr>
+              <a:t> </a:t>
+            </a:r>
+            <a:r>
+              <a:rPr altLang="en-IN" b="1" sz="2800" lang="en-US">
+                <a:solidFill>
+                  <a:srgbClr val="000000"/>
+                </a:solidFill>
+              </a:rPr>
+              <a:t>t</a:t>
+            </a:r>
+            <a:r>
+              <a:rPr altLang="en-IN" b="1" sz="2800" lang="en-US">
+                <a:solidFill>
+                  <a:srgbClr val="000000"/>
+                </a:solidFill>
+              </a:rPr>
+              <a:t>o</a:t>
+            </a:r>
+            <a:r>
+              <a:rPr altLang="en-IN" b="1" sz="2800" lang="en-US">
+                <a:solidFill>
+                  <a:srgbClr val="000000"/>
+                </a:solidFill>
+              </a:rPr>
+              <a:t> </a:t>
+            </a:r>
+            <a:r>
+              <a:rPr altLang="en-IN" b="1" sz="2800" lang="en-US">
+                <a:solidFill>
+                  <a:srgbClr val="000000"/>
+                </a:solidFill>
+              </a:rPr>
+              <a:t>m</a:t>
+            </a:r>
+            <a:r>
+              <a:rPr altLang="en-IN" b="1" sz="2800" lang="en-US">
+                <a:solidFill>
+                  <a:srgbClr val="000000"/>
+                </a:solidFill>
+              </a:rPr>
+              <a:t>y</a:t>
+            </a:r>
+            <a:r>
+              <a:rPr altLang="en-IN" b="1" sz="2800" lang="en-US">
+                <a:solidFill>
+                  <a:srgbClr val="000000"/>
+                </a:solidFill>
+              </a:rPr>
+              <a:t> </a:t>
+            </a:r>
+            <a:r>
+              <a:rPr altLang="en-IN" b="1" sz="2800" lang="en-US">
+                <a:solidFill>
+                  <a:srgbClr val="000000"/>
+                </a:solidFill>
+              </a:rPr>
+              <a:t>p</a:t>
+            </a:r>
+            <a:r>
+              <a:rPr altLang="en-IN" b="1" sz="2800" lang="en-US">
+                <a:solidFill>
+                  <a:srgbClr val="000000"/>
+                </a:solidFill>
+              </a:rPr>
+              <a:t>o</a:t>
+            </a:r>
+            <a:r>
+              <a:rPr altLang="en-IN" b="1" sz="2800" lang="en-US">
+                <a:solidFill>
+                  <a:srgbClr val="000000"/>
+                </a:solidFill>
+              </a:rPr>
+              <a:t>r</a:t>
+            </a:r>
+            <a:r>
+              <a:rPr altLang="en-IN" b="1" sz="2800" lang="en-US">
+                <a:solidFill>
+                  <a:srgbClr val="000000"/>
+                </a:solidFill>
+              </a:rPr>
+              <a:t>t</a:t>
+            </a:r>
+            <a:r>
+              <a:rPr altLang="en-IN" b="1" sz="2800" lang="en-US">
+                <a:solidFill>
+                  <a:srgbClr val="000000"/>
+                </a:solidFill>
+              </a:rPr>
+              <a:t>folio </a:t>
+            </a:r>
+            <a:r>
+              <a:rPr altLang="en-IN" b="1" sz="2800" lang="en-US">
+                <a:solidFill>
+                  <a:srgbClr val="000000"/>
+                </a:solidFill>
+              </a:rPr>
+              <a:t>t</a:t>
+            </a:r>
+            <a:r>
+              <a:rPr altLang="en-IN" b="1" sz="2800" lang="en-US">
+                <a:solidFill>
+                  <a:srgbClr val="000000"/>
+                </a:solidFill>
+              </a:rPr>
+              <a:t>o</a:t>
+            </a:r>
+            <a:r>
+              <a:rPr altLang="en-IN" b="1" sz="2800" lang="en-US">
+                <a:solidFill>
+                  <a:srgbClr val="000000"/>
+                </a:solidFill>
+              </a:rPr>
+              <a:t> </a:t>
+            </a:r>
+            <a:r>
+              <a:rPr altLang="en-IN" b="1" sz="2800" lang="en-US">
+                <a:solidFill>
+                  <a:srgbClr val="000000"/>
+                </a:solidFill>
+              </a:rPr>
+              <a:t>w</a:t>
+            </a:r>
+            <a:r>
+              <a:rPr altLang="en-IN" b="1" sz="2800" lang="en-US">
+                <a:solidFill>
+                  <a:srgbClr val="000000"/>
+                </a:solidFill>
+              </a:rPr>
+              <a:t>o</a:t>
+            </a:r>
+            <a:r>
+              <a:rPr altLang="en-IN" b="1" sz="2800" lang="en-US">
+                <a:solidFill>
+                  <a:srgbClr val="000000"/>
+                </a:solidFill>
+              </a:rPr>
+              <a:t>rk </a:t>
+            </a:r>
+            <a:r>
+              <a:rPr altLang="en-IN" b="1" sz="2800" lang="en-US">
+                <a:solidFill>
+                  <a:srgbClr val="000000"/>
+                </a:solidFill>
+              </a:rPr>
+              <a:t>o</a:t>
+            </a:r>
+            <a:r>
+              <a:rPr altLang="en-IN" b="1" sz="2800" lang="en-US">
+                <a:solidFill>
+                  <a:srgbClr val="000000"/>
+                </a:solidFill>
+              </a:rPr>
+              <a:t>n</a:t>
+            </a:r>
+            <a:r>
+              <a:rPr altLang="en-IN" b="1" sz="2800" lang="en-US">
+                <a:solidFill>
+                  <a:srgbClr val="000000"/>
+                </a:solidFill>
+              </a:rPr>
+              <a:t> </a:t>
+            </a:r>
+            <a:r>
+              <a:rPr altLang="en-IN" b="1" sz="2800" lang="en-US">
+                <a:solidFill>
+                  <a:srgbClr val="000000"/>
+                </a:solidFill>
+              </a:rPr>
+              <a:t>m</a:t>
+            </a:r>
+            <a:r>
+              <a:rPr altLang="en-IN" b="1" sz="2800" lang="en-US">
+                <a:solidFill>
+                  <a:srgbClr val="000000"/>
+                </a:solidFill>
+              </a:rPr>
+              <a:t>y</a:t>
+            </a:r>
+            <a:r>
+              <a:rPr altLang="en-IN" b="1" sz="2800" lang="en-US">
+                <a:solidFill>
+                  <a:srgbClr val="000000"/>
+                </a:solidFill>
+              </a:rPr>
+              <a:t> </a:t>
+            </a:r>
+            <a:r>
+              <a:rPr altLang="en-IN" b="1" sz="2800" lang="en-US">
+                <a:solidFill>
+                  <a:srgbClr val="000000"/>
+                </a:solidFill>
+              </a:rPr>
+              <a:t>o</a:t>
+            </a:r>
+            <a:r>
+              <a:rPr altLang="en-IN" b="1" sz="2800" lang="en-US">
+                <a:solidFill>
+                  <a:srgbClr val="000000"/>
+                </a:solidFill>
+              </a:rPr>
+              <a:t>w</a:t>
+            </a:r>
+            <a:r>
+              <a:rPr altLang="en-IN" b="1" sz="2800" lang="en-US">
+                <a:solidFill>
+                  <a:srgbClr val="000000"/>
+                </a:solidFill>
+              </a:rPr>
+              <a:t>n</a:t>
+            </a:r>
+            <a:r>
+              <a:rPr altLang="en-IN" b="1" sz="2800" lang="en-US">
+                <a:solidFill>
+                  <a:srgbClr val="000000"/>
+                </a:solidFill>
+              </a:rPr>
+              <a:t> </a:t>
+            </a:r>
+            <a:r>
+              <a:rPr altLang="en-IN" b="1" sz="2800" lang="en-US">
+                <a:solidFill>
+                  <a:srgbClr val="000000"/>
+                </a:solidFill>
+              </a:rPr>
+              <a:t>t</a:t>
+            </a:r>
+            <a:r>
+              <a:rPr altLang="en-IN" b="1" sz="2800" lang="en-US">
+                <a:solidFill>
+                  <a:srgbClr val="000000"/>
+                </a:solidFill>
+              </a:rPr>
+              <a:t>o</a:t>
+            </a:r>
+            <a:r>
+              <a:rPr altLang="en-IN" b="1" sz="2800" lang="en-US">
+                <a:solidFill>
+                  <a:srgbClr val="000000"/>
+                </a:solidFill>
+              </a:rPr>
+              <a:t> </a:t>
+            </a:r>
+            <a:r>
+              <a:rPr altLang="en-IN" b="1" sz="2800" lang="en-US">
+                <a:solidFill>
+                  <a:srgbClr val="000000"/>
+                </a:solidFill>
+              </a:rPr>
+              <a:t>a</a:t>
+            </a:r>
+            <a:r>
+              <a:rPr altLang="en-IN" b="1" sz="2800" lang="en-US">
+                <a:solidFill>
+                  <a:srgbClr val="000000"/>
+                </a:solidFill>
+              </a:rPr>
+              <a:t>n</a:t>
+            </a:r>
+            <a:r>
+              <a:rPr altLang="en-IN" b="1" sz="2800" lang="en-US">
+                <a:solidFill>
+                  <a:srgbClr val="000000"/>
+                </a:solidFill>
+              </a:rPr>
+              <a:t>y</a:t>
+            </a:r>
+            <a:r>
+              <a:rPr altLang="en-IN" b="1" sz="2800" lang="en-US">
+                <a:solidFill>
+                  <a:srgbClr val="000000"/>
+                </a:solidFill>
+              </a:rPr>
+              <a:t> </a:t>
+            </a:r>
+            <a:r>
+              <a:rPr altLang="en-IN" b="1" sz="2800" lang="en-US">
+                <a:solidFill>
+                  <a:srgbClr val="000000"/>
+                </a:solidFill>
+              </a:rPr>
+              <a:t>o</a:t>
+            </a:r>
+            <a:r>
+              <a:rPr altLang="en-IN" b="1" sz="2800" lang="en-US">
+                <a:solidFill>
+                  <a:srgbClr val="000000"/>
+                </a:solidFill>
+              </a:rPr>
+              <a:t>n</a:t>
+            </a:r>
+            <a:r>
+              <a:rPr altLang="en-IN" b="1" sz="2800" lang="en-US">
+                <a:solidFill>
+                  <a:srgbClr val="000000"/>
+                </a:solidFill>
+              </a:rPr>
+              <a:t>e</a:t>
+            </a:r>
+            <a:r>
+              <a:rPr altLang="en-IN" b="1" sz="2800" lang="en-US">
+                <a:solidFill>
+                  <a:srgbClr val="000000"/>
+                </a:solidFill>
+              </a:rPr>
+              <a:t> </a:t>
+            </a:r>
+            <a:r>
+              <a:rPr altLang="en-IN" b="1" sz="2800" lang="en-US">
+                <a:solidFill>
+                  <a:srgbClr val="000000"/>
+                </a:solidFill>
+              </a:rPr>
+              <a:t>t</a:t>
+            </a:r>
+            <a:r>
+              <a:rPr altLang="en-IN" b="1" sz="2800" lang="en-US">
+                <a:solidFill>
+                  <a:srgbClr val="000000"/>
+                </a:solidFill>
+              </a:rPr>
+              <a:t>h</a:t>
+            </a:r>
+            <a:r>
+              <a:rPr altLang="en-IN" b="1" sz="2800" lang="en-US">
+                <a:solidFill>
+                  <a:srgbClr val="000000"/>
+                </a:solidFill>
+              </a:rPr>
+              <a:t>a</a:t>
+            </a:r>
+            <a:r>
+              <a:rPr altLang="en-IN" b="1" sz="2800" lang="en-US">
+                <a:solidFill>
+                  <a:srgbClr val="000000"/>
+                </a:solidFill>
+              </a:rPr>
+              <a:t>n</a:t>
+            </a:r>
+            <a:r>
+              <a:rPr altLang="en-IN" b="1" sz="2800" lang="en-US">
+                <a:solidFill>
+                  <a:srgbClr val="000000"/>
+                </a:solidFill>
+              </a:rPr>
+              <a:t> </a:t>
+            </a:r>
+            <a:r>
+              <a:rPr altLang="en-IN" b="1" sz="2800" lang="en-US">
+                <a:solidFill>
+                  <a:srgbClr val="000000"/>
+                </a:solidFill>
+              </a:rPr>
+              <a:t>i</a:t>
+            </a:r>
+            <a:r>
+              <a:rPr altLang="en-IN" b="1" sz="2800" lang="en-US">
+                <a:solidFill>
+                  <a:srgbClr val="000000"/>
+                </a:solidFill>
+              </a:rPr>
+              <a:t>n</a:t>
+            </a:r>
+            <a:r>
+              <a:rPr altLang="en-IN" b="1" sz="2800" lang="en-US">
+                <a:solidFill>
+                  <a:srgbClr val="000000"/>
+                </a:solidFill>
+              </a:rPr>
+              <a:t>c</a:t>
+            </a:r>
+            <a:r>
+              <a:rPr altLang="en-IN" b="1" sz="2800" lang="en-US">
+                <a:solidFill>
+                  <a:srgbClr val="000000"/>
+                </a:solidFill>
+              </a:rPr>
+              <a:t>l</a:t>
+            </a:r>
+            <a:r>
+              <a:rPr altLang="en-IN" b="1" sz="2800" lang="en-US">
+                <a:solidFill>
+                  <a:srgbClr val="000000"/>
+                </a:solidFill>
+              </a:rPr>
+              <a:t>uding </a:t>
+            </a:r>
+            <a:r>
+              <a:rPr altLang="en-IN" b="1" sz="2800" lang="en-US">
+                <a:solidFill>
+                  <a:srgbClr val="000000"/>
+                </a:solidFill>
+              </a:rPr>
+              <a:t>t</a:t>
+            </a:r>
+            <a:r>
+              <a:rPr altLang="en-IN" b="1" sz="2800" lang="en-US">
+                <a:solidFill>
+                  <a:srgbClr val="000000"/>
+                </a:solidFill>
+              </a:rPr>
+              <a:t>o</a:t>
+            </a:r>
+            <a:r>
+              <a:rPr altLang="en-IN" b="1" sz="2800" lang="en-US">
+                <a:solidFill>
+                  <a:srgbClr val="000000"/>
+                </a:solidFill>
+              </a:rPr>
+              <a:t> </a:t>
+            </a:r>
+            <a:r>
+              <a:rPr altLang="en-IN" b="1" sz="2800" lang="en-US">
+                <a:solidFill>
+                  <a:srgbClr val="000000"/>
+                </a:solidFill>
+              </a:rPr>
+              <a:t>i</a:t>
+            </a:r>
+            <a:r>
+              <a:rPr altLang="en-IN" b="1" sz="2800" lang="en-US">
+                <a:solidFill>
+                  <a:srgbClr val="000000"/>
+                </a:solidFill>
+              </a:rPr>
+              <a:t>m</a:t>
+            </a:r>
+            <a:r>
+              <a:rPr altLang="en-IN" b="1" sz="2800" lang="en-US">
+                <a:solidFill>
+                  <a:srgbClr val="000000"/>
+                </a:solidFill>
+              </a:rPr>
+              <a:t>a</a:t>
+            </a:r>
+            <a:r>
+              <a:rPr altLang="en-IN" b="1" sz="2800" lang="en-US">
+                <a:solidFill>
+                  <a:srgbClr val="000000"/>
+                </a:solidFill>
+              </a:rPr>
+              <a:t>g</a:t>
+            </a:r>
+            <a:r>
+              <a:rPr altLang="en-IN" b="1" sz="2800" lang="en-US">
+                <a:solidFill>
+                  <a:srgbClr val="000000"/>
+                </a:solidFill>
+              </a:rPr>
+              <a:t>e</a:t>
+            </a:r>
+            <a:r>
+              <a:rPr altLang="en-IN" b="1" sz="2800" lang="en-US">
+                <a:solidFill>
+                  <a:srgbClr val="000000"/>
+                </a:solidFill>
+              </a:rPr>
+              <a:t>s</a:t>
+            </a:r>
+            <a:r>
+              <a:rPr altLang="en-IN" b="1" sz="2800" lang="en-US">
+                <a:solidFill>
+                  <a:srgbClr val="000000"/>
+                </a:solidFill>
+              </a:rPr>
+              <a:t> </a:t>
+            </a:r>
+            <a:r>
+              <a:rPr altLang="en-IN" b="1" sz="2800" lang="en-US">
+                <a:solidFill>
+                  <a:srgbClr val="000000"/>
+                </a:solidFill>
+              </a:rPr>
+              <a:t>s</a:t>
+            </a:r>
+            <a:r>
+              <a:rPr altLang="en-IN" b="1" sz="2800" lang="en-US">
+                <a:solidFill>
+                  <a:srgbClr val="000000"/>
+                </a:solidFill>
+              </a:rPr>
+              <a:t>o</a:t>
+            </a:r>
+            <a:r>
+              <a:rPr altLang="en-IN" b="1" sz="2800" lang="en-US">
+                <a:solidFill>
+                  <a:srgbClr val="000000"/>
+                </a:solidFill>
+              </a:rPr>
+              <a:t> </a:t>
+            </a:r>
+            <a:r>
+              <a:rPr altLang="en-IN" b="1" sz="2800" lang="en-US">
+                <a:solidFill>
+                  <a:srgbClr val="000000"/>
+                </a:solidFill>
+              </a:rPr>
+              <a:t>t</a:t>
+            </a:r>
+            <a:r>
+              <a:rPr altLang="en-IN" b="1" sz="2800" lang="en-US">
+                <a:solidFill>
+                  <a:srgbClr val="000000"/>
+                </a:solidFill>
+              </a:rPr>
+              <a:t>h</a:t>
+            </a:r>
+            <a:r>
+              <a:rPr altLang="en-IN" b="1" sz="2800" lang="en-US">
+                <a:solidFill>
+                  <a:srgbClr val="000000"/>
+                </a:solidFill>
+              </a:rPr>
+              <a:t>a</a:t>
+            </a:r>
+            <a:r>
+              <a:rPr altLang="en-IN" b="1" sz="2800" lang="en-US">
+                <a:solidFill>
+                  <a:srgbClr val="000000"/>
+                </a:solidFill>
+              </a:rPr>
+              <a:t>t</a:t>
+            </a:r>
+            <a:r>
+              <a:rPr altLang="en-IN" b="1" sz="2800" lang="en-US">
+                <a:solidFill>
+                  <a:srgbClr val="000000"/>
+                </a:solidFill>
+              </a:rPr>
+              <a:t> </a:t>
+            </a:r>
+            <a:r>
+              <a:rPr altLang="en-IN" b="1" sz="2800" lang="en-US">
+                <a:solidFill>
+                  <a:srgbClr val="000000"/>
+                </a:solidFill>
+              </a:rPr>
+              <a:t>f</a:t>
+            </a:r>
+            <a:r>
+              <a:rPr altLang="en-IN" b="1" sz="2800" lang="en-US">
+                <a:solidFill>
+                  <a:srgbClr val="000000"/>
+                </a:solidFill>
+              </a:rPr>
+              <a:t>o</a:t>
+            </a:r>
+            <a:r>
+              <a:rPr altLang="en-IN" b="1" sz="2800" lang="en-US">
+                <a:solidFill>
+                  <a:srgbClr val="000000"/>
+                </a:solidFill>
+              </a:rPr>
+              <a:t>r </a:t>
+            </a:r>
+            <a:r>
+              <a:rPr altLang="en-IN" b="1" sz="2800" lang="en-US">
+                <a:solidFill>
+                  <a:srgbClr val="000000"/>
+                </a:solidFill>
+              </a:rPr>
+              <a:t>e</a:t>
+            </a:r>
+            <a:r>
+              <a:rPr altLang="en-IN" b="1" sz="2800" lang="en-US">
+                <a:solidFill>
+                  <a:srgbClr val="000000"/>
+                </a:solidFill>
+              </a:rPr>
+              <a:t>a</a:t>
+            </a:r>
+            <a:r>
+              <a:rPr altLang="en-IN" b="1" sz="2800" lang="en-US">
+                <a:solidFill>
+                  <a:srgbClr val="000000"/>
+                </a:solidFill>
+              </a:rPr>
+              <a:t>s</a:t>
+            </a:r>
+            <a:r>
+              <a:rPr altLang="en-IN" b="1" sz="2800" lang="en-US">
+                <a:solidFill>
+                  <a:srgbClr val="000000"/>
+                </a:solidFill>
+              </a:rPr>
+              <a:t>y </a:t>
+            </a:r>
+            <a:r>
+              <a:rPr altLang="en-IN" b="1" sz="2800" lang="en-US">
+                <a:solidFill>
+                  <a:srgbClr val="000000"/>
+                </a:solidFill>
+              </a:rPr>
+              <a:t>d</a:t>
+            </a:r>
+            <a:r>
+              <a:rPr altLang="en-IN" b="1" sz="2800" lang="en-US">
+                <a:solidFill>
+                  <a:srgbClr val="000000"/>
+                </a:solidFill>
+              </a:rPr>
+              <a:t>e</a:t>
+            </a:r>
+            <a:r>
+              <a:rPr altLang="en-IN" b="1" sz="2800" lang="en-US">
+                <a:solidFill>
+                  <a:srgbClr val="000000"/>
+                </a:solidFill>
+              </a:rPr>
+              <a:t>f</a:t>
+            </a:r>
+            <a:r>
+              <a:rPr altLang="en-IN" b="1" sz="2800" lang="en-US">
+                <a:solidFill>
+                  <a:srgbClr val="000000"/>
+                </a:solidFill>
+              </a:rPr>
+              <a:t>ine </a:t>
+            </a:r>
+            <a:r>
+              <a:rPr altLang="en-IN" b="1" sz="2800" lang="en-US">
+                <a:solidFill>
+                  <a:srgbClr val="000000"/>
+                </a:solidFill>
+              </a:rPr>
+              <a:t>i</a:t>
+            </a:r>
+            <a:r>
+              <a:rPr altLang="en-IN" b="1" sz="2800" lang="en-US">
+                <a:solidFill>
+                  <a:srgbClr val="000000"/>
+                </a:solidFill>
+              </a:rPr>
+              <a:t>n</a:t>
+            </a:r>
+            <a:r>
+              <a:rPr altLang="en-IN" b="1" sz="2800" lang="en-US">
+                <a:solidFill>
+                  <a:srgbClr val="000000"/>
+                </a:solidFill>
+              </a:rPr>
+              <a:t> </a:t>
+            </a:r>
+            <a:r>
+              <a:rPr altLang="en-IN" b="1" sz="2800" lang="en-US">
+                <a:solidFill>
+                  <a:srgbClr val="000000"/>
+                </a:solidFill>
+              </a:rPr>
+              <a:t>w</a:t>
+            </a:r>
+            <a:r>
+              <a:rPr altLang="en-IN" b="1" sz="2800" lang="en-US">
+                <a:solidFill>
+                  <a:srgbClr val="000000"/>
+                </a:solidFill>
+              </a:rPr>
+              <a:t>i</a:t>
+            </a:r>
+            <a:r>
+              <a:rPr altLang="en-IN" b="1" sz="2800" lang="en-US">
+                <a:solidFill>
+                  <a:srgbClr val="000000"/>
+                </a:solidFill>
+              </a:rPr>
+              <a:t>t</a:t>
+            </a:r>
+            <a:r>
+              <a:rPr altLang="en-IN" b="1" sz="2800" lang="en-US">
+                <a:solidFill>
+                  <a:srgbClr val="000000"/>
+                </a:solidFill>
+              </a:rPr>
+              <a:t>h</a:t>
+            </a:r>
+            <a:r>
+              <a:rPr altLang="en-IN" b="1" sz="2800" lang="en-US">
+                <a:solidFill>
+                  <a:srgbClr val="000000"/>
+                </a:solidFill>
+              </a:rPr>
+              <a:t>out </a:t>
+            </a:r>
+            <a:r>
+              <a:rPr altLang="en-IN" b="1" sz="2800" lang="en-US">
+                <a:solidFill>
+                  <a:srgbClr val="000000"/>
+                </a:solidFill>
+              </a:rPr>
+              <a:t>o</a:t>
+            </a:r>
+            <a:r>
+              <a:rPr altLang="en-IN" b="1" sz="2800" lang="en-US">
+                <a:solidFill>
+                  <a:srgbClr val="000000"/>
+                </a:solidFill>
+              </a:rPr>
+              <a:t>n</a:t>
+            </a:r>
+            <a:r>
+              <a:rPr altLang="en-IN" b="1" sz="2800" lang="en-US">
+                <a:solidFill>
+                  <a:srgbClr val="000000"/>
+                </a:solidFill>
+              </a:rPr>
+              <a:t>l</a:t>
+            </a:r>
+            <a:r>
+              <a:rPr altLang="en-IN" b="1" sz="2800" lang="en-US">
+                <a:solidFill>
+                  <a:srgbClr val="000000"/>
+                </a:solidFill>
+              </a:rPr>
+              <a:t>y</a:t>
+            </a:r>
+            <a:r>
+              <a:rPr altLang="en-IN" b="1" sz="2800" lang="en-US">
+                <a:solidFill>
+                  <a:srgbClr val="000000"/>
+                </a:solidFill>
+              </a:rPr>
+              <a:t> </a:t>
+            </a:r>
+            <a:r>
+              <a:rPr altLang="en-IN" b="1" sz="2800" lang="en-US">
+                <a:solidFill>
+                  <a:srgbClr val="000000"/>
+                </a:solidFill>
+              </a:rPr>
+              <a:t>m</a:t>
+            </a:r>
+            <a:r>
+              <a:rPr altLang="en-IN" b="1" sz="2800" lang="en-US">
+                <a:solidFill>
+                  <a:srgbClr val="000000"/>
+                </a:solidFill>
+              </a:rPr>
+              <a:t>e</a:t>
+            </a:r>
+            <a:r>
+              <a:rPr altLang="en-IN" b="1" sz="2800" lang="en-US">
+                <a:solidFill>
+                  <a:srgbClr val="000000"/>
+                </a:solidFill>
+              </a:rPr>
+              <a:t>.</a:t>
+            </a:r>
+            <a:r>
+              <a:rPr altLang="en-IN" b="1" sz="2800" lang="en-US">
+                <a:solidFill>
+                  <a:srgbClr val="000000"/>
+                </a:solidFill>
+              </a:rPr>
+              <a:t>n</a:t>
+            </a:r>
+            <a:r>
+              <a:rPr altLang="en-IN" b="1" sz="2800" lang="en-US">
+                <a:solidFill>
+                  <a:srgbClr val="000000"/>
+                </a:solidFill>
+              </a:rPr>
+              <a:t>o</a:t>
+            </a:r>
+            <a:r>
+              <a:rPr altLang="en-IN" b="1" sz="2800" lang="en-US">
+                <a:solidFill>
+                  <a:srgbClr val="000000"/>
+                </a:solidFill>
+              </a:rPr>
+              <a:t>t</a:t>
+            </a:r>
+            <a:r>
+              <a:rPr altLang="en-IN" b="1" sz="2800" lang="en-US">
+                <a:solidFill>
+                  <a:srgbClr val="000000"/>
+                </a:solidFill>
+              </a:rPr>
+              <a:t> </a:t>
+            </a:r>
+            <a:r>
+              <a:rPr altLang="en-IN" b="1" sz="2800" lang="en-US">
+                <a:solidFill>
+                  <a:srgbClr val="000000"/>
+                </a:solidFill>
+              </a:rPr>
+              <a:t>t</a:t>
+            </a:r>
+            <a:r>
+              <a:rPr altLang="en-IN" b="1" sz="2800" lang="en-US">
+                <a:solidFill>
+                  <a:srgbClr val="000000"/>
+                </a:solidFill>
+              </a:rPr>
+              <a:t>o</a:t>
+            </a:r>
+            <a:r>
+              <a:rPr altLang="en-IN" b="1" sz="2800" lang="en-US">
+                <a:solidFill>
+                  <a:srgbClr val="000000"/>
+                </a:solidFill>
+              </a:rPr>
+              <a:t> </a:t>
+            </a:r>
+            <a:r>
+              <a:rPr altLang="en-IN" b="1" sz="2800" lang="en-US">
+                <a:solidFill>
+                  <a:srgbClr val="000000"/>
+                </a:solidFill>
+              </a:rPr>
+              <a:t>a</a:t>
+            </a:r>
+            <a:r>
+              <a:rPr altLang="en-IN" b="1" sz="2800" lang="en-US">
+                <a:solidFill>
+                  <a:srgbClr val="000000"/>
+                </a:solidFill>
+              </a:rPr>
+              <a:t>n</a:t>
+            </a:r>
+            <a:r>
+              <a:rPr altLang="en-IN" b="1" sz="2800" lang="en-US">
+                <a:solidFill>
+                  <a:srgbClr val="000000"/>
+                </a:solidFill>
+              </a:rPr>
+              <a:t>o</a:t>
+            </a:r>
+            <a:r>
+              <a:rPr altLang="en-IN" b="1" sz="2800" lang="en-US">
+                <a:solidFill>
+                  <a:srgbClr val="000000"/>
+                </a:solidFill>
+              </a:rPr>
+              <a:t>t</a:t>
+            </a:r>
+            <a:r>
+              <a:rPr altLang="en-IN" b="1" sz="2800" lang="en-US">
+                <a:solidFill>
+                  <a:srgbClr val="000000"/>
+                </a:solidFill>
+              </a:rPr>
+              <a:t>her </a:t>
+            </a:r>
+            <a:r>
+              <a:rPr altLang="en-IN" b="1" sz="2800" lang="en-US">
+                <a:solidFill>
+                  <a:srgbClr val="000000"/>
+                </a:solidFill>
+              </a:rPr>
+              <a:t>p</a:t>
+            </a:r>
+            <a:r>
+              <a:rPr altLang="en-IN" b="1" sz="2800" lang="en-US">
+                <a:solidFill>
+                  <a:srgbClr val="000000"/>
+                </a:solidFill>
+              </a:rPr>
+              <a:t>e</a:t>
+            </a:r>
+            <a:r>
+              <a:rPr altLang="en-IN" b="1" sz="2800" lang="en-US">
+                <a:solidFill>
+                  <a:srgbClr val="000000"/>
+                </a:solidFill>
+              </a:rPr>
+              <a:t>r</a:t>
+            </a:r>
+            <a:r>
+              <a:rPr altLang="en-IN" b="1" sz="2800" lang="en-US">
+                <a:solidFill>
+                  <a:srgbClr val="000000"/>
+                </a:solidFill>
+              </a:rPr>
+              <a:t>s</a:t>
+            </a:r>
+            <a:r>
+              <a:rPr altLang="en-IN" b="1" sz="2800" lang="en-US">
+                <a:solidFill>
+                  <a:srgbClr val="000000"/>
+                </a:solidFill>
+              </a:rPr>
+              <a:t>o</a:t>
+            </a:r>
+            <a:r>
+              <a:rPr altLang="en-IN" b="1" sz="2800" lang="en-US">
+                <a:solidFill>
+                  <a:srgbClr val="000000"/>
+                </a:solidFill>
+              </a:rPr>
+              <a:t>n</a:t>
+            </a:r>
+            <a:endParaRPr sz="2800" lang="en-IN">
+              <a:solidFill>
+                <a:srgbClr val="000000"/>
+              </a:solidFill>
+            </a:endParaRPr>
+          </a:p>
+        </p:txBody>
+      </p:sp>
     </p:spTree>
   </p:cSld>
   <p:clrMapOvr>
@@ -6153,7 +8939,7 @@
   <p:cSld>
     <p:spTree>
       <p:nvGrpSpPr>
-        <p:cNvPr id="33" name=""/>
+        <p:cNvPr id="25" name=""/>
         <p:cNvGrpSpPr/>
         <p:nvPr/>
       </p:nvGrpSpPr>
@@ -6167,7 +8953,7 @@
       </p:grpSpPr>
       <p:grpSp>
         <p:nvGrpSpPr>
-          <p:cNvPr id="34" name="object 2"/>
+          <p:cNvPr id="26" name="object 2"/>
           <p:cNvGrpSpPr/>
           <p:nvPr/>
         </p:nvGrpSpPr>
@@ -6181,7 +8967,7 @@
         </p:grpSpPr>
         <p:sp>
           <p:nvSpPr>
-            <p:cNvPr id="1048649" name="object 3"/>
+            <p:cNvPr id="1048618" name="object 3"/>
             <p:cNvSpPr/>
             <p:nvPr/>
           </p:nvSpPr>
@@ -6226,7 +9012,7 @@
         </p:sp>
         <p:sp>
           <p:nvSpPr>
-            <p:cNvPr id="1048650" name="object 4"/>
+            <p:cNvPr id="1048619" name="object 4"/>
             <p:cNvSpPr/>
             <p:nvPr/>
           </p:nvSpPr>
@@ -6271,7 +9057,7 @@
         </p:sp>
         <p:pic>
           <p:nvPicPr>
-            <p:cNvPr id="2097160" name="object 5"/>
+            <p:cNvPr id="2097156" name="object 5"/>
             <p:cNvPicPr>
               <a:picLocks/>
             </p:cNvPicPr>
@@ -6294,7 +9080,7 @@
       </p:grpSp>
       <p:sp>
         <p:nvSpPr>
-          <p:cNvPr id="1048651" name="object 6"/>
+          <p:cNvPr id="1048620" name="object 6"/>
           <p:cNvSpPr/>
           <p:nvPr/>
         </p:nvSpPr>
@@ -6339,7 +9125,7 @@
       </p:sp>
       <p:sp>
         <p:nvSpPr>
-          <p:cNvPr id="1048652" name="object 7"/>
+          <p:cNvPr id="1048621" name="object 7"/>
           <p:cNvSpPr txBox="1">
             <a:spLocks noGrp="1"/>
           </p:cNvSpPr>
@@ -6384,7 +9170,7 @@
       </p:sp>
       <p:pic>
         <p:nvPicPr>
-          <p:cNvPr id="2097161" name="object 8"/>
+          <p:cNvPr id="2097157" name="object 8"/>
           <p:cNvPicPr>
             <a:picLocks/>
           </p:cNvPicPr>
@@ -6406,7 +9192,7 @@
       </p:pic>
       <p:sp>
         <p:nvSpPr>
-          <p:cNvPr id="1048653" name="object 10"/>
+          <p:cNvPr id="1048622" name="object 10"/>
           <p:cNvSpPr txBox="1">
             <a:spLocks noGrp="1"/>
           </p:cNvSpPr>
@@ -6438,6 +9224,100 @@
           </a:p>
         </p:txBody>
       </p:sp>
+      <p:sp>
+        <p:nvSpPr>
+          <p:cNvPr id="1048623" name=""/>
+          <p:cNvSpPr txBox="1"/>
+          <p:nvPr/>
+        </p:nvSpPr>
+        <p:spPr>
+          <a:xfrm>
+            <a:off x="948667" y="1468436"/>
+            <a:ext cx="8495370" cy="5539739"/>
+          </a:xfrm>
+          <a:prstGeom prst="rect"/>
+        </p:spPr>
+        <p:txBody>
+          <a:bodyPr rtlCol="0" wrap="square">
+            <a:spAutoFit/>
+          </a:bodyPr>
+          <a:p>
+            <a:r>
+              <a:rPr altLang="en-IN" b="1" sz="2800" lang="en-US">
+                <a:solidFill>
+                  <a:srgbClr val="02A5E3"/>
+                </a:solidFill>
+              </a:rPr>
+              <a:t>1. About me: A brief introduction that highlights your background, skills, and experience.</a:t>
+            </a:r>
+            <a:endParaRPr b="1" sz="2800" lang="en-IN">
+              <a:solidFill>
+                <a:srgbClr val="02A5E3"/>
+              </a:solidFill>
+            </a:endParaRPr>
+          </a:p>
+          <a:p>
+            <a:r>
+              <a:rPr altLang="en-IN" b="1" sz="2800" lang="en-US">
+                <a:solidFill>
+                  <a:srgbClr val="02A5E3"/>
+                </a:solidFill>
+              </a:rPr>
+              <a:t>2. Projects: A selection of projects that demonstrate your skills and experience, including descriptions, images, and outcomes.</a:t>
+            </a:r>
+            <a:endParaRPr b="1" sz="2800" lang="en-IN">
+              <a:solidFill>
+                <a:srgbClr val="02A5E3"/>
+              </a:solidFill>
+            </a:endParaRPr>
+          </a:p>
+          <a:p>
+            <a:r>
+              <a:rPr altLang="en-IN" b="1" sz="2800" lang="en-US">
+                <a:solidFill>
+                  <a:srgbClr val="02A5E3"/>
+                </a:solidFill>
+              </a:rPr>
+              <a:t>3. Skills: A list of your relevant skills, including technical, creative, and soft skills.</a:t>
+            </a:r>
+            <a:endParaRPr b="1" sz="2800" lang="en-IN">
+              <a:solidFill>
+                <a:srgbClr val="02A5E3"/>
+              </a:solidFill>
+            </a:endParaRPr>
+          </a:p>
+          <a:p>
+            <a:r>
+              <a:rPr altLang="en-IN" b="1" sz="2800" lang="en-US">
+                <a:solidFill>
+                  <a:srgbClr val="02A5E3"/>
+                </a:solidFill>
+              </a:rPr>
+              <a:t>4. Experience: A summary of your relevant work experience, including job titles, company names, and dates.</a:t>
+            </a:r>
+            <a:endParaRPr b="1" sz="2800" lang="en-IN">
+              <a:solidFill>
+                <a:srgbClr val="02A5E3"/>
+              </a:solidFill>
+            </a:endParaRPr>
+          </a:p>
+          <a:p>
+            <a:r>
+              <a:rPr altLang="en-IN" b="1" sz="2800" lang="en-US">
+                <a:solidFill>
+                  <a:srgbClr val="02A5E3"/>
+                </a:solidFill>
+              </a:rPr>
+              <a:t>5. Achievements: A highlight of your notable achievements, including awards, publications, or recognition</a:t>
+            </a:r>
+            <a:endParaRPr b="1" sz="2800" lang="en-IN">
+              <a:solidFill>
+                <a:srgbClr val="02A5E3"/>
+              </a:solidFill>
+            </a:endParaRPr>
+          </a:p>
+        </p:txBody>
+      </p:sp>
     </p:spTree>
   </p:cSld>
   <p:clrMapOvr>
@@ -6451,7 +9331,7 @@
   <p:cSld>
     <p:spTree>
       <p:nvGrpSpPr>
-        <p:cNvPr id="35" name=""/>
+        <p:cNvPr id="23" name=""/>
         <p:cNvGrpSpPr/>
         <p:nvPr/>
       </p:nvGrpSpPr>
@@ -6465,7 +9345,7 @@
       </p:grpSpPr>
       <p:sp>
         <p:nvSpPr>
-          <p:cNvPr id="1048654" name="object 2"/>
+          <p:cNvPr id="1048611" name="object 2"/>
           <p:cNvSpPr/>
           <p:nvPr/>
         </p:nvSpPr>
@@ -6510,7 +9390,7 @@
       </p:sp>
       <p:sp>
         <p:nvSpPr>
-          <p:cNvPr id="1048655" name="object 3"/>
+          <p:cNvPr id="1048612" name="object 3"/>
           <p:cNvSpPr/>
           <p:nvPr/>
         </p:nvSpPr>
@@ -6555,7 +9435,7 @@
       </p:sp>
       <p:sp>
         <p:nvSpPr>
-          <p:cNvPr id="1048656" name="object 4"/>
+          <p:cNvPr id="1048613" name="object 4"/>
           <p:cNvSpPr/>
           <p:nvPr/>
         </p:nvSpPr>
@@ -6600,7 +9480,7 @@
       </p:sp>
       <p:sp>
         <p:nvSpPr>
-          <p:cNvPr id="1048657" name="object 5"/>
+          <p:cNvPr id="1048614" name="object 5"/>
           <p:cNvSpPr txBox="1">
             <a:spLocks noGrp="1"/>
           </p:cNvSpPr>
@@ -6714,7 +9594,7 @@
       </p:sp>
       <p:pic>
         <p:nvPicPr>
-          <p:cNvPr id="2097162" name="object 6"/>
+          <p:cNvPr id="2097155" name="object 6"/>
           <p:cNvPicPr>
             <a:picLocks/>
           </p:cNvPicPr>
@@ -6736,7 +9616,7 @@
       </p:pic>
       <p:sp>
         <p:nvSpPr>
-          <p:cNvPr id="1048658" name="object 8"/>
+          <p:cNvPr id="1048615" name="object 8"/>
           <p:cNvSpPr txBox="1">
             <a:spLocks noGrp="1"/>
           </p:cNvSpPr>
@@ -6768,6 +9648,992 @@
           </a:p>
         </p:txBody>
       </p:sp>
+      <p:sp>
+        <p:nvSpPr>
+          <p:cNvPr id="1048616" name=""/>
+          <p:cNvSpPr txBox="1"/>
+          <p:nvPr/>
+        </p:nvSpPr>
+        <p:spPr>
+          <a:xfrm>
+            <a:off x="2482627" y="2792730"/>
+            <a:ext cx="8000500" cy="1767841"/>
+          </a:xfrm>
+          <a:prstGeom prst="rect"/>
+        </p:spPr>
+        <p:txBody>
+          <a:bodyPr rtlCol="0" wrap="square">
+            <a:spAutoFit/>
+          </a:bodyPr>
+          <a:p>
+            <a:r>
+              <a:rPr altLang="en-IN" b="1" sz="2800" lang="en-US">
+                <a:solidFill>
+                  <a:srgbClr val="008000"/>
+                </a:solidFill>
+              </a:rPr>
+              <a:t>M</a:t>
+            </a:r>
+            <a:r>
+              <a:rPr altLang="en-IN" b="1" sz="2800" lang="en-US">
+                <a:solidFill>
+                  <a:srgbClr val="008000"/>
+                </a:solidFill>
+              </a:rPr>
+              <a:t>y</a:t>
+            </a:r>
+            <a:r>
+              <a:rPr altLang="en-IN" b="1" sz="2800" lang="en-US">
+                <a:solidFill>
+                  <a:srgbClr val="008000"/>
+                </a:solidFill>
+              </a:rPr>
+              <a:t> </a:t>
+            </a:r>
+            <a:r>
+              <a:rPr altLang="en-IN" b="1" sz="2800" lang="en-US">
+                <a:solidFill>
+                  <a:srgbClr val="008000"/>
+                </a:solidFill>
+              </a:rPr>
+              <a:t>p</a:t>
+            </a:r>
+            <a:r>
+              <a:rPr altLang="en-IN" b="1" sz="2800" lang="en-US">
+                <a:solidFill>
+                  <a:srgbClr val="008000"/>
+                </a:solidFill>
+              </a:rPr>
+              <a:t>o</a:t>
+            </a:r>
+            <a:r>
+              <a:rPr altLang="en-IN" b="1" sz="2800" lang="en-US">
+                <a:solidFill>
+                  <a:srgbClr val="008000"/>
+                </a:solidFill>
+              </a:rPr>
+              <a:t>rtfolio </a:t>
+            </a:r>
+            <a:r>
+              <a:rPr altLang="en-IN" b="1" sz="2800" lang="en-US">
+                <a:solidFill>
+                  <a:srgbClr val="008000"/>
+                </a:solidFill>
+              </a:rPr>
+              <a:t>e</a:t>
+            </a:r>
+            <a:r>
+              <a:rPr altLang="en-IN" b="1" sz="2800" lang="en-US">
+                <a:solidFill>
+                  <a:srgbClr val="008000"/>
+                </a:solidFill>
+              </a:rPr>
+              <a:t>n</a:t>
+            </a:r>
+            <a:r>
+              <a:rPr altLang="en-IN" b="1" sz="2800" lang="en-US">
+                <a:solidFill>
+                  <a:srgbClr val="008000"/>
+                </a:solidFill>
+              </a:rPr>
+              <a:t>d</a:t>
+            </a:r>
+            <a:r>
+              <a:rPr altLang="en-IN" b="1" sz="2800" lang="en-US">
+                <a:solidFill>
+                  <a:srgbClr val="008000"/>
+                </a:solidFill>
+              </a:rPr>
+              <a:t>i</a:t>
+            </a:r>
+            <a:r>
+              <a:rPr altLang="en-IN" b="1" sz="2800" lang="en-US">
+                <a:solidFill>
+                  <a:srgbClr val="008000"/>
+                </a:solidFill>
+              </a:rPr>
+              <a:t>ng </a:t>
+            </a:r>
+            <a:r>
+              <a:rPr altLang="en-IN" b="1" sz="2800" lang="en-US">
+                <a:solidFill>
+                  <a:srgbClr val="008000"/>
+                </a:solidFill>
+              </a:rPr>
+              <a:t>u</a:t>
+            </a:r>
+            <a:r>
+              <a:rPr altLang="en-IN" b="1" sz="2800" lang="en-US">
+                <a:solidFill>
+                  <a:srgbClr val="008000"/>
+                </a:solidFill>
+              </a:rPr>
+              <a:t>s</a:t>
+            </a:r>
+            <a:r>
+              <a:rPr altLang="en-IN" b="1" sz="2800" lang="en-US">
+                <a:solidFill>
+                  <a:srgbClr val="008000"/>
+                </a:solidFill>
+              </a:rPr>
+              <a:t>e</a:t>
+            </a:r>
+            <a:r>
+              <a:rPr altLang="en-IN" b="1" sz="2800" lang="en-US">
+                <a:solidFill>
+                  <a:srgbClr val="008000"/>
+                </a:solidFill>
+              </a:rPr>
+              <a:t>r</a:t>
+            </a:r>
+            <a:r>
+              <a:rPr altLang="en-IN" b="1" sz="2800" lang="en-US">
+                <a:solidFill>
+                  <a:srgbClr val="008000"/>
+                </a:solidFill>
+              </a:rPr>
+              <a:t>s </a:t>
+            </a:r>
+            <a:r>
+              <a:rPr altLang="en-IN" b="1" sz="2800" lang="en-US">
+                <a:solidFill>
+                  <a:srgbClr val="008000"/>
+                </a:solidFill>
+              </a:rPr>
+              <a:t>i</a:t>
+            </a:r>
+            <a:r>
+              <a:rPr altLang="en-IN" b="1" sz="2800" lang="en-US">
+                <a:solidFill>
+                  <a:srgbClr val="008000"/>
+                </a:solidFill>
+              </a:rPr>
+              <a:t>s</a:t>
+            </a:r>
+            <a:r>
+              <a:rPr altLang="en-IN" b="1" sz="2800" lang="en-US">
+                <a:solidFill>
+                  <a:srgbClr val="008000"/>
+                </a:solidFill>
+              </a:rPr>
+              <a:t> </a:t>
+            </a:r>
+            <a:r>
+              <a:rPr altLang="en-IN" b="1" sz="2800" lang="en-US">
+                <a:solidFill>
+                  <a:srgbClr val="008000"/>
+                </a:solidFill>
+              </a:rPr>
+              <a:t>C</a:t>
+            </a:r>
+            <a:r>
+              <a:rPr altLang="en-IN" b="1" sz="2800" lang="en-US">
+                <a:solidFill>
+                  <a:srgbClr val="008000"/>
+                </a:solidFill>
+              </a:rPr>
+              <a:t>o</a:t>
+            </a:r>
+            <a:r>
+              <a:rPr altLang="en-IN" b="1" sz="2800" lang="en-US">
+                <a:solidFill>
+                  <a:srgbClr val="008000"/>
+                </a:solidFill>
+              </a:rPr>
+              <a:t>n</a:t>
+            </a:r>
+            <a:r>
+              <a:rPr altLang="en-IN" b="1" sz="2800" lang="en-US">
+                <a:solidFill>
+                  <a:srgbClr val="008000"/>
+                </a:solidFill>
+              </a:rPr>
+              <a:t>t</a:t>
+            </a:r>
+            <a:r>
+              <a:rPr altLang="en-IN" b="1" sz="2800" lang="en-US">
+                <a:solidFill>
+                  <a:srgbClr val="008000"/>
+                </a:solidFill>
+              </a:rPr>
+              <a:t>a</a:t>
+            </a:r>
+            <a:r>
+              <a:rPr altLang="en-IN" b="1" sz="2800" lang="en-US">
+                <a:solidFill>
+                  <a:srgbClr val="008000"/>
+                </a:solidFill>
+              </a:rPr>
+              <a:t>ct </a:t>
+            </a:r>
+            <a:r>
+              <a:rPr altLang="en-IN" b="1" sz="2800" lang="en-US">
+                <a:solidFill>
+                  <a:srgbClr val="008000"/>
+                </a:solidFill>
+              </a:rPr>
+              <a:t>t</a:t>
+            </a:r>
+            <a:r>
+              <a:rPr altLang="en-IN" b="1" sz="2800" lang="en-US">
+                <a:solidFill>
+                  <a:srgbClr val="008000"/>
+                </a:solidFill>
+              </a:rPr>
+              <a:t>h</a:t>
+            </a:r>
+            <a:r>
+              <a:rPr altLang="en-IN" b="1" sz="2800" lang="en-US">
+                <a:solidFill>
+                  <a:srgbClr val="008000"/>
+                </a:solidFill>
+              </a:rPr>
+              <a:t>i</a:t>
+            </a:r>
+            <a:r>
+              <a:rPr altLang="en-IN" b="1" sz="2800" lang="en-US">
+                <a:solidFill>
+                  <a:srgbClr val="008000"/>
+                </a:solidFill>
+              </a:rPr>
+              <a:t>s</a:t>
+            </a:r>
+            <a:r>
+              <a:rPr altLang="en-IN" b="1" sz="2800" lang="en-US">
+                <a:solidFill>
+                  <a:srgbClr val="008000"/>
+                </a:solidFill>
+              </a:rPr>
+              <a:t> </a:t>
+            </a:r>
+            <a:r>
+              <a:rPr altLang="en-IN" b="1" sz="2800" lang="en-US">
+                <a:solidFill>
+                  <a:srgbClr val="008000"/>
+                </a:solidFill>
+              </a:rPr>
+              <a:t>i</a:t>
+            </a:r>
+            <a:r>
+              <a:rPr altLang="en-IN" b="1" sz="2800" lang="en-US">
+                <a:solidFill>
+                  <a:srgbClr val="008000"/>
+                </a:solidFill>
+              </a:rPr>
+              <a:t>s</a:t>
+            </a:r>
+            <a:r>
+              <a:rPr altLang="en-IN" b="1" sz="2800" lang="en-US">
+                <a:solidFill>
+                  <a:srgbClr val="008000"/>
+                </a:solidFill>
+              </a:rPr>
+              <a:t> </a:t>
+            </a:r>
+            <a:r>
+              <a:rPr altLang="en-IN" b="1" sz="2800" lang="en-US">
+                <a:solidFill>
+                  <a:srgbClr val="008000"/>
+                </a:solidFill>
+              </a:rPr>
+              <a:t>u</a:t>
+            </a:r>
+            <a:r>
+              <a:rPr altLang="en-IN" b="1" sz="2800" lang="en-US">
+                <a:solidFill>
+                  <a:srgbClr val="008000"/>
+                </a:solidFill>
+              </a:rPr>
+              <a:t>s</a:t>
+            </a:r>
+            <a:r>
+              <a:rPr altLang="en-IN" b="1" sz="2800" lang="en-US">
+                <a:solidFill>
+                  <a:srgbClr val="008000"/>
+                </a:solidFill>
+              </a:rPr>
+              <a:t>i</a:t>
+            </a:r>
+            <a:r>
+              <a:rPr altLang="en-IN" b="1" sz="2800" lang="en-US">
+                <a:solidFill>
+                  <a:srgbClr val="008000"/>
+                </a:solidFill>
+              </a:rPr>
+              <a:t>n</a:t>
+            </a:r>
+            <a:r>
+              <a:rPr altLang="en-IN" b="1" sz="2800" lang="en-US">
+                <a:solidFill>
+                  <a:srgbClr val="008000"/>
+                </a:solidFill>
+              </a:rPr>
+              <a:t>g</a:t>
+            </a:r>
+            <a:r>
+              <a:rPr altLang="en-IN" b="1" sz="2800" lang="en-US">
+                <a:solidFill>
+                  <a:srgbClr val="008000"/>
+                </a:solidFill>
+              </a:rPr>
+              <a:t> </a:t>
+            </a:r>
+            <a:r>
+              <a:rPr altLang="en-IN" b="1" sz="2800" lang="en-US">
+                <a:solidFill>
+                  <a:srgbClr val="008000"/>
+                </a:solidFill>
+              </a:rPr>
+              <a:t>o</a:t>
+            </a:r>
+            <a:r>
+              <a:rPr altLang="en-IN" b="1" sz="2800" lang="en-US">
+                <a:solidFill>
+                  <a:srgbClr val="008000"/>
+                </a:solidFill>
+              </a:rPr>
+              <a:t>f</a:t>
+            </a:r>
+            <a:r>
+              <a:rPr altLang="en-IN" b="1" sz="2800" lang="en-US">
+                <a:solidFill>
+                  <a:srgbClr val="008000"/>
+                </a:solidFill>
+              </a:rPr>
+              <a:t> </a:t>
+            </a:r>
+            <a:r>
+              <a:rPr altLang="en-IN" b="1" sz="2800" lang="en-US">
+                <a:solidFill>
+                  <a:srgbClr val="008000"/>
+                </a:solidFill>
+              </a:rPr>
+              <a:t>m</a:t>
+            </a:r>
+            <a:r>
+              <a:rPr altLang="en-IN" b="1" sz="2800" lang="en-US">
+                <a:solidFill>
+                  <a:srgbClr val="008000"/>
+                </a:solidFill>
+              </a:rPr>
+              <a:t>y</a:t>
+            </a:r>
+            <a:r>
+              <a:rPr altLang="en-IN" b="1" sz="2800" lang="en-US">
+                <a:solidFill>
+                  <a:srgbClr val="008000"/>
+                </a:solidFill>
+              </a:rPr>
+              <a:t> </a:t>
+            </a:r>
+            <a:r>
+              <a:rPr altLang="en-IN" b="1" sz="2800" lang="en-US">
+                <a:solidFill>
+                  <a:srgbClr val="008000"/>
+                </a:solidFill>
+              </a:rPr>
+              <a:t>project </a:t>
+            </a:r>
+            <a:r>
+              <a:rPr altLang="en-IN" b="1" sz="2800" lang="en-US">
+                <a:solidFill>
+                  <a:srgbClr val="008000"/>
+                </a:solidFill>
+              </a:rPr>
+              <a:t>q</a:t>
+            </a:r>
+            <a:r>
+              <a:rPr altLang="en-IN" b="1" sz="2800" lang="en-US">
+                <a:solidFill>
+                  <a:srgbClr val="008000"/>
+                </a:solidFill>
+              </a:rPr>
+              <a:t>u</a:t>
+            </a:r>
+            <a:r>
+              <a:rPr altLang="en-IN" b="1" sz="2800" lang="en-US">
+                <a:solidFill>
+                  <a:srgbClr val="008000"/>
+                </a:solidFill>
+              </a:rPr>
+              <a:t>e</a:t>
+            </a:r>
+            <a:r>
+              <a:rPr altLang="en-IN" b="1" sz="2800" lang="en-US">
+                <a:solidFill>
+                  <a:srgbClr val="008000"/>
+                </a:solidFill>
+              </a:rPr>
+              <a:t>r</a:t>
+            </a:r>
+            <a:r>
+              <a:rPr altLang="en-IN" b="1" sz="2800" lang="en-US">
+                <a:solidFill>
+                  <a:srgbClr val="008000"/>
+                </a:solidFill>
+              </a:rPr>
+              <a:t>ies </a:t>
+            </a:r>
+            <a:r>
+              <a:rPr altLang="en-IN" b="1" sz="2800" lang="en-US">
+                <a:solidFill>
+                  <a:srgbClr val="008000"/>
+                </a:solidFill>
+              </a:rPr>
+              <a:t>a</a:t>
+            </a:r>
+            <a:r>
+              <a:rPr altLang="en-IN" b="1" sz="2800" lang="en-US">
+                <a:solidFill>
+                  <a:srgbClr val="008000"/>
+                </a:solidFill>
+              </a:rPr>
+              <a:t>n</a:t>
+            </a:r>
+            <a:r>
+              <a:rPr altLang="en-IN" b="1" sz="2800" lang="en-US">
+                <a:solidFill>
+                  <a:srgbClr val="008000"/>
+                </a:solidFill>
+              </a:rPr>
+              <a:t>d</a:t>
+            </a:r>
+            <a:r>
+              <a:rPr altLang="en-IN" b="1" sz="2800" lang="en-US">
+                <a:solidFill>
+                  <a:srgbClr val="008000"/>
+                </a:solidFill>
+              </a:rPr>
+              <a:t> </a:t>
+            </a:r>
+            <a:r>
+              <a:rPr altLang="en-IN" b="1" sz="2800" lang="en-US">
+                <a:solidFill>
+                  <a:srgbClr val="008000"/>
+                </a:solidFill>
+              </a:rPr>
+              <a:t>d</a:t>
+            </a:r>
+            <a:r>
+              <a:rPr altLang="en-IN" b="1" sz="2800" lang="en-US">
+                <a:solidFill>
+                  <a:srgbClr val="008000"/>
+                </a:solidFill>
+              </a:rPr>
+              <a:t>o</a:t>
+            </a:r>
+            <a:r>
+              <a:rPr altLang="en-IN" b="1" sz="2800" lang="en-US">
+                <a:solidFill>
+                  <a:srgbClr val="008000"/>
+                </a:solidFill>
+              </a:rPr>
+              <a:t>u</a:t>
+            </a:r>
+            <a:r>
+              <a:rPr altLang="en-IN" b="1" sz="2800" lang="en-US">
+                <a:solidFill>
+                  <a:srgbClr val="008000"/>
+                </a:solidFill>
+              </a:rPr>
+              <a:t>t</a:t>
+            </a:r>
+            <a:r>
+              <a:rPr altLang="en-IN" b="1" sz="2800" lang="en-US">
+                <a:solidFill>
+                  <a:srgbClr val="008000"/>
+                </a:solidFill>
+              </a:rPr>
+              <a:t> </a:t>
+            </a:r>
+            <a:r>
+              <a:rPr altLang="en-IN" b="1" sz="2800" lang="en-US">
+                <a:solidFill>
+                  <a:srgbClr val="008000"/>
+                </a:solidFill>
+              </a:rPr>
+              <a:t>s</a:t>
+            </a:r>
+            <a:r>
+              <a:rPr altLang="en-IN" b="1" sz="2800" lang="en-US">
+                <a:solidFill>
+                  <a:srgbClr val="008000"/>
+                </a:solidFill>
+              </a:rPr>
+              <a:t>h</a:t>
+            </a:r>
+            <a:r>
+              <a:rPr altLang="en-IN" b="1" sz="2800" lang="en-US">
+                <a:solidFill>
+                  <a:srgbClr val="008000"/>
+                </a:solidFill>
+              </a:rPr>
+              <a:t>o</a:t>
+            </a:r>
+            <a:r>
+              <a:rPr altLang="en-IN" b="1" sz="2800" lang="en-US">
+                <a:solidFill>
+                  <a:srgbClr val="008000"/>
+                </a:solidFill>
+              </a:rPr>
+              <a:t>uld </a:t>
+            </a:r>
+            <a:r>
+              <a:rPr altLang="en-IN" b="1" sz="2800" lang="en-US">
+                <a:solidFill>
+                  <a:srgbClr val="008000"/>
+                </a:solidFill>
+              </a:rPr>
+              <a:t>be </a:t>
+            </a:r>
+            <a:r>
+              <a:rPr altLang="en-IN" b="1" sz="2800" lang="en-US">
+                <a:solidFill>
+                  <a:srgbClr val="008000"/>
+                </a:solidFill>
+              </a:rPr>
+              <a:t>c</a:t>
+            </a:r>
+            <a:r>
+              <a:rPr altLang="en-IN" b="1" sz="2800" lang="en-US">
+                <a:solidFill>
+                  <a:srgbClr val="008000"/>
+                </a:solidFill>
+              </a:rPr>
+              <a:t>o</a:t>
+            </a:r>
+            <a:r>
+              <a:rPr altLang="en-IN" b="1" sz="2800" lang="en-US">
+                <a:solidFill>
+                  <a:srgbClr val="008000"/>
+                </a:solidFill>
+              </a:rPr>
+              <a:t>n</a:t>
+            </a:r>
+            <a:r>
+              <a:rPr altLang="en-IN" b="1" sz="2800" lang="en-US">
+                <a:solidFill>
+                  <a:srgbClr val="008000"/>
+                </a:solidFill>
+              </a:rPr>
+              <a:t>t</a:t>
+            </a:r>
+            <a:r>
+              <a:rPr altLang="en-IN" b="1" sz="2800" lang="en-US">
+                <a:solidFill>
+                  <a:srgbClr val="008000"/>
+                </a:solidFill>
+              </a:rPr>
+              <a:t>a</a:t>
+            </a:r>
+            <a:r>
+              <a:rPr altLang="en-IN" b="1" sz="2800" lang="en-US">
+                <a:solidFill>
+                  <a:srgbClr val="008000"/>
+                </a:solidFill>
+              </a:rPr>
+              <a:t>c</a:t>
+            </a:r>
+            <a:r>
+              <a:rPr altLang="en-IN" b="1" sz="2800" lang="en-US">
+                <a:solidFill>
+                  <a:srgbClr val="008000"/>
+                </a:solidFill>
+              </a:rPr>
+              <a:t>t</a:t>
+            </a:r>
+            <a:r>
+              <a:rPr altLang="en-IN" b="1" sz="2800" lang="en-US">
+                <a:solidFill>
+                  <a:srgbClr val="008000"/>
+                </a:solidFill>
+              </a:rPr>
+              <a:t> </a:t>
+            </a:r>
+            <a:r>
+              <a:rPr altLang="en-IN" b="1" sz="2800" lang="en-US">
+                <a:solidFill>
+                  <a:srgbClr val="008000"/>
+                </a:solidFill>
+              </a:rPr>
+              <a:t>m</a:t>
+            </a:r>
+            <a:r>
+              <a:rPr altLang="en-IN" b="1" sz="2800" lang="en-US">
+                <a:solidFill>
+                  <a:srgbClr val="008000"/>
+                </a:solidFill>
+              </a:rPr>
+              <a:t>e</a:t>
+            </a:r>
+            <a:r>
+              <a:rPr altLang="en-IN" b="1" sz="2800" lang="en-US">
+                <a:solidFill>
+                  <a:srgbClr val="008000"/>
+                </a:solidFill>
+              </a:rPr>
+              <a:t> </a:t>
+            </a:r>
+            <a:r>
+              <a:rPr altLang="en-IN" b="1" sz="2800" lang="en-US">
+                <a:solidFill>
+                  <a:srgbClr val="008000"/>
+                </a:solidFill>
+              </a:rPr>
+              <a:t>a</a:t>
+            </a:r>
+            <a:r>
+              <a:rPr altLang="en-IN" b="1" sz="2800" lang="en-US">
+                <a:solidFill>
+                  <a:srgbClr val="008000"/>
+                </a:solidFill>
+              </a:rPr>
+              <a:t>n</a:t>
+            </a:r>
+            <a:r>
+              <a:rPr altLang="en-IN" b="1" sz="2800" lang="en-US">
+                <a:solidFill>
+                  <a:srgbClr val="008000"/>
+                </a:solidFill>
+              </a:rPr>
+              <a:t>d</a:t>
+            </a:r>
+            <a:r>
+              <a:rPr altLang="en-IN" b="1" sz="2800" lang="en-US">
+                <a:solidFill>
+                  <a:srgbClr val="008000"/>
+                </a:solidFill>
+              </a:rPr>
+              <a:t> </a:t>
+            </a:r>
+            <a:r>
+              <a:rPr altLang="en-IN" b="1" sz="2800" lang="en-US">
+                <a:solidFill>
+                  <a:srgbClr val="008000"/>
+                </a:solidFill>
+              </a:rPr>
+              <a:t>I </a:t>
+            </a:r>
+            <a:r>
+              <a:rPr altLang="en-IN" b="1" sz="2800" lang="en-US">
+                <a:solidFill>
+                  <a:srgbClr val="008000"/>
+                </a:solidFill>
+              </a:rPr>
+              <a:t>i</a:t>
+            </a:r>
+            <a:r>
+              <a:rPr altLang="en-IN" b="1" sz="2800" lang="en-US">
+                <a:solidFill>
+                  <a:srgbClr val="008000"/>
+                </a:solidFill>
+              </a:rPr>
+              <a:t>n</a:t>
+            </a:r>
+            <a:r>
+              <a:rPr altLang="en-IN" b="1" sz="2800" lang="en-US">
+                <a:solidFill>
+                  <a:srgbClr val="008000"/>
+                </a:solidFill>
+              </a:rPr>
+              <a:t>c</a:t>
+            </a:r>
+            <a:r>
+              <a:rPr altLang="en-IN" b="1" sz="2800" lang="en-US">
+                <a:solidFill>
+                  <a:srgbClr val="008000"/>
+                </a:solidFill>
+              </a:rPr>
+              <a:t>lude </a:t>
+            </a:r>
+            <a:r>
+              <a:rPr altLang="en-IN" b="1" sz="2800" lang="en-US">
+                <a:solidFill>
+                  <a:srgbClr val="008000"/>
+                </a:solidFill>
+              </a:rPr>
+              <a:t>m</a:t>
+            </a:r>
+            <a:r>
+              <a:rPr altLang="en-IN" b="1" sz="2800" lang="en-US">
+                <a:solidFill>
+                  <a:srgbClr val="008000"/>
+                </a:solidFill>
+              </a:rPr>
+              <a:t>y</a:t>
+            </a:r>
+            <a:r>
+              <a:rPr altLang="en-IN" b="1" sz="2800" lang="en-US">
+                <a:solidFill>
+                  <a:srgbClr val="008000"/>
+                </a:solidFill>
+              </a:rPr>
+              <a:t> </a:t>
+            </a:r>
+            <a:r>
+              <a:rPr altLang="en-IN" b="1" sz="2800" lang="en-US">
+                <a:solidFill>
+                  <a:srgbClr val="008000"/>
+                </a:solidFill>
+              </a:rPr>
+              <a:t>e</a:t>
+            </a:r>
+            <a:r>
+              <a:rPr altLang="en-IN" b="1" sz="2800" lang="en-US">
+                <a:solidFill>
+                  <a:srgbClr val="008000"/>
+                </a:solidFill>
+              </a:rPr>
+              <a:t>m</a:t>
+            </a:r>
+            <a:r>
+              <a:rPr altLang="en-IN" b="1" sz="2800" lang="en-US">
+                <a:solidFill>
+                  <a:srgbClr val="008000"/>
+                </a:solidFill>
+              </a:rPr>
+              <a:t>a</a:t>
+            </a:r>
+            <a:r>
+              <a:rPr altLang="en-IN" b="1" sz="2800" lang="en-US">
+                <a:solidFill>
+                  <a:srgbClr val="008000"/>
+                </a:solidFill>
+              </a:rPr>
+              <a:t>il </a:t>
+            </a:r>
+            <a:r>
+              <a:rPr altLang="en-IN" b="1" sz="2800" lang="en-US">
+                <a:solidFill>
+                  <a:srgbClr val="008000"/>
+                </a:solidFill>
+              </a:rPr>
+              <a:t>address </a:t>
+            </a:r>
+            <a:r>
+              <a:rPr altLang="en-IN" b="1" sz="2800" lang="en-US">
+                <a:solidFill>
+                  <a:srgbClr val="008000"/>
+                </a:solidFill>
+              </a:rPr>
+              <a:t>y</a:t>
+            </a:r>
+            <a:r>
+              <a:rPr altLang="en-IN" b="1" sz="2800" lang="en-US">
+                <a:solidFill>
+                  <a:srgbClr val="008000"/>
+                </a:solidFill>
+              </a:rPr>
+              <a:t>o</a:t>
+            </a:r>
+            <a:r>
+              <a:rPr altLang="en-IN" b="1" sz="2800" lang="en-US">
+                <a:solidFill>
+                  <a:srgbClr val="008000"/>
+                </a:solidFill>
+              </a:rPr>
+              <a:t>u</a:t>
+            </a:r>
+            <a:r>
+              <a:rPr altLang="en-IN" b="1" sz="2800" lang="en-US">
+                <a:solidFill>
+                  <a:srgbClr val="008000"/>
+                </a:solidFill>
+              </a:rPr>
+              <a:t> </a:t>
+            </a:r>
+            <a:r>
+              <a:rPr altLang="en-IN" b="1" sz="2800" lang="en-US">
+                <a:solidFill>
+                  <a:srgbClr val="008000"/>
+                </a:solidFill>
+              </a:rPr>
+              <a:t>h</a:t>
+            </a:r>
+            <a:r>
+              <a:rPr altLang="en-IN" b="1" sz="2800" lang="en-US">
+                <a:solidFill>
+                  <a:srgbClr val="008000"/>
+                </a:solidFill>
+              </a:rPr>
+              <a:t>a</a:t>
+            </a:r>
+            <a:r>
+              <a:rPr altLang="en-IN" b="1" sz="2800" lang="en-US">
+                <a:solidFill>
+                  <a:srgbClr val="008000"/>
+                </a:solidFill>
+              </a:rPr>
+              <a:t>v</a:t>
+            </a:r>
+            <a:r>
+              <a:rPr altLang="en-IN" b="1" sz="2800" lang="en-US">
+                <a:solidFill>
+                  <a:srgbClr val="008000"/>
+                </a:solidFill>
+              </a:rPr>
+              <a:t>e</a:t>
+            </a:r>
+            <a:r>
+              <a:rPr altLang="en-IN" b="1" sz="2800" lang="en-US">
+                <a:solidFill>
+                  <a:srgbClr val="008000"/>
+                </a:solidFill>
+              </a:rPr>
+              <a:t> </a:t>
+            </a:r>
+            <a:r>
+              <a:rPr altLang="en-IN" b="1" sz="2800" lang="en-US">
+                <a:solidFill>
+                  <a:srgbClr val="008000"/>
+                </a:solidFill>
+              </a:rPr>
+              <a:t>s</a:t>
+            </a:r>
+            <a:r>
+              <a:rPr altLang="en-IN" b="1" sz="2800" lang="en-US">
+                <a:solidFill>
+                  <a:srgbClr val="008000"/>
+                </a:solidFill>
+              </a:rPr>
+              <a:t>e</a:t>
+            </a:r>
+            <a:r>
+              <a:rPr altLang="en-IN" b="1" sz="2800" lang="en-US">
+                <a:solidFill>
+                  <a:srgbClr val="008000"/>
+                </a:solidFill>
+              </a:rPr>
+              <a:t>n</a:t>
+            </a:r>
+            <a:r>
+              <a:rPr altLang="en-IN" b="1" sz="2800" lang="en-US">
+                <a:solidFill>
+                  <a:srgbClr val="008000"/>
+                </a:solidFill>
+              </a:rPr>
+              <a:t>d</a:t>
+            </a:r>
+            <a:r>
+              <a:rPr altLang="en-IN" b="1" sz="2800" lang="en-US">
+                <a:solidFill>
+                  <a:srgbClr val="008000"/>
+                </a:solidFill>
+              </a:rPr>
+              <a:t>i</a:t>
+            </a:r>
+            <a:r>
+              <a:rPr altLang="en-IN" b="1" sz="2800" lang="en-US">
+                <a:solidFill>
+                  <a:srgbClr val="008000"/>
+                </a:solidFill>
+              </a:rPr>
+              <a:t>ng </a:t>
+            </a:r>
+            <a:r>
+              <a:rPr altLang="en-IN" b="1" sz="2800" lang="en-US">
+                <a:solidFill>
+                  <a:srgbClr val="008000"/>
+                </a:solidFill>
+              </a:rPr>
+              <a:t>t</a:t>
+            </a:r>
+            <a:r>
+              <a:rPr altLang="en-IN" b="1" sz="2800" lang="en-US">
+                <a:solidFill>
+                  <a:srgbClr val="008000"/>
+                </a:solidFill>
+              </a:rPr>
+              <a:t>o</a:t>
+            </a:r>
+            <a:r>
+              <a:rPr altLang="en-IN" b="1" sz="2800" lang="en-US">
+                <a:solidFill>
+                  <a:srgbClr val="008000"/>
+                </a:solidFill>
+              </a:rPr>
+              <a:t> </a:t>
+            </a:r>
+            <a:r>
+              <a:rPr altLang="en-IN" b="1" sz="2800" lang="en-US">
+                <a:solidFill>
+                  <a:srgbClr val="008000"/>
+                </a:solidFill>
+              </a:rPr>
+              <a:t>m</a:t>
+            </a:r>
+            <a:r>
+              <a:rPr altLang="en-IN" b="1" sz="2800" lang="en-US">
+                <a:solidFill>
+                  <a:srgbClr val="008000"/>
+                </a:solidFill>
+              </a:rPr>
+              <a:t>y</a:t>
+            </a:r>
+            <a:r>
+              <a:rPr altLang="en-IN" b="1" sz="2800" lang="en-US">
+                <a:solidFill>
+                  <a:srgbClr val="008000"/>
+                </a:solidFill>
+              </a:rPr>
+              <a:t> </a:t>
+            </a:r>
+            <a:r>
+              <a:rPr altLang="en-IN" b="1" sz="2800" lang="en-US">
+                <a:solidFill>
+                  <a:srgbClr val="008000"/>
+                </a:solidFill>
+              </a:rPr>
+              <a:t>g</a:t>
+            </a:r>
+            <a:r>
+              <a:rPr altLang="en-IN" b="1" sz="2800" lang="en-US">
+                <a:solidFill>
+                  <a:srgbClr val="008000"/>
+                </a:solidFill>
+              </a:rPr>
+              <a:t>m</a:t>
+            </a:r>
+            <a:r>
+              <a:rPr altLang="en-IN" b="1" sz="2800" lang="en-US">
+                <a:solidFill>
+                  <a:srgbClr val="008000"/>
+                </a:solidFill>
+              </a:rPr>
+              <a:t>a</a:t>
+            </a:r>
+            <a:r>
+              <a:rPr altLang="en-IN" b="1" sz="2800" lang="en-US">
+                <a:solidFill>
+                  <a:srgbClr val="008000"/>
+                </a:solidFill>
+              </a:rPr>
+              <a:t>i</a:t>
+            </a:r>
+            <a:r>
+              <a:rPr altLang="en-IN" b="1" sz="2800" lang="en-US">
+                <a:solidFill>
+                  <a:srgbClr val="008000"/>
+                </a:solidFill>
+              </a:rPr>
+              <a:t>l</a:t>
+            </a:r>
+            <a:r>
+              <a:rPr altLang="en-IN" b="1" sz="2800" lang="en-US">
+                <a:solidFill>
+                  <a:srgbClr val="008000"/>
+                </a:solidFill>
+              </a:rPr>
+              <a:t>.</a:t>
+            </a:r>
+            <a:endParaRPr b="1" sz="2800" lang="en-IN">
+              <a:solidFill>
+                <a:srgbClr val="008000"/>
+              </a:solidFill>
+            </a:endParaRPr>
+          </a:p>
+        </p:txBody>
+      </p:sp>
     </p:spTree>
   </p:cSld>
   <p:clrMapOvr>
@@ -6781,7 +10647,7 @@
   <p:cSld>
     <p:spTree>
       <p:nvGrpSpPr>
-        <p:cNvPr id="36" name=""/>
+        <p:cNvPr id="19" name=""/>
         <p:cNvGrpSpPr/>
         <p:nvPr/>
       </p:nvGrpSpPr>
@@ -6795,7 +10661,7 @@
       </p:grpSpPr>
       <p:pic>
         <p:nvPicPr>
-          <p:cNvPr id="2097163" name="object 2"/>
+          <p:cNvPr id="2097152" name="object 2"/>
           <p:cNvPicPr>
             <a:picLocks/>
           </p:cNvPicPr>
@@ -6817,7 +10683,7 @@
       </p:pic>
       <p:sp>
         <p:nvSpPr>
-          <p:cNvPr id="1048659" name="object 3"/>
+          <p:cNvPr id="1048595" name="object 3"/>
           <p:cNvSpPr/>
           <p:nvPr/>
         </p:nvSpPr>
@@ -6862,7 +10728,7 @@
       </p:sp>
       <p:sp>
         <p:nvSpPr>
-          <p:cNvPr id="1048660" name="object 4"/>
+          <p:cNvPr id="1048596" name="object 4"/>
           <p:cNvSpPr/>
           <p:nvPr/>
         </p:nvSpPr>
@@ -6907,7 +10773,7 @@
       </p:sp>
       <p:sp>
         <p:nvSpPr>
-          <p:cNvPr id="1048661" name="object 5"/>
+          <p:cNvPr id="1048597" name="object 5"/>
           <p:cNvSpPr/>
           <p:nvPr/>
         </p:nvSpPr>
@@ -6952,7 +10818,7 @@
       </p:sp>
       <p:sp>
         <p:nvSpPr>
-          <p:cNvPr id="1048662" name="object 6"/>
+          <p:cNvPr id="1048598" name="object 6"/>
           <p:cNvSpPr txBox="1">
             <a:spLocks noGrp="1"/>
           </p:cNvSpPr>
@@ -6990,7 +10856,7 @@
       </p:sp>
       <p:pic>
         <p:nvPicPr>
-          <p:cNvPr id="2097164" name="object 7"/>
+          <p:cNvPr id="2097153" name="object 7"/>
           <p:cNvPicPr>
             <a:picLocks/>
           </p:cNvPicPr>
@@ -7012,7 +10878,7 @@
       </p:pic>
       <p:sp>
         <p:nvSpPr>
-          <p:cNvPr id="1048663" name="object 9"/>
+          <p:cNvPr id="1048599" name="object 9"/>
           <p:cNvSpPr txBox="1">
             <a:spLocks noGrp="1"/>
           </p:cNvSpPr>
@@ -7044,6 +10910,415 @@
           </a:p>
         </p:txBody>
       </p:sp>
+      <p:sp>
+        <p:nvSpPr>
+          <p:cNvPr id="1048600" name=""/>
+          <p:cNvSpPr txBox="1"/>
+          <p:nvPr/>
+        </p:nvSpPr>
+        <p:spPr>
+          <a:xfrm>
+            <a:off x="3288797" y="2864166"/>
+            <a:ext cx="6064753" cy="2186940"/>
+          </a:xfrm>
+          <a:prstGeom prst="rect"/>
+        </p:spPr>
+        <p:txBody>
+          <a:bodyPr anchor="t" rtlCol="0" wrap="square">
+            <a:spAutoFit/>
+          </a:bodyPr>
+          <a:p>
+            <a:r>
+              <a:rPr altLang="en-IN" b="1" sz="2800" lang="en-US">
+                <a:solidFill>
+                  <a:srgbClr val="BF0000"/>
+                </a:solidFill>
+              </a:rPr>
+              <a:t>I</a:t>
+            </a:r>
+            <a:r>
+              <a:rPr altLang="en-IN" b="1" sz="2800" lang="en-US">
+                <a:solidFill>
+                  <a:srgbClr val="BF0000"/>
+                </a:solidFill>
+              </a:rPr>
+              <a:t> </a:t>
+            </a:r>
+            <a:r>
+              <a:rPr altLang="en-IN" b="1" sz="2800" lang="en-US">
+                <a:solidFill>
+                  <a:srgbClr val="BF0000"/>
+                </a:solidFill>
+              </a:rPr>
+              <a:t>a</a:t>
+            </a:r>
+            <a:r>
+              <a:rPr altLang="en-IN" b="1" sz="2800" lang="en-US">
+                <a:solidFill>
+                  <a:srgbClr val="BF0000"/>
+                </a:solidFill>
+              </a:rPr>
+              <a:t>m</a:t>
+            </a:r>
+            <a:r>
+              <a:rPr altLang="en-IN" b="1" sz="2800" lang="en-US">
+                <a:solidFill>
+                  <a:srgbClr val="BF0000"/>
+                </a:solidFill>
+              </a:rPr>
+              <a:t> </a:t>
+            </a:r>
+            <a:r>
+              <a:rPr altLang="en-IN" b="1" sz="2800" lang="en-US">
+                <a:solidFill>
+                  <a:srgbClr val="BF0000"/>
+                </a:solidFill>
+              </a:rPr>
+              <a:t>u</a:t>
+            </a:r>
+            <a:r>
+              <a:rPr altLang="en-IN" b="1" sz="2800" lang="en-US">
+                <a:solidFill>
+                  <a:srgbClr val="BF0000"/>
+                </a:solidFill>
+              </a:rPr>
+              <a:t>s</a:t>
+            </a:r>
+            <a:r>
+              <a:rPr altLang="en-IN" b="1" sz="2800" lang="en-US">
+                <a:solidFill>
+                  <a:srgbClr val="BF0000"/>
+                </a:solidFill>
+              </a:rPr>
+              <a:t>i</a:t>
+            </a:r>
+            <a:r>
+              <a:rPr altLang="en-IN" b="1" sz="2800" lang="en-US">
+                <a:solidFill>
+                  <a:srgbClr val="BF0000"/>
+                </a:solidFill>
+              </a:rPr>
+              <a:t>ng </a:t>
+            </a:r>
+            <a:r>
+              <a:rPr altLang="en-IN" b="1" sz="2800" lang="en-US">
+                <a:solidFill>
+                  <a:srgbClr val="BF0000"/>
+                </a:solidFill>
+              </a:rPr>
+              <a:t>f</a:t>
+            </a:r>
+            <a:r>
+              <a:rPr altLang="en-IN" b="1" sz="2800" lang="en-US">
+                <a:solidFill>
+                  <a:srgbClr val="BF0000"/>
+                </a:solidFill>
+              </a:rPr>
+              <a:t>o</a:t>
+            </a:r>
+            <a:r>
+              <a:rPr altLang="en-IN" b="1" sz="2800" lang="en-US">
+                <a:solidFill>
+                  <a:srgbClr val="BF0000"/>
+                </a:solidFill>
+              </a:rPr>
+              <a:t>r</a:t>
+            </a:r>
+            <a:r>
+              <a:rPr altLang="en-IN" b="1" sz="2800" lang="en-US">
+                <a:solidFill>
+                  <a:srgbClr val="BF0000"/>
+                </a:solidFill>
+              </a:rPr>
+              <a:t> </a:t>
+            </a:r>
+            <a:r>
+              <a:rPr altLang="en-IN" b="1" sz="2800" lang="en-US">
+                <a:solidFill>
+                  <a:srgbClr val="BF0000"/>
+                </a:solidFill>
+              </a:rPr>
+              <a:t>o</a:t>
+            </a:r>
+            <a:r>
+              <a:rPr altLang="en-IN" b="1" sz="2800" lang="en-US">
+                <a:solidFill>
+                  <a:srgbClr val="BF0000"/>
+                </a:solidFill>
+              </a:rPr>
+              <a:t>n</a:t>
+            </a:r>
+            <a:r>
+              <a:rPr altLang="en-IN" b="1" sz="2800" lang="en-US">
+                <a:solidFill>
+                  <a:srgbClr val="BF0000"/>
+                </a:solidFill>
+              </a:rPr>
+              <a:t>l</a:t>
+            </a:r>
+            <a:r>
+              <a:rPr altLang="en-IN" b="1" sz="2800" lang="en-US">
+                <a:solidFill>
+                  <a:srgbClr val="BF0000"/>
+                </a:solidFill>
+              </a:rPr>
+              <a:t>ine </a:t>
+            </a:r>
+            <a:r>
+              <a:rPr altLang="en-IN" b="1" sz="2800" lang="en-US">
+                <a:solidFill>
+                  <a:srgbClr val="BF0000"/>
+                </a:solidFill>
+              </a:rPr>
+              <a:t>t</a:t>
+            </a:r>
+            <a:r>
+              <a:rPr altLang="en-IN" b="1" sz="2800" lang="en-US">
+                <a:solidFill>
+                  <a:srgbClr val="BF0000"/>
+                </a:solidFill>
+              </a:rPr>
+              <a:t>o</a:t>
+            </a:r>
+            <a:r>
+              <a:rPr altLang="en-IN" b="1" sz="2800" lang="en-US">
+                <a:solidFill>
+                  <a:srgbClr val="BF0000"/>
+                </a:solidFill>
+              </a:rPr>
+              <a:t>o</a:t>
+            </a:r>
+            <a:r>
+              <a:rPr altLang="en-IN" b="1" sz="2800" lang="en-US">
+                <a:solidFill>
+                  <a:srgbClr val="BF0000"/>
+                </a:solidFill>
+              </a:rPr>
+              <a:t>l</a:t>
+            </a:r>
+            <a:r>
+              <a:rPr altLang="en-IN" b="1" sz="2800" lang="en-US">
+                <a:solidFill>
+                  <a:srgbClr val="BF0000"/>
+                </a:solidFill>
+              </a:rPr>
+              <a:t>s</a:t>
+            </a:r>
+            <a:r>
+              <a:rPr altLang="en-IN" b="1" sz="2800" lang="en-US">
+                <a:solidFill>
+                  <a:srgbClr val="BF0000"/>
+                </a:solidFill>
+              </a:rPr>
+              <a:t> </a:t>
+            </a:r>
+            <a:r>
+              <a:rPr altLang="en-IN" b="1" sz="2800" lang="en-US">
+                <a:solidFill>
+                  <a:srgbClr val="BF0000"/>
+                </a:solidFill>
+              </a:rPr>
+              <a:t>i</a:t>
+            </a:r>
+            <a:r>
+              <a:rPr altLang="en-IN" b="1" sz="2800" lang="en-US">
+                <a:solidFill>
+                  <a:srgbClr val="BF0000"/>
+                </a:solidFill>
+              </a:rPr>
+              <a:t>n</a:t>
+            </a:r>
+            <a:r>
+              <a:rPr altLang="en-IN" b="1" sz="2800" lang="en-US">
+                <a:solidFill>
+                  <a:srgbClr val="BF0000"/>
+                </a:solidFill>
+              </a:rPr>
+              <a:t> </a:t>
+            </a:r>
+            <a:r>
+              <a:rPr altLang="en-IN" b="1" sz="2800" lang="en-US">
+                <a:solidFill>
+                  <a:srgbClr val="BF0000"/>
+                </a:solidFill>
+              </a:rPr>
+              <a:t>c</a:t>
+            </a:r>
+            <a:r>
+              <a:rPr altLang="en-IN" b="1" sz="2800" lang="en-US">
+                <a:solidFill>
+                  <a:srgbClr val="BF0000"/>
+                </a:solidFill>
+              </a:rPr>
+              <a:t>o</a:t>
+            </a:r>
+            <a:r>
+              <a:rPr altLang="en-IN" b="1" sz="2800" lang="en-US">
+                <a:solidFill>
+                  <a:srgbClr val="BF0000"/>
+                </a:solidFill>
+              </a:rPr>
+              <a:t>depen</a:t>
+            </a:r>
+            <a:r>
+              <a:rPr altLang="en-IN" b="1" sz="2800" lang="en-US">
+                <a:solidFill>
+                  <a:srgbClr val="BF0000"/>
+                </a:solidFill>
+              </a:rPr>
+              <a:t>.</a:t>
+            </a:r>
+            <a:endParaRPr b="1" sz="2800" lang="en-IN">
+              <a:solidFill>
+                <a:srgbClr val="BF0000"/>
+              </a:solidFill>
+            </a:endParaRPr>
+          </a:p>
+          <a:p>
+            <a:r>
+              <a:rPr altLang="en-IN" b="1" sz="2800" lang="en-US">
+                <a:solidFill>
+                  <a:srgbClr val="330066"/>
+                </a:solidFill>
+              </a:rPr>
+              <a:t>T</a:t>
+            </a:r>
+            <a:r>
+              <a:rPr altLang="en-IN" b="1" sz="2800" lang="en-US">
+                <a:solidFill>
+                  <a:srgbClr val="330066"/>
+                </a:solidFill>
+              </a:rPr>
+              <a:t>e</a:t>
+            </a:r>
+            <a:r>
+              <a:rPr altLang="en-IN" b="1" sz="2800" lang="en-US">
+                <a:solidFill>
+                  <a:srgbClr val="330066"/>
+                </a:solidFill>
+              </a:rPr>
+              <a:t>c</a:t>
+            </a:r>
+            <a:r>
+              <a:rPr altLang="en-IN" b="1" sz="2800" lang="en-US">
+                <a:solidFill>
+                  <a:srgbClr val="330066"/>
+                </a:solidFill>
+              </a:rPr>
+              <a:t>h</a:t>
+            </a:r>
+            <a:r>
+              <a:rPr altLang="en-IN" b="1" sz="2800" lang="en-US">
+                <a:solidFill>
+                  <a:srgbClr val="330066"/>
+                </a:solidFill>
+              </a:rPr>
+              <a:t>n</a:t>
+            </a:r>
+            <a:r>
+              <a:rPr altLang="en-IN" b="1" sz="2800" lang="en-US">
+                <a:solidFill>
+                  <a:srgbClr val="330066"/>
+                </a:solidFill>
+              </a:rPr>
+              <a:t>iques</a:t>
+            </a:r>
+            <a:r>
+              <a:rPr altLang="en-IN" b="1" sz="2800" lang="en-US">
+                <a:solidFill>
+                  <a:srgbClr val="330066"/>
+                </a:solidFill>
+              </a:rPr>
+              <a:t>:</a:t>
+            </a:r>
+            <a:r>
+              <a:rPr altLang="en-IN" b="1" sz="2800" lang="en-US">
+                <a:solidFill>
+                  <a:srgbClr val="330066"/>
+                </a:solidFill>
+              </a:rPr>
+              <a:t>Use semantic elements</a:t>
+            </a:r>
+            <a:r>
+              <a:rPr altLang="en-IN" b="1" sz="2800" lang="en-US">
+                <a:solidFill>
+                  <a:srgbClr val="330066"/>
+                </a:solidFill>
+              </a:rPr>
+              <a:t>,</a:t>
+            </a:r>
+            <a:r>
+              <a:rPr altLang="en-IN" b="1" sz="2800" lang="en-US">
+                <a:solidFill>
+                  <a:srgbClr val="330066"/>
+                </a:solidFill>
+              </a:rPr>
+              <a:t>Improve accessibility</a:t>
+            </a:r>
+            <a:r>
+              <a:rPr altLang="en-IN" b="1" sz="2800" lang="en-US">
+                <a:solidFill>
+                  <a:srgbClr val="330066"/>
+                </a:solidFill>
+              </a:rPr>
+              <a:t>,</a:t>
+            </a:r>
+            <a:r>
+              <a:rPr altLang="en-IN" b="1" sz="2800" lang="en-US">
+                <a:solidFill>
+                  <a:srgbClr val="330066"/>
+                </a:solidFill>
+              </a:rPr>
+              <a:t>. Use headings</a:t>
+            </a:r>
+            <a:r>
+              <a:rPr altLang="en-IN" b="1" sz="2800" lang="en-US">
+                <a:solidFill>
+                  <a:srgbClr val="330066"/>
+                </a:solidFill>
+              </a:rPr>
+              <a:t>,</a:t>
+            </a:r>
+            <a:r>
+              <a:rPr altLang="en-IN" b="1" sz="2800" lang="en-US">
+                <a:solidFill>
+                  <a:srgbClr val="330066"/>
+                </a:solidFill>
+              </a:rPr>
+              <a:t>. Use paragraphs</a:t>
+            </a:r>
+            <a:r>
+              <a:rPr altLang="en-IN" b="1" sz="2800" lang="en-US">
+                <a:solidFill>
+                  <a:srgbClr val="330066"/>
+                </a:solidFill>
+              </a:rPr>
+              <a:t>,</a:t>
+            </a:r>
+            <a:r>
+              <a:rPr altLang="en-IN" b="1" sz="2800" lang="en-US">
+                <a:solidFill>
+                  <a:srgbClr val="330066"/>
+                </a:solidFill>
+              </a:rPr>
+              <a:t>Use the img element</a:t>
+            </a:r>
+            <a:r>
+              <a:rPr altLang="en-IN" b="1" sz="2800" lang="en-US">
+                <a:solidFill>
+                  <a:srgbClr val="330066"/>
+                </a:solidFill>
+              </a:rPr>
+              <a:t>.</a:t>
+            </a:r>
+            <a:endParaRPr b="1" sz="2800" lang="en-IN">
+              <a:solidFill>
+                <a:srgbClr val="BF0000"/>
+              </a:solidFill>
+            </a:endParaRPr>
+          </a:p>
+        </p:txBody>
+      </p:sp>
     </p:spTree>
   </p:cSld>
   <p:clrMapOvr>
@@ -7057,7 +11332,7 @@
   <p:cSld>
     <p:spTree>
       <p:nvGrpSpPr>
-        <p:cNvPr id="37" name=""/>
+        <p:cNvPr id="22" name=""/>
         <p:cNvGrpSpPr/>
         <p:nvPr/>
       </p:nvGrpSpPr>
@@ -7071,7 +11346,7 @@
       </p:grpSpPr>
       <p:sp>
         <p:nvSpPr>
-          <p:cNvPr id="1048664" name="object 5"/>
+          <p:cNvPr id="1048606" name="object 5"/>
           <p:cNvSpPr/>
           <p:nvPr/>
         </p:nvSpPr>
@@ -7116,7 +11391,7 @@
       </p:sp>
       <p:pic>
         <p:nvPicPr>
-          <p:cNvPr id="2097165" name="object 6"/>
+          <p:cNvPr id="2097154" name="object 6"/>
           <p:cNvPicPr>
             <a:picLocks/>
           </p:cNvPicPr>
@@ -7138,7 +11413,7 @@
       </p:pic>
       <p:sp>
         <p:nvSpPr>
-          <p:cNvPr id="1048665" name="object 9"/>
+          <p:cNvPr id="1048607" name="object 9"/>
           <p:cNvSpPr txBox="1"/>
           <p:nvPr/>
         </p:nvSpPr>
@@ -7181,7 +11456,7 @@
       </p:sp>
       <p:sp>
         <p:nvSpPr>
-          <p:cNvPr id="1048666" name="object 8"/>
+          <p:cNvPr id="1048608" name="object 8"/>
           <p:cNvSpPr txBox="1"/>
           <p:nvPr/>
         </p:nvSpPr>
@@ -7221,7 +11496,7 @@
       </p:sp>
       <p:sp>
         <p:nvSpPr>
-          <p:cNvPr id="1048667" name="object 3"/>
+          <p:cNvPr id="1048609" name="object 3"/>
           <p:cNvSpPr/>
           <p:nvPr/>
         </p:nvSpPr>
@@ -7264,6 +11539,392 @@
           <a:p/>
         </p:txBody>
       </p:sp>
+      <p:sp>
+        <p:nvSpPr>
+          <p:cNvPr id="1048610" name=""/>
+          <p:cNvSpPr txBox="1"/>
+          <p:nvPr/>
+        </p:nvSpPr>
+        <p:spPr>
+          <a:xfrm>
+            <a:off x="1463636" y="1660853"/>
+            <a:ext cx="8416137" cy="1348741"/>
+          </a:xfrm>
+          <a:prstGeom prst="rect"/>
+        </p:spPr>
+        <p:txBody>
+          <a:bodyPr rtlCol="0" wrap="square">
+            <a:spAutoFit/>
+          </a:bodyPr>
+          <a:p>
+            <a:r>
+              <a:rPr altLang="en-IN" b="1" sz="2800" lang="en-US">
+                <a:solidFill>
+                  <a:srgbClr val="800000"/>
+                </a:solidFill>
+              </a:rPr>
+              <a:t>M</a:t>
+            </a:r>
+            <a:r>
+              <a:rPr altLang="en-IN" b="1" sz="2800" lang="en-US">
+                <a:solidFill>
+                  <a:srgbClr val="800000"/>
+                </a:solidFill>
+              </a:rPr>
+              <a:t>y</a:t>
+            </a:r>
+            <a:r>
+              <a:rPr altLang="en-IN" b="1" sz="2800" lang="en-US">
+                <a:solidFill>
+                  <a:srgbClr val="800000"/>
+                </a:solidFill>
+              </a:rPr>
+              <a:t> </a:t>
+            </a:r>
+            <a:r>
+              <a:rPr altLang="en-IN" b="1" sz="2800" lang="en-US">
+                <a:solidFill>
+                  <a:srgbClr val="800000"/>
+                </a:solidFill>
+              </a:rPr>
+              <a:t>p</a:t>
+            </a:r>
+            <a:r>
+              <a:rPr altLang="en-IN" b="1" sz="2800" lang="en-US">
+                <a:solidFill>
+                  <a:srgbClr val="800000"/>
+                </a:solidFill>
+              </a:rPr>
+              <a:t>o</a:t>
+            </a:r>
+            <a:r>
+              <a:rPr altLang="en-IN" b="1" sz="2800" lang="en-US">
+                <a:solidFill>
+                  <a:srgbClr val="800000"/>
+                </a:solidFill>
+              </a:rPr>
+              <a:t>r</a:t>
+            </a:r>
+            <a:r>
+              <a:rPr altLang="en-IN" b="1" sz="2800" lang="en-US">
+                <a:solidFill>
+                  <a:srgbClr val="800000"/>
+                </a:solidFill>
+              </a:rPr>
+              <a:t>tfolio </a:t>
+            </a:r>
+            <a:r>
+              <a:rPr altLang="en-IN" b="1" sz="2800" lang="en-US">
+                <a:solidFill>
+                  <a:srgbClr val="800000"/>
+                </a:solidFill>
+              </a:rPr>
+              <a:t>d</a:t>
+            </a:r>
+            <a:r>
+              <a:rPr altLang="en-IN" b="1" sz="2800" lang="en-US">
+                <a:solidFill>
+                  <a:srgbClr val="800000"/>
+                </a:solidFill>
+              </a:rPr>
+              <a:t>e</a:t>
+            </a:r>
+            <a:r>
+              <a:rPr altLang="en-IN" b="1" sz="2800" lang="en-US">
+                <a:solidFill>
+                  <a:srgbClr val="800000"/>
+                </a:solidFill>
+              </a:rPr>
+              <a:t>s</a:t>
+            </a:r>
+            <a:r>
+              <a:rPr altLang="en-IN" b="1" sz="2800" lang="en-US">
+                <a:solidFill>
+                  <a:srgbClr val="800000"/>
+                </a:solidFill>
+              </a:rPr>
+              <a:t>ign </a:t>
+            </a:r>
+            <a:r>
+              <a:rPr altLang="en-IN" b="1" sz="2800" lang="en-US">
+                <a:solidFill>
+                  <a:srgbClr val="800000"/>
+                </a:solidFill>
+              </a:rPr>
+              <a:t>i</a:t>
+            </a:r>
+            <a:r>
+              <a:rPr altLang="en-IN" b="1" sz="2800" lang="en-US">
+                <a:solidFill>
+                  <a:srgbClr val="800000"/>
+                </a:solidFill>
+              </a:rPr>
+              <a:t>n</a:t>
+            </a:r>
+            <a:r>
+              <a:rPr altLang="en-IN" b="1" sz="2800" lang="en-US">
+                <a:solidFill>
+                  <a:srgbClr val="800000"/>
+                </a:solidFill>
+              </a:rPr>
+              <a:t> </a:t>
+            </a:r>
+            <a:r>
+              <a:rPr altLang="en-IN" b="1" sz="2800" lang="en-US">
+                <a:solidFill>
+                  <a:srgbClr val="800000"/>
+                </a:solidFill>
+              </a:rPr>
+              <a:t>:</a:t>
+            </a:r>
+            <a:endParaRPr b="1" sz="2800" lang="en-IN">
+              <a:solidFill>
+                <a:srgbClr val="800000"/>
+              </a:solidFill>
+            </a:endParaRPr>
+          </a:p>
+          <a:p>
+            <a:r>
+              <a:rPr altLang="en-IN" b="1" sz="2800" lang="en-US">
+                <a:solidFill>
+                  <a:srgbClr val="800000"/>
+                </a:solidFill>
+              </a:rPr>
+              <a:t>Clear purpose</a:t>
+            </a:r>
+            <a:r>
+              <a:rPr altLang="en-IN" b="1" sz="2800" lang="en-US">
+                <a:solidFill>
+                  <a:srgbClr val="800000"/>
+                </a:solidFill>
+              </a:rPr>
+              <a:t>,</a:t>
+            </a:r>
+            <a:r>
+              <a:rPr altLang="en-IN" b="1" sz="2800" lang="en-US">
+                <a:solidFill>
+                  <a:srgbClr val="800000"/>
+                </a:solidFill>
+              </a:rPr>
+              <a:t>Target audience</a:t>
+            </a:r>
+            <a:r>
+              <a:rPr altLang="en-IN" b="1" sz="2800" lang="en-US">
+                <a:solidFill>
+                  <a:srgbClr val="800000"/>
+                </a:solidFill>
+              </a:rPr>
+              <a:t>,</a:t>
+            </a:r>
+            <a:r>
+              <a:rPr altLang="en-IN" b="1" sz="2800" lang="en-US">
+                <a:solidFill>
+                  <a:srgbClr val="800000"/>
+                </a:solidFill>
+              </a:rPr>
+              <a:t>Visual identity</a:t>
+            </a:r>
+            <a:r>
+              <a:rPr altLang="en-IN" b="1" sz="2800" lang="en-US">
+                <a:solidFill>
+                  <a:srgbClr val="800000"/>
+                </a:solidFill>
+              </a:rPr>
+              <a:t>,</a:t>
+            </a:r>
+            <a:r>
+              <a:rPr altLang="en-IN" b="1" sz="2800" lang="en-US">
+                <a:solidFill>
+                  <a:srgbClr val="800000"/>
+                </a:solidFill>
+              </a:rPr>
+              <a:t>Content strategy</a:t>
+            </a:r>
+            <a:r>
+              <a:rPr altLang="en-IN" b="1" sz="2800" lang="en-US">
+                <a:solidFill>
+                  <a:srgbClr val="800000"/>
+                </a:solidFill>
+              </a:rPr>
+              <a:t>.</a:t>
+            </a:r>
+            <a:endParaRPr b="1" sz="2800" lang="en-IN">
+              <a:solidFill>
+                <a:srgbClr val="800000"/>
+              </a:solidFill>
+            </a:endParaRPr>
+          </a:p>
+        </p:txBody>
+      </p:sp>
+      <p:sp>
+        <p:nvSpPr>
+          <p:cNvPr id="1048706" name=""/>
+          <p:cNvSpPr txBox="1"/>
+          <p:nvPr/>
+        </p:nvSpPr>
+        <p:spPr>
+          <a:xfrm>
+            <a:off x="1428997" y="3219450"/>
+            <a:ext cx="6667001" cy="1767840"/>
+          </a:xfrm>
+          <a:prstGeom prst="rect"/>
+        </p:spPr>
+        <p:txBody>
+          <a:bodyPr rtlCol="0" wrap="square">
+            <a:spAutoFit/>
+          </a:bodyPr>
+          <a:p>
+            <a:r>
+              <a:rPr altLang="en-IN" sz="2800" lang="en-US">
+                <a:solidFill>
+                  <a:srgbClr val="002060"/>
+                </a:solidFill>
+              </a:rPr>
+              <a:t>L</a:t>
+            </a:r>
+            <a:r>
+              <a:rPr altLang="en-IN" sz="2800" lang="en-US">
+                <a:solidFill>
+                  <a:srgbClr val="002060"/>
+                </a:solidFill>
+              </a:rPr>
+              <a:t>a</a:t>
+            </a:r>
+            <a:r>
+              <a:rPr altLang="en-IN" sz="2800" lang="en-US">
+                <a:solidFill>
+                  <a:srgbClr val="002060"/>
+                </a:solidFill>
+              </a:rPr>
+              <a:t>y</a:t>
+            </a:r>
+            <a:r>
+              <a:rPr altLang="en-IN" sz="2800" lang="en-US">
+                <a:solidFill>
+                  <a:srgbClr val="002060"/>
+                </a:solidFill>
+              </a:rPr>
+              <a:t>out</a:t>
+            </a:r>
+            <a:r>
+              <a:rPr altLang="en-IN" sz="2800" lang="en-US">
+                <a:solidFill>
+                  <a:srgbClr val="002060"/>
+                </a:solidFill>
+              </a:rPr>
+              <a:t>:</a:t>
+            </a:r>
+            <a:endParaRPr sz="2800" lang="en-IN">
+              <a:solidFill>
+                <a:srgbClr val="000000"/>
+              </a:solidFill>
+            </a:endParaRPr>
+          </a:p>
+          <a:p>
+            <a:r>
+              <a:rPr altLang="en-IN" sz="2800" lang="en-US">
+                <a:solidFill>
+                  <a:srgbClr val="002060"/>
+                </a:solidFill>
+              </a:rPr>
+              <a:t>Introduction</a:t>
+            </a:r>
+            <a:r>
+              <a:rPr altLang="en-IN" sz="2800" lang="en-US">
+                <a:solidFill>
+                  <a:srgbClr val="002060"/>
+                </a:solidFill>
+              </a:rPr>
+              <a:t>,</a:t>
+            </a:r>
+            <a:r>
+              <a:rPr altLang="en-IN" sz="2800" lang="en-US">
+                <a:solidFill>
+                  <a:srgbClr val="002060"/>
+                </a:solidFill>
+              </a:rPr>
+              <a:t>Project showcases</a:t>
+            </a:r>
+            <a:r>
+              <a:rPr altLang="en-IN" sz="2800" lang="en-US">
+                <a:solidFill>
+                  <a:srgbClr val="002060"/>
+                </a:solidFill>
+              </a:rPr>
+              <a:t>,</a:t>
+            </a:r>
+            <a:r>
+              <a:rPr altLang="en-IN" sz="2800" lang="en-US">
+                <a:solidFill>
+                  <a:srgbClr val="002060"/>
+                </a:solidFill>
+              </a:rPr>
+              <a:t>Navigation</a:t>
+            </a:r>
+            <a:r>
+              <a:rPr altLang="en-IN" sz="2800" lang="en-US">
+                <a:solidFill>
+                  <a:srgbClr val="002060"/>
+                </a:solidFill>
+              </a:rPr>
+              <a:t>,</a:t>
+            </a:r>
+            <a:r>
+              <a:rPr altLang="en-IN" sz="2800" lang="en-US">
+                <a:solidFill>
+                  <a:srgbClr val="002060"/>
+                </a:solidFill>
+              </a:rPr>
+              <a:t>Visual hierarchy</a:t>
+            </a:r>
+            <a:r>
+              <a:rPr altLang="en-IN" sz="2800" lang="en-US">
+                <a:solidFill>
+                  <a:srgbClr val="002060"/>
+                </a:solidFill>
+              </a:rPr>
+              <a:t>,</a:t>
+            </a:r>
+            <a:r>
+              <a:rPr altLang="en-IN" sz="2800" lang="en-US">
+                <a:solidFill>
+                  <a:srgbClr val="002060"/>
+                </a:solidFill>
+              </a:rPr>
+              <a:t>Grid layout</a:t>
+            </a:r>
+            <a:r>
+              <a:rPr altLang="en-IN" sz="2800" lang="en-US">
+                <a:solidFill>
+                  <a:srgbClr val="002060"/>
+                </a:solidFill>
+              </a:rPr>
+              <a:t>,</a:t>
+            </a:r>
+            <a:r>
+              <a:rPr altLang="en-IN" sz="2800" lang="en-US">
+                <a:solidFill>
+                  <a:srgbClr val="002060"/>
+                </a:solidFill>
+              </a:rPr>
+              <a:t>Masonry layout</a:t>
+            </a:r>
+            <a:r>
+              <a:rPr altLang="en-IN" sz="2800" lang="en-US">
+                <a:solidFill>
+                  <a:srgbClr val="002060"/>
+                </a:solidFill>
+              </a:rPr>
+              <a:t>.</a:t>
+            </a:r>
+            <a:endParaRPr sz="2800" lang="en-IN">
+              <a:solidFill>
+                <a:srgbClr val="000000"/>
+              </a:solidFill>
+            </a:endParaRPr>
+          </a:p>
+        </p:txBody>
+      </p:sp>
     </p:spTree>
   </p:cSld>
   <p:clrMapOvr>
@@ -7277,7 +11938,7 @@
   <p:cSld>
     <p:spTree>
       <p:nvGrpSpPr>
-        <p:cNvPr id="38" name=""/>
+        <p:cNvPr id="24" name=""/>
         <p:cNvGrpSpPr/>
         <p:nvPr/>
       </p:nvGrpSpPr>
@@ -7291,7 +11952,7 @@
       </p:grpSpPr>
       <p:sp>
         <p:nvSpPr>
-          <p:cNvPr id="1048668" name="Title 1"/>
+          <p:cNvPr id="1048617" name="Title 1"/>
           <p:cNvSpPr>
             <a:spLocks noGrp="1"/>
           </p:cNvSpPr>
@@ -7312,6 +11973,312 @@
               <a:rPr dirty="0" lang="en-IN"/>
               <a:t>FEATURES AND FUNCTIONALITY</a:t>
             </a:r>
+          </a:p>
+        </p:txBody>
+      </p:sp>
+      <p:sp>
+        <p:nvSpPr>
+          <p:cNvPr id="1048711" name=""/>
+          <p:cNvSpPr txBox="1"/>
+          <p:nvPr/>
+        </p:nvSpPr>
+        <p:spPr>
+          <a:xfrm>
+            <a:off x="1650297" y="1626218"/>
+            <a:ext cx="7865793" cy="1348740"/>
+          </a:xfrm>
+          <a:prstGeom prst="rect"/>
+        </p:spPr>
+        <p:txBody>
+          <a:bodyPr rtlCol="0" wrap="square">
+            <a:spAutoFit/>
+          </a:bodyPr>
+          <a:p>
+            <a:r>
+              <a:rPr altLang="en-IN" sz="2800" lang="en-US">
+                <a:solidFill>
+                  <a:srgbClr val="330066"/>
+                </a:solidFill>
+              </a:rPr>
+              <a:t>F</a:t>
+            </a:r>
+            <a:r>
+              <a:rPr altLang="en-IN" sz="2800" lang="en-US">
+                <a:solidFill>
+                  <a:srgbClr val="330066"/>
+                </a:solidFill>
+              </a:rPr>
+              <a:t>u</a:t>
+            </a:r>
+            <a:r>
+              <a:rPr altLang="en-IN" sz="2800" lang="en-US">
+                <a:solidFill>
+                  <a:srgbClr val="330066"/>
+                </a:solidFill>
+              </a:rPr>
+              <a:t>t</a:t>
+            </a:r>
+            <a:r>
+              <a:rPr altLang="en-IN" sz="2800" lang="en-US">
+                <a:solidFill>
+                  <a:srgbClr val="330066"/>
+                </a:solidFill>
+              </a:rPr>
+              <a:t>u</a:t>
+            </a:r>
+            <a:r>
+              <a:rPr altLang="en-IN" sz="2800" lang="en-US">
+                <a:solidFill>
+                  <a:srgbClr val="330066"/>
+                </a:solidFill>
+              </a:rPr>
+              <a:t>r</a:t>
+            </a:r>
+            <a:r>
+              <a:rPr altLang="en-IN" sz="2800" lang="en-US">
+                <a:solidFill>
+                  <a:srgbClr val="330066"/>
+                </a:solidFill>
+              </a:rPr>
+              <a:t>e</a:t>
+            </a:r>
+            <a:r>
+              <a:rPr altLang="en-IN" sz="2800" lang="en-US">
+                <a:solidFill>
+                  <a:srgbClr val="330066"/>
+                </a:solidFill>
+              </a:rPr>
+              <a:t>s</a:t>
+            </a:r>
+            <a:r>
+              <a:rPr altLang="en-IN" sz="2800" lang="en-US">
+                <a:solidFill>
+                  <a:srgbClr val="330066"/>
+                </a:solidFill>
+              </a:rPr>
+              <a:t>:</a:t>
+            </a:r>
+            <a:endParaRPr sz="2800" lang="en-IN">
+              <a:solidFill>
+                <a:srgbClr val="000000"/>
+              </a:solidFill>
+            </a:endParaRPr>
+          </a:p>
+          <a:p>
+            <a:r>
+              <a:rPr altLang="en-IN" sz="2800" lang="en-US">
+                <a:solidFill>
+                  <a:srgbClr val="330066"/>
+                </a:solidFill>
+              </a:rPr>
+              <a:t>Al-powered portfolio analysis</a:t>
+            </a:r>
+            <a:r>
+              <a:rPr altLang="en-IN" sz="2800" lang="en-US">
+                <a:solidFill>
+                  <a:srgbClr val="330066"/>
+                </a:solidFill>
+              </a:rPr>
+              <a:t>,</a:t>
+            </a:r>
+            <a:r>
+              <a:rPr altLang="en-IN" sz="2800" lang="en-US">
+                <a:solidFill>
+                  <a:srgbClr val="330066"/>
+                </a:solidFill>
+              </a:rPr>
+              <a:t>Cloud-based systems</a:t>
+            </a:r>
+            <a:r>
+              <a:rPr altLang="en-IN" sz="2800" lang="en-US">
+                <a:solidFill>
+                  <a:srgbClr val="330066"/>
+                </a:solidFill>
+              </a:rPr>
+              <a:t>,</a:t>
+            </a:r>
+            <a:r>
+              <a:rPr altLang="en-IN" sz="2800" lang="en-US">
+                <a:solidFill>
+                  <a:srgbClr val="330066"/>
+                </a:solidFill>
+              </a:rPr>
+              <a:t>Sustainability and ESG factors</a:t>
+            </a:r>
+            <a:r>
+              <a:rPr altLang="en-IN" sz="2800" lang="en-US">
+                <a:solidFill>
+                  <a:srgbClr val="330066"/>
+                </a:solidFill>
+              </a:rPr>
+              <a:t>.</a:t>
+            </a:r>
+            <a:endParaRPr sz="2800" lang="en-IN">
+              <a:solidFill>
+                <a:srgbClr val="000000"/>
+              </a:solidFill>
+            </a:endParaRPr>
+          </a:p>
+        </p:txBody>
+      </p:sp>
+      <p:sp>
+        <p:nvSpPr>
+          <p:cNvPr id="1048712" name=""/>
+          <p:cNvSpPr txBox="1"/>
+          <p:nvPr/>
+        </p:nvSpPr>
+        <p:spPr>
+          <a:xfrm>
+            <a:off x="1567544" y="3219450"/>
+            <a:ext cx="7255818" cy="2186940"/>
+          </a:xfrm>
+          <a:prstGeom prst="rect"/>
+        </p:spPr>
+        <p:txBody>
+          <a:bodyPr rtlCol="0" wrap="square">
+            <a:spAutoFit/>
+          </a:bodyPr>
+          <a:p>
+            <a:r>
+              <a:rPr altLang="en-IN" sz="2800" lang="en-US">
+                <a:solidFill>
+                  <a:srgbClr val="008000"/>
+                </a:solidFill>
+              </a:rPr>
+              <a:t>F</a:t>
+            </a:r>
+            <a:r>
+              <a:rPr altLang="en-IN" sz="2800" lang="en-US">
+                <a:solidFill>
+                  <a:srgbClr val="008000"/>
+                </a:solidFill>
+              </a:rPr>
+              <a:t>u</a:t>
+            </a:r>
+            <a:r>
+              <a:rPr altLang="en-IN" sz="2800" lang="en-US">
+                <a:solidFill>
+                  <a:srgbClr val="008000"/>
+                </a:solidFill>
+              </a:rPr>
+              <a:t>n</a:t>
+            </a:r>
+            <a:r>
+              <a:rPr altLang="en-IN" sz="2800" lang="en-US">
+                <a:solidFill>
+                  <a:srgbClr val="008000"/>
+                </a:solidFill>
+              </a:rPr>
+              <a:t>c</a:t>
+            </a:r>
+            <a:r>
+              <a:rPr altLang="en-IN" sz="2800" lang="en-US">
+                <a:solidFill>
+                  <a:srgbClr val="008000"/>
+                </a:solidFill>
+              </a:rPr>
+              <a:t>tionality</a:t>
+            </a:r>
+            <a:r>
+              <a:rPr altLang="en-IN" sz="2800" lang="en-US">
+                <a:solidFill>
+                  <a:srgbClr val="008000"/>
+                </a:solidFill>
+              </a:rPr>
+              <a:t>:</a:t>
+            </a:r>
+            <a:endParaRPr sz="2800" lang="en-IN">
+              <a:solidFill>
+                <a:srgbClr val="000000"/>
+              </a:solidFill>
+            </a:endParaRPr>
+          </a:p>
+          <a:p>
+            <a:r>
+              <a:rPr altLang="en-IN" sz="2800" lang="en-US">
+                <a:solidFill>
+                  <a:srgbClr val="008000"/>
+                </a:solidFill>
+              </a:rPr>
+              <a:t>Automated data analysis</a:t>
+            </a:r>
+            <a:r>
+              <a:rPr altLang="en-IN" sz="2800" lang="en-US">
+                <a:solidFill>
+                  <a:srgbClr val="008000"/>
+                </a:solidFill>
+              </a:rPr>
+              <a:t>,</a:t>
+            </a:r>
+            <a:r>
+              <a:rPr altLang="en-IN" sz="2800" lang="en-US">
+                <a:solidFill>
+                  <a:srgbClr val="008000"/>
+                </a:solidFill>
+              </a:rPr>
+              <a:t>Predictive analytics</a:t>
+            </a:r>
+            <a:r>
+              <a:rPr altLang="en-IN" sz="2800" lang="en-US">
+                <a:solidFill>
+                  <a:srgbClr val="008000"/>
+                </a:solidFill>
+              </a:rPr>
+              <a:t>,</a:t>
+            </a:r>
+            <a:r>
+              <a:rPr altLang="en-IN" sz="2800" lang="en-US">
+                <a:solidFill>
+                  <a:srgbClr val="008000"/>
+                </a:solidFill>
+              </a:rPr>
+              <a:t>Real-time tracking and adjustment</a:t>
+            </a:r>
+            <a:r>
+              <a:rPr altLang="en-IN" sz="2800" lang="en-US">
+                <a:solidFill>
+                  <a:srgbClr val="008000"/>
+                </a:solidFill>
+              </a:rPr>
+              <a:t>,</a:t>
+            </a:r>
+            <a:r>
+              <a:rPr altLang="en-IN" sz="2800" lang="en-US">
+                <a:solidFill>
+                  <a:srgbClr val="008000"/>
+                </a:solidFill>
+              </a:rPr>
+              <a:t>Enhanced stakeholder engagement</a:t>
+            </a:r>
+            <a:r>
+              <a:rPr altLang="en-IN" sz="2800" lang="en-US">
+                <a:solidFill>
+                  <a:srgbClr val="008000"/>
+                </a:solidFill>
+              </a:rPr>
+              <a:t>,</a:t>
+            </a:r>
+            <a:r>
+              <a:rPr altLang="en-IN" sz="2800" lang="en-US">
+                <a:solidFill>
+                  <a:srgbClr val="008000"/>
+                </a:solidFill>
+              </a:rPr>
+              <a:t>Integration with enterprise architecture</a:t>
+            </a:r>
+            <a:r>
+              <a:rPr altLang="en-IN" sz="2800" lang="en-US">
+                <a:solidFill>
+                  <a:srgbClr val="008000"/>
+                </a:solidFill>
+              </a:rPr>
+              <a:t>.</a:t>
+            </a:r>
+            <a:endParaRPr sz="2800" lang="en-IN">
+              <a:solidFill>
+                <a:srgbClr val="000000"/>
+              </a:solidFill>
+            </a:endParaRPr>
           </a:p>
         </p:txBody>
       </p:sp>
